--- a/Kims_project.pptx
+++ b/Kims_project.pptx
@@ -3624,53 +3624,6 @@
       </p:pic>
       <p:pic>
         <p:nvPicPr>
-          <p:cNvPr id="4106" name="Picture 10" descr="Arkanoid Stage 3...">
-            <a:extLst>
-              <a:ext uri="{FF2B5EF4-FFF2-40B4-BE49-F238E27FC236}">
-                <a16:creationId xmlns:a16="http://schemas.microsoft.com/office/drawing/2014/main" id="{423E1957-FE2E-40E1-9947-F81181E609D2}"/>
-              </a:ext>
-            </a:extLst>
-          </p:cNvPr>
-          <p:cNvPicPr>
-            <a:picLocks noChangeAspect="1" noChangeArrowheads="1"/>
-          </p:cNvPicPr>
-          <p:nvPr/>
-        </p:nvPicPr>
-        <p:blipFill>
-          <a:blip r:embed="rId4">
-            <a:extLst>
-              <a:ext uri="{28A0092B-C50C-407E-A947-70E740481C1C}">
-                <a14:useLocalDpi xmlns:a14="http://schemas.microsoft.com/office/drawing/2010/main" val="0"/>
-              </a:ext>
-            </a:extLst>
-          </a:blip>
-          <a:srcRect/>
-          <a:stretch>
-            <a:fillRect/>
-          </a:stretch>
-        </p:blipFill>
-        <p:spPr bwMode="auto">
-          <a:xfrm>
-            <a:off x="8355433" y="4122518"/>
-            <a:ext cx="1641231" cy="1875692"/>
-          </a:xfrm>
-          <a:prstGeom prst="rect">
-            <a:avLst/>
-          </a:prstGeom>
-          <a:noFill/>
-          <a:extLst>
-            <a:ext uri="{909E8E84-426E-40DD-AFC4-6F175D3DCCD1}">
-              <a14:hiddenFill xmlns:a14="http://schemas.microsoft.com/office/drawing/2010/main">
-                <a:solidFill>
-                  <a:srgbClr val="FFFFFF"/>
-                </a:solidFill>
-              </a14:hiddenFill>
-            </a:ext>
-          </a:extLst>
-        </p:spPr>
-      </p:pic>
-      <p:pic>
-        <p:nvPicPr>
           <p:cNvPr id="2054" name="Picture 6" descr="VR챗(VRChat) 플레이 17 - Tier Land - YouTube">
             <a:extLst>
               <a:ext uri="{FF2B5EF4-FFF2-40B4-BE49-F238E27FC236}">
@@ -3684,7 +3637,7 @@
           <p:nvPr/>
         </p:nvPicPr>
         <p:blipFill rotWithShape="1">
-          <a:blip r:embed="rId5">
+          <a:blip r:embed="rId4">
             <a:extLst>
               <a:ext uri="{28A0092B-C50C-407E-A947-70E740481C1C}">
                 <a14:useLocalDpi xmlns:a14="http://schemas.microsoft.com/office/drawing/2010/main" val="0"/>
@@ -3698,53 +3651,6 @@
           <a:xfrm>
             <a:off x="4323445" y="1718858"/>
             <a:ext cx="3125979" cy="2163567"/>
-          </a:xfrm>
-          <a:prstGeom prst="rect">
-            <a:avLst/>
-          </a:prstGeom>
-          <a:noFill/>
-          <a:extLst>
-            <a:ext uri="{909E8E84-426E-40DD-AFC4-6F175D3DCCD1}">
-              <a14:hiddenFill xmlns:a14="http://schemas.microsoft.com/office/drawing/2010/main">
-                <a:solidFill>
-                  <a:srgbClr val="FFFFFF"/>
-                </a:solidFill>
-              </a14:hiddenFill>
-            </a:ext>
-          </a:extLst>
-        </p:spPr>
-      </p:pic>
-      <p:pic>
-        <p:nvPicPr>
-          <p:cNvPr id="4108" name="Picture 12" descr="attachment/arkan...">
-            <a:extLst>
-              <a:ext uri="{FF2B5EF4-FFF2-40B4-BE49-F238E27FC236}">
-                <a16:creationId xmlns:a16="http://schemas.microsoft.com/office/drawing/2014/main" id="{29B4DAB1-35B9-4A9A-8294-7FE089300CC2}"/>
-              </a:ext>
-            </a:extLst>
-          </p:cNvPr>
-          <p:cNvPicPr>
-            <a:picLocks noChangeAspect="1" noChangeArrowheads="1"/>
-          </p:cNvPicPr>
-          <p:nvPr/>
-        </p:nvPicPr>
-        <p:blipFill>
-          <a:blip r:embed="rId6">
-            <a:extLst>
-              <a:ext uri="{28A0092B-C50C-407E-A947-70E740481C1C}">
-                <a14:useLocalDpi xmlns:a14="http://schemas.microsoft.com/office/drawing/2010/main" val="0"/>
-              </a:ext>
-            </a:extLst>
-          </a:blip>
-          <a:srcRect/>
-          <a:stretch>
-            <a:fillRect/>
-          </a:stretch>
-        </p:blipFill>
-        <p:spPr bwMode="auto">
-          <a:xfrm>
-            <a:off x="6623106" y="4122518"/>
-            <a:ext cx="1641231" cy="1875692"/>
           </a:xfrm>
           <a:prstGeom prst="rect">
             <a:avLst/>
@@ -3894,16 +3800,20 @@
           </a:p>
           <a:p>
             <a:r>
-              <a:rPr lang="ko-KR" altLang="en-US" dirty="0"/>
-              <a:t>내 게임 </a:t>
-            </a:r>
-            <a:r>
-              <a:rPr lang="ko-KR" altLang="en-US" b="1" dirty="0">
-                <a:solidFill>
-                  <a:srgbClr val="00B0F0"/>
-                </a:solidFill>
-              </a:rPr>
-              <a:t>차별화</a:t>
+              <a:rPr lang="en-US" altLang="ko-KR" dirty="0"/>
+              <a:t>“</a:t>
+            </a:r>
+            <a:r>
+              <a:rPr lang="ko-KR" altLang="en-US" dirty="0"/>
+              <a:t>퀘스트 보드</a:t>
+            </a:r>
+            <a:r>
+              <a:rPr lang="en-US" altLang="ko-KR" dirty="0"/>
+              <a:t>”</a:t>
+            </a:r>
+            <a:r>
+              <a:rPr lang="ko-KR" altLang="en-US" dirty="0"/>
+              <a:t>의 기획의도</a:t>
             </a:r>
             <a:br>
               <a:rPr lang="en-US" altLang="ko-KR" dirty="0"/>
@@ -3914,19 +3824,7 @@
             </a:r>
             <a:r>
               <a:rPr lang="ko-KR" altLang="en-US" dirty="0"/>
-              <a:t>발동조건 후 </a:t>
-            </a:r>
-            <a:r>
-              <a:rPr lang="ko-KR" altLang="en-US" b="1" dirty="0">
-                <a:solidFill>
-                  <a:srgbClr val="00B0F0"/>
-                </a:solidFill>
-              </a:rPr>
-              <a:t>아이템</a:t>
-            </a:r>
-            <a:r>
-              <a:rPr lang="ko-KR" altLang="en-US" dirty="0"/>
-              <a:t> 드랍</a:t>
+              <a:t>서비스 업무요청 게시판에서 담당능력을 벗어난 진상 요청자를 응대한 경험</a:t>
             </a:r>
             <a:br>
               <a:rPr lang="en-US" altLang="ko-KR" dirty="0"/>
@@ -3937,19 +3835,7 @@
             </a:r>
             <a:r>
               <a:rPr lang="ko-KR" altLang="en-US" dirty="0"/>
-              <a:t>레벨디자인 </a:t>
-            </a:r>
-            <a:r>
-              <a:rPr lang="ko-KR" altLang="en-US" b="1" dirty="0">
-                <a:solidFill>
-                  <a:srgbClr val="00B0F0"/>
-                </a:solidFill>
-              </a:rPr>
-              <a:t>맵 배치</a:t>
-            </a:r>
-            <a:r>
-              <a:rPr lang="ko-KR" altLang="en-US" dirty="0"/>
-              <a:t>와 난이도</a:t>
+              <a:t>특수 아르바이트 또는 심부름 센터에서 취급하는 가상 의뢰내용을 게임소재 활용</a:t>
             </a:r>
             <a:br>
               <a:rPr lang="en-US" altLang="ko-KR" dirty="0"/>
@@ -3959,16 +3845,16 @@
               <a:t>- </a:t>
             </a:r>
             <a:r>
-              <a:rPr lang="ko-KR" altLang="en-US" b="1" dirty="0"/>
-              <a:t>게임 </a:t>
-            </a:r>
-            <a:r>
-              <a:rPr lang="ko-KR" altLang="en-US" b="1" dirty="0" err="1"/>
-              <a:t>클라이막스</a:t>
-            </a:r>
-            <a:r>
-              <a:rPr lang="ko-KR" altLang="en-US" b="1" dirty="0"/>
-              <a:t> 또는 하이라이트</a:t>
+              <a:rPr lang="ko-KR" altLang="en-US" dirty="0"/>
+              <a:t>엉망진창 의뢰 게시판을 보기 편하고 깔끔하게 정리하는 콘텐츠의 </a:t>
+            </a:r>
+            <a:r>
+              <a:rPr lang="en-US" altLang="ko-KR" dirty="0"/>
+              <a:t>1</a:t>
+            </a:r>
+            <a:r>
+              <a:rPr lang="ko-KR" altLang="en-US" dirty="0"/>
+              <a:t>인 개발 희망</a:t>
             </a:r>
           </a:p>
         </p:txBody>
@@ -4025,24 +3911,20 @@
           <a:lstStyle/>
           <a:p>
             <a:r>
-              <a:rPr lang="ko-KR" altLang="en-US" dirty="0"/>
-              <a:t>내 게임</a:t>
-            </a:r>
-            <a:r>
-              <a:rPr lang="en-US" altLang="ko-KR" dirty="0"/>
-              <a:t>(</a:t>
-            </a:r>
-            <a:r>
-              <a:rPr lang="ko-KR" altLang="en-US" dirty="0"/>
-              <a:t>시스템</a:t>
-            </a:r>
-            <a:r>
-              <a:rPr lang="en-US" altLang="ko-KR" dirty="0"/>
-              <a:t>)</a:t>
-            </a:r>
-            <a:r>
-              <a:rPr lang="ko-KR" altLang="en-US" dirty="0"/>
-              <a:t> 수익 구조</a:t>
+              <a:rPr lang="en-US" altLang="ko-KR" dirty="0"/>
+              <a:t>“</a:t>
+            </a:r>
+            <a:r>
+              <a:rPr lang="ko-KR" altLang="en-US" dirty="0"/>
+              <a:t>퀘스트 보드</a:t>
+            </a:r>
+            <a:r>
+              <a:rPr lang="en-US" altLang="ko-KR" dirty="0"/>
+              <a:t>” </a:t>
+            </a:r>
+            <a:r>
+              <a:rPr lang="ko-KR" altLang="en-US" dirty="0"/>
+              <a:t>수익 구조</a:t>
             </a:r>
           </a:p>
         </p:txBody>
@@ -4131,8 +4013,20 @@
           <a:lstStyle/>
           <a:p>
             <a:r>
-              <a:rPr lang="ko-KR" altLang="en-US" dirty="0"/>
-              <a:t>내 게임 수익 구조</a:t>
+              <a:rPr lang="en-US" altLang="ko-KR" dirty="0"/>
+              <a:t>“</a:t>
+            </a:r>
+            <a:r>
+              <a:rPr lang="ko-KR" altLang="en-US" dirty="0"/>
+              <a:t>퀘스트 보드</a:t>
+            </a:r>
+            <a:r>
+              <a:rPr lang="en-US" altLang="ko-KR" dirty="0"/>
+              <a:t>”</a:t>
+            </a:r>
+            <a:r>
+              <a:rPr lang="ko-KR" altLang="en-US" dirty="0"/>
+              <a:t> 수익 구조</a:t>
             </a:r>
           </a:p>
         </p:txBody>
@@ -4155,13 +4049,13 @@
         </p:nvSpPr>
         <p:spPr>
           <a:xfrm>
-            <a:off x="1040744" y="2013357"/>
-            <a:ext cx="7130133" cy="3976382"/>
+            <a:off x="1040744" y="1669410"/>
+            <a:ext cx="7130133" cy="4320330"/>
           </a:xfrm>
         </p:spPr>
         <p:txBody>
           <a:bodyPr>
-            <a:normAutofit lnSpcReduction="10000"/>
+            <a:normAutofit/>
           </a:bodyPr>
           <a:lstStyle/>
           <a:p>
@@ -4182,7 +4076,19 @@
             </a:r>
             <a:r>
               <a:rPr lang="ko-KR" altLang="en-US" sz="2400" dirty="0"/>
-              <a:t>게임 오버 안내 후 전체화면 동영상 광고</a:t>
+              <a:t>스테이지 진입</a:t>
+            </a:r>
+            <a:r>
+              <a:rPr lang="en-US" altLang="ko-KR" sz="2400" dirty="0"/>
+              <a:t>, </a:t>
+            </a:r>
+            <a:r>
+              <a:rPr lang="ko-KR" altLang="en-US" sz="2400" dirty="0" err="1"/>
+              <a:t>게임오버될</a:t>
+            </a:r>
+            <a:r>
+              <a:rPr lang="ko-KR" altLang="en-US" sz="2400" dirty="0"/>
+              <a:t> 때 동영상 광고</a:t>
             </a:r>
             <a:br>
               <a:rPr lang="en-US" altLang="ko-KR" sz="2400" dirty="0"/>
@@ -4193,7 +4099,7 @@
             </a:r>
             <a:r>
               <a:rPr lang="ko-KR" altLang="en-US" sz="2400" dirty="0"/>
-              <a:t>스테이지 재도전시 전체화면 동영상 광고</a:t>
+              <a:t>게임화면 상단 또는 하단에 배너광고 삽입</a:t>
             </a:r>
             <a:br>
               <a:rPr lang="en-US" altLang="ko-KR" sz="2400" dirty="0"/>
@@ -4204,27 +4110,11 @@
             </a:r>
             <a:r>
               <a:rPr lang="ko-KR" altLang="en-US" sz="2400" dirty="0"/>
-              <a:t>하단 배너광고 금지</a:t>
+              <a:t>정적인 게시판이기에 광고 삽입 용이함</a:t>
             </a:r>
             <a:r>
               <a:rPr lang="en-US" altLang="ko-KR" sz="2400" dirty="0"/>
-              <a:t>! (</a:t>
-            </a:r>
-            <a:r>
-              <a:rPr lang="ko-KR" altLang="en-US" sz="2400" dirty="0" err="1"/>
-              <a:t>몰입감</a:t>
-            </a:r>
-            <a:r>
-              <a:rPr lang="ko-KR" altLang="en-US" sz="2400" dirty="0"/>
-              <a:t> </a:t>
-            </a:r>
-            <a:r>
-              <a:rPr lang="ko-KR" altLang="en-US" sz="2400" dirty="0" err="1"/>
-              <a:t>회손</a:t>
-            </a:r>
-            <a:r>
-              <a:rPr lang="en-US" altLang="ko-KR" sz="2400" dirty="0"/>
-              <a:t>) </a:t>
+              <a:t>.</a:t>
             </a:r>
           </a:p>
           <a:p>
@@ -4248,7 +4138,7 @@
             </a:r>
             <a:r>
               <a:rPr lang="ko-KR" altLang="en-US" sz="2400" dirty="0"/>
-              <a:t>후원금 리워드 충전 </a:t>
+              <a:t>광고참여 리워드 충전</a:t>
             </a:r>
             <a:br>
               <a:rPr lang="en-US" altLang="ko-KR" sz="2400" dirty="0"/>
@@ -4259,7 +4149,7 @@
             </a:r>
             <a:r>
               <a:rPr lang="ko-KR" altLang="en-US" sz="2400" dirty="0"/>
-              <a:t>광고참여 리워드 충전</a:t>
+              <a:t>리워드로 광고 감소 제공</a:t>
             </a:r>
             <a:br>
               <a:rPr lang="en-US" altLang="ko-KR" sz="2400" dirty="0"/>
@@ -4270,7 +4160,15 @@
             </a:r>
             <a:r>
               <a:rPr lang="ko-KR" altLang="en-US" sz="2400" dirty="0"/>
-              <a:t>리워드로 광고 감소 제공</a:t>
+              <a:t>게임후원 </a:t>
+            </a:r>
+            <a:r>
+              <a:rPr lang="ko-KR" altLang="en-US" sz="2400" dirty="0" err="1"/>
+              <a:t>콜라보</a:t>
+            </a:r>
+            <a:r>
+              <a:rPr lang="ko-KR" altLang="en-US" sz="2400" dirty="0"/>
+              <a:t> 가능함</a:t>
             </a:r>
           </a:p>
         </p:txBody>
@@ -4296,7 +4194,7 @@
         </p:blipFill>
         <p:spPr>
           <a:xfrm>
-            <a:off x="8162647" y="1937855"/>
+            <a:off x="8196203" y="1937855"/>
             <a:ext cx="3086100" cy="4051884"/>
           </a:xfrm>
           <a:prstGeom prst="rect">
@@ -4325,7 +4223,7 @@
         </p:blipFill>
         <p:spPr>
           <a:xfrm>
-            <a:off x="5063685" y="3884801"/>
+            <a:off x="5021740" y="3884801"/>
             <a:ext cx="1398183" cy="2071382"/>
           </a:xfrm>
           <a:prstGeom prst="rect">
@@ -4347,8 +4245,8 @@
         </p:nvSpPr>
         <p:spPr>
           <a:xfrm>
-            <a:off x="6461868" y="3951215"/>
-            <a:ext cx="1709009" cy="931178"/>
+            <a:off x="6461868" y="4102217"/>
+            <a:ext cx="1709009" cy="780176"/>
           </a:xfrm>
           <a:prstGeom prst="leftRightArrow">
             <a:avLst/>
@@ -4396,8 +4294,8 @@
         </p:nvSpPr>
         <p:spPr>
           <a:xfrm>
-            <a:off x="6480044" y="4950904"/>
-            <a:ext cx="1709009" cy="931178"/>
+            <a:off x="6480044" y="5101906"/>
+            <a:ext cx="1709009" cy="780176"/>
           </a:xfrm>
           <a:prstGeom prst="leftRightArrow">
             <a:avLst/>
@@ -4432,6 +4330,114 @@
               <a:t>무광고</a:t>
             </a:r>
             <a:endParaRPr lang="ko-KR" altLang="en-US" sz="2400" b="1" dirty="0"/>
+          </a:p>
+        </p:txBody>
+      </p:sp>
+      <p:sp>
+        <p:nvSpPr>
+          <p:cNvPr id="11" name="직사각형 10">
+            <a:extLst>
+              <a:ext uri="{FF2B5EF4-FFF2-40B4-BE49-F238E27FC236}">
+                <a16:creationId xmlns:a16="http://schemas.microsoft.com/office/drawing/2014/main" id="{21188116-57E1-4AA6-978B-17ABB1523CA9}"/>
+              </a:ext>
+            </a:extLst>
+          </p:cNvPr>
+          <p:cNvSpPr/>
+          <p:nvPr/>
+        </p:nvSpPr>
+        <p:spPr>
+          <a:xfrm>
+            <a:off x="8204433" y="2525086"/>
+            <a:ext cx="3077870" cy="805343"/>
+          </a:xfrm>
+          <a:prstGeom prst="rect">
+            <a:avLst/>
+          </a:prstGeom>
+        </p:spPr>
+        <p:style>
+          <a:lnRef idx="2">
+            <a:schemeClr val="accent1">
+              <a:shade val="50000"/>
+            </a:schemeClr>
+          </a:lnRef>
+          <a:fillRef idx="1">
+            <a:schemeClr val="accent1"/>
+          </a:fillRef>
+          <a:effectRef idx="0">
+            <a:schemeClr val="accent1"/>
+          </a:effectRef>
+          <a:fontRef idx="minor">
+            <a:schemeClr val="lt1"/>
+          </a:fontRef>
+        </p:style>
+        <p:txBody>
+          <a:bodyPr rtlCol="0" anchor="ctr"/>
+          <a:lstStyle/>
+          <a:p>
+            <a:pPr algn="ctr"/>
+            <a:r>
+              <a:rPr lang="ko-KR" altLang="en-US" sz="2400" b="1" dirty="0"/>
+              <a:t>게임 후원자 </a:t>
+            </a:r>
+            <a:r>
+              <a:rPr lang="ko-KR" altLang="en-US" sz="2400" b="1" dirty="0" err="1"/>
+              <a:t>콜라보</a:t>
+            </a:r>
+            <a:endParaRPr lang="ko-KR" altLang="en-US" sz="2400" b="1" dirty="0"/>
+          </a:p>
+        </p:txBody>
+      </p:sp>
+      <p:sp>
+        <p:nvSpPr>
+          <p:cNvPr id="12" name="직사각형 11">
+            <a:extLst>
+              <a:ext uri="{FF2B5EF4-FFF2-40B4-BE49-F238E27FC236}">
+                <a16:creationId xmlns:a16="http://schemas.microsoft.com/office/drawing/2014/main" id="{CD2FA554-2AF2-477D-A7B2-06D2F1FF8C72}"/>
+              </a:ext>
+            </a:extLst>
+          </p:cNvPr>
+          <p:cNvSpPr/>
+          <p:nvPr/>
+        </p:nvSpPr>
+        <p:spPr>
+          <a:xfrm>
+            <a:off x="5020342" y="4102217"/>
+            <a:ext cx="1398183" cy="252715"/>
+          </a:xfrm>
+          <a:prstGeom prst="rect">
+            <a:avLst/>
+          </a:prstGeom>
+        </p:spPr>
+        <p:style>
+          <a:lnRef idx="2">
+            <a:schemeClr val="accent1">
+              <a:shade val="50000"/>
+            </a:schemeClr>
+          </a:lnRef>
+          <a:fillRef idx="1">
+            <a:schemeClr val="accent1"/>
+          </a:fillRef>
+          <a:effectRef idx="0">
+            <a:schemeClr val="accent1"/>
+          </a:effectRef>
+          <a:fontRef idx="minor">
+            <a:schemeClr val="lt1"/>
+          </a:fontRef>
+        </p:style>
+        <p:txBody>
+          <a:bodyPr rtlCol="0" anchor="ctr"/>
+          <a:lstStyle/>
+          <a:p>
+            <a:pPr algn="ctr"/>
+            <a:r>
+              <a:rPr lang="ko-KR" altLang="en-US" sz="1400" b="1" dirty="0"/>
+              <a:t>게임 </a:t>
+            </a:r>
+            <a:r>
+              <a:rPr lang="ko-KR" altLang="en-US" sz="1400" b="1" dirty="0" err="1"/>
+              <a:t>콜라보</a:t>
+            </a:r>
+            <a:endParaRPr lang="ko-KR" altLang="en-US" sz="1400" b="1" dirty="0"/>
           </a:p>
         </p:txBody>
       </p:sp>
@@ -6625,8 +6631,20 @@
           <a:lstStyle/>
           <a:p>
             <a:r>
-              <a:rPr lang="ko-KR" altLang="en-US" dirty="0"/>
-              <a:t>내 게임을 즐기려면</a:t>
+              <a:rPr lang="en-US" altLang="ko-KR" dirty="0"/>
+              <a:t>“</a:t>
+            </a:r>
+            <a:r>
+              <a:rPr lang="ko-KR" altLang="en-US" dirty="0"/>
+              <a:t>퀘스트 보드</a:t>
+            </a:r>
+            <a:r>
+              <a:rPr lang="en-US" altLang="ko-KR" dirty="0"/>
+              <a:t>”</a:t>
+            </a:r>
+            <a:r>
+              <a:rPr lang="ko-KR" altLang="en-US" dirty="0"/>
+              <a:t>를 즐기려면</a:t>
             </a:r>
             <a:r>
               <a:rPr lang="en-US" altLang="ko-KR" dirty="0"/>
@@ -6739,7 +6757,7 @@
         </p:blipFill>
         <p:spPr bwMode="auto">
           <a:xfrm>
-            <a:off x="1619074" y="3146919"/>
+            <a:off x="2315361" y="3146919"/>
             <a:ext cx="2755084" cy="2755084"/>
           </a:xfrm>
           <a:prstGeom prst="rect">
@@ -6779,20 +6797,16 @@
           <a:lstStyle/>
           <a:p>
             <a:r>
-              <a:rPr lang="ko-KR" altLang="en-US" dirty="0"/>
-              <a:t>내 게임</a:t>
-            </a:r>
-            <a:r>
-              <a:rPr lang="en-US" altLang="ko-KR" dirty="0"/>
-              <a:t>(</a:t>
-            </a:r>
-            <a:r>
-              <a:rPr lang="ko-KR" altLang="en-US" dirty="0"/>
-              <a:t>시스템</a:t>
-            </a:r>
-            <a:r>
-              <a:rPr lang="en-US" altLang="ko-KR" dirty="0"/>
-              <a:t>)</a:t>
+              <a:rPr lang="en-US" altLang="ko-KR" dirty="0"/>
+              <a:t>“</a:t>
+            </a:r>
+            <a:r>
+              <a:rPr lang="ko-KR" altLang="en-US" dirty="0"/>
+              <a:t>퀘스트 보드</a:t>
+            </a:r>
+            <a:r>
+              <a:rPr lang="en-US" altLang="ko-KR" dirty="0"/>
+              <a:t>”</a:t>
             </a:r>
             <a:r>
               <a:rPr lang="ko-KR" altLang="en-US" dirty="0"/>
@@ -6824,7 +6838,7 @@
         </p:nvSpPr>
         <p:spPr>
           <a:xfrm>
-            <a:off x="1141412" y="1291203"/>
+            <a:off x="1644752" y="1886822"/>
             <a:ext cx="4876800" cy="3124201"/>
           </a:xfrm>
         </p:spPr>
@@ -6846,16 +6860,10 @@
               <a:t>- </a:t>
             </a:r>
             <a:r>
-              <a:rPr lang="en-US" altLang="ko-KR" sz="2000" i="1" dirty="0">
+              <a:rPr lang="ko-KR" altLang="en-US" sz="2000" b="1" i="1" dirty="0">
                 <a:effectLst/>
               </a:rPr>
-              <a:t>ARKANOID</a:t>
-            </a:r>
-            <a:r>
-              <a:rPr lang="ko-KR" altLang="en-US" sz="2000" i="1" dirty="0">
-                <a:effectLst/>
-              </a:rPr>
-              <a:t> </a:t>
+              <a:t>퀘스트 보드 </a:t>
             </a:r>
             <a:r>
               <a:rPr lang="ko-KR" altLang="en-US" sz="2000" dirty="0">
@@ -6890,7 +6898,7 @@
         </p:nvSpPr>
         <p:spPr>
           <a:xfrm>
-            <a:off x="6170612" y="1291204"/>
+            <a:off x="5784718" y="1886823"/>
             <a:ext cx="4876800" cy="3124200"/>
           </a:xfrm>
         </p:spPr>
@@ -6920,8 +6928,16 @@
               <a:t>포탈사이트 </a:t>
             </a:r>
             <a:r>
+              <a:rPr lang="ko-KR" altLang="en-US" sz="2000" b="1" dirty="0"/>
+              <a:t>퀘스트 보드</a:t>
+            </a:r>
+            <a:r>
+              <a:rPr lang="en-US" altLang="ko-KR" sz="2000" b="1" dirty="0"/>
+              <a:t> </a:t>
+            </a:r>
+            <a:r>
               <a:rPr lang="en-US" altLang="ko-KR" sz="2000" dirty="0"/>
-              <a:t>ARKANOID HTML5 </a:t>
+              <a:t>HTML5 </a:t>
             </a:r>
             <a:r>
               <a:rPr lang="ko-KR" altLang="en-US" sz="2000" dirty="0"/>
@@ -6963,7 +6979,7 @@
         </p:blipFill>
         <p:spPr bwMode="auto">
           <a:xfrm>
-            <a:off x="7071221" y="3146919"/>
+            <a:off x="6718883" y="3146919"/>
             <a:ext cx="2755084" cy="2755084"/>
           </a:xfrm>
           <a:prstGeom prst="rect">
@@ -7011,6 +7027,36 @@
           <a:chExt cx="0" cy="0"/>
         </a:xfrm>
       </p:grpSpPr>
+      <p:pic>
+        <p:nvPicPr>
+          <p:cNvPr id="5" name="그림 4">
+            <a:extLst>
+              <a:ext uri="{FF2B5EF4-FFF2-40B4-BE49-F238E27FC236}">
+                <a16:creationId xmlns:a16="http://schemas.microsoft.com/office/drawing/2014/main" id="{EFAF19A0-C74B-4304-A87D-7AEB57493DBC}"/>
+              </a:ext>
+            </a:extLst>
+          </p:cNvPr>
+          <p:cNvPicPr>
+            <a:picLocks noChangeAspect="1"/>
+          </p:cNvPicPr>
+          <p:nvPr/>
+        </p:nvPicPr>
+        <p:blipFill>
+          <a:blip r:embed="rId2"/>
+          <a:stretch>
+            <a:fillRect/>
+          </a:stretch>
+        </p:blipFill>
+        <p:spPr>
+          <a:xfrm>
+            <a:off x="1140270" y="2862741"/>
+            <a:ext cx="2186381" cy="2915174"/>
+          </a:xfrm>
+          <a:prstGeom prst="rect">
+            <a:avLst/>
+          </a:prstGeom>
+        </p:spPr>
+      </p:pic>
       <p:sp>
         <p:nvSpPr>
           <p:cNvPr id="2" name="제목 1">
@@ -7447,15 +7493,7 @@
           <a:p>
             <a:r>
               <a:rPr lang="ko-KR" altLang="en-US" dirty="0"/>
-              <a:t>게임 </a:t>
-            </a:r>
-            <a:r>
-              <a:rPr lang="ko-KR" altLang="en-US"/>
-              <a:t>배경설명과 게임플레이 </a:t>
-            </a:r>
-            <a:r>
-              <a:rPr lang="ko-KR" altLang="en-US" dirty="0"/>
-              <a:t>미리보기</a:t>
+              <a:t>게임 배경설명과 게임플레이 미리보기</a:t>
             </a:r>
             <a:endParaRPr lang="en-US" altLang="ko-KR" dirty="0"/>
           </a:p>
@@ -7479,100 +7517,6 @@
           </a:p>
         </p:txBody>
       </p:sp>
-      <p:pic>
-        <p:nvPicPr>
-          <p:cNvPr id="1030" name="Picture 6" descr="고전 오락실게임 9 : 벽돌깨기(Arkanoid) : 네이버 블로그">
-            <a:extLst>
-              <a:ext uri="{FF2B5EF4-FFF2-40B4-BE49-F238E27FC236}">
-                <a16:creationId xmlns:a16="http://schemas.microsoft.com/office/drawing/2014/main" id="{98D249B5-E9E5-4B8D-981A-63950FB1358D}"/>
-              </a:ext>
-            </a:extLst>
-          </p:cNvPr>
-          <p:cNvPicPr>
-            <a:picLocks noChangeAspect="1" noChangeArrowheads="1"/>
-          </p:cNvPicPr>
-          <p:nvPr/>
-        </p:nvPicPr>
-        <p:blipFill>
-          <a:blip r:embed="rId2">
-            <a:extLst>
-              <a:ext uri="{28A0092B-C50C-407E-A947-70E740481C1C}">
-                <a14:useLocalDpi xmlns:a14="http://schemas.microsoft.com/office/drawing/2010/main" val="0"/>
-              </a:ext>
-            </a:extLst>
-          </a:blip>
-          <a:srcRect/>
-          <a:stretch>
-            <a:fillRect/>
-          </a:stretch>
-        </p:blipFill>
-        <p:spPr bwMode="auto">
-          <a:xfrm>
-            <a:off x="1128858" y="2862741"/>
-            <a:ext cx="2168835" cy="2915174"/>
-          </a:xfrm>
-          <a:prstGeom prst="rect">
-            <a:avLst/>
-          </a:prstGeom>
-          <a:noFill/>
-          <a:extLst>
-            <a:ext uri="{909E8E84-426E-40DD-AFC4-6F175D3DCCD1}">
-              <a14:hiddenFill xmlns:a14="http://schemas.microsoft.com/office/drawing/2010/main">
-                <a:solidFill>
-                  <a:srgbClr val="FFFFFF"/>
-                </a:solidFill>
-              </a14:hiddenFill>
-            </a:ext>
-          </a:extLst>
-        </p:spPr>
-      </p:pic>
-      <p:pic>
-        <p:nvPicPr>
-          <p:cNvPr id="1032" name="Picture 8" descr="벽돌깨기 게임 알카노이드 : 네이버 블로그">
-            <a:extLst>
-              <a:ext uri="{FF2B5EF4-FFF2-40B4-BE49-F238E27FC236}">
-                <a16:creationId xmlns:a16="http://schemas.microsoft.com/office/drawing/2014/main" id="{E071E9E0-77D1-42C7-98F9-ED6B1EA8F128}"/>
-              </a:ext>
-            </a:extLst>
-          </p:cNvPr>
-          <p:cNvPicPr>
-            <a:picLocks noChangeAspect="1" noChangeArrowheads="1"/>
-          </p:cNvPicPr>
-          <p:nvPr/>
-        </p:nvPicPr>
-        <p:blipFill>
-          <a:blip r:embed="rId3">
-            <a:extLst>
-              <a:ext uri="{28A0092B-C50C-407E-A947-70E740481C1C}">
-                <a14:useLocalDpi xmlns:a14="http://schemas.microsoft.com/office/drawing/2010/main" val="0"/>
-              </a:ext>
-            </a:extLst>
-          </a:blip>
-          <a:srcRect/>
-          <a:stretch>
-            <a:fillRect/>
-          </a:stretch>
-        </p:blipFill>
-        <p:spPr bwMode="auto">
-          <a:xfrm>
-            <a:off x="4298995" y="2862741"/>
-            <a:ext cx="2886158" cy="2915175"/>
-          </a:xfrm>
-          <a:prstGeom prst="rect">
-            <a:avLst/>
-          </a:prstGeom>
-          <a:noFill/>
-          <a:extLst>
-            <a:ext uri="{909E8E84-426E-40DD-AFC4-6F175D3DCCD1}">
-              <a14:hiddenFill xmlns:a14="http://schemas.microsoft.com/office/drawing/2010/main">
-                <a:solidFill>
-                  <a:srgbClr val="FFFFFF"/>
-                </a:solidFill>
-              </a14:hiddenFill>
-            </a:ext>
-          </a:extLst>
-        </p:spPr>
-      </p:pic>
       <p:pic>
         <p:nvPicPr>
           <p:cNvPr id="1034" name="Picture 10" descr="https://blog.kakaocdn.net/dn/ofMaL/btrdOMOMkdb/fkqRr1VjJTgVK8hl5mJqOk/img.png">
@@ -7588,7 +7532,7 @@
           <p:nvPr/>
         </p:nvPicPr>
         <p:blipFill>
-          <a:blip r:embed="rId4">
+          <a:blip r:embed="rId3">
             <a:extLst>
               <a:ext uri="{28A0092B-C50C-407E-A947-70E740481C1C}">
                 <a14:useLocalDpi xmlns:a14="http://schemas.microsoft.com/office/drawing/2010/main" val="0"/>
@@ -7726,8 +7670,8 @@
         </p:nvSpPr>
         <p:spPr>
           <a:xfrm flipH="1">
-            <a:off x="2147582" y="6126056"/>
-            <a:ext cx="7642370" cy="404771"/>
+            <a:off x="2147582" y="5821961"/>
+            <a:ext cx="7642370" cy="616588"/>
           </a:xfrm>
           <a:prstGeom prst="stripedRightArrow">
             <a:avLst/>
@@ -7762,6 +7706,237 @@
               </a:rPr>
               <a:t>게임 미리보기는 시작 전까지 계속 반복됨</a:t>
             </a:r>
+          </a:p>
+        </p:txBody>
+      </p:sp>
+      <p:pic>
+        <p:nvPicPr>
+          <p:cNvPr id="1026" name="Picture 2" descr="건강보험심사평가원 - 그거 아세요? 술 취한 '꽐라'의 어원은 코알라란 사실을…!?! 매일 송년회로 지친 나는…코알라  http://bit.ly/1wlZJqV #알코올성_간질환_조심! #꽐라의_어원은_코알라 | Facebook">
+            <a:extLst>
+              <a:ext uri="{FF2B5EF4-FFF2-40B4-BE49-F238E27FC236}">
+                <a16:creationId xmlns:a16="http://schemas.microsoft.com/office/drawing/2014/main" id="{18EB24CF-06D8-429B-BD5A-55A6CE92E990}"/>
+              </a:ext>
+            </a:extLst>
+          </p:cNvPr>
+          <p:cNvPicPr>
+            <a:picLocks noChangeAspect="1" noChangeArrowheads="1"/>
+          </p:cNvPicPr>
+          <p:nvPr/>
+        </p:nvPicPr>
+        <p:blipFill rotWithShape="1">
+          <a:blip r:embed="rId4">
+            <a:extLst>
+              <a:ext uri="{28A0092B-C50C-407E-A947-70E740481C1C}">
+                <a14:useLocalDpi xmlns:a14="http://schemas.microsoft.com/office/drawing/2010/main" val="0"/>
+              </a:ext>
+            </a:extLst>
+          </a:blip>
+          <a:srcRect l="11211"/>
+          <a:stretch/>
+        </p:blipFill>
+        <p:spPr bwMode="auto">
+          <a:xfrm>
+            <a:off x="4479721" y="2862742"/>
+            <a:ext cx="2588360" cy="2915174"/>
+          </a:xfrm>
+          <a:prstGeom prst="rect">
+            <a:avLst/>
+          </a:prstGeom>
+          <a:noFill/>
+          <a:extLst>
+            <a:ext uri="{909E8E84-426E-40DD-AFC4-6F175D3DCCD1}">
+              <a14:hiddenFill xmlns:a14="http://schemas.microsoft.com/office/drawing/2010/main">
+                <a:solidFill>
+                  <a:srgbClr val="FFFFFF"/>
+                </a:solidFill>
+              </a14:hiddenFill>
+            </a:ext>
+          </a:extLst>
+        </p:spPr>
+      </p:pic>
+      <p:sp>
+        <p:nvSpPr>
+          <p:cNvPr id="7" name="직사각형 6">
+            <a:extLst>
+              <a:ext uri="{FF2B5EF4-FFF2-40B4-BE49-F238E27FC236}">
+                <a16:creationId xmlns:a16="http://schemas.microsoft.com/office/drawing/2014/main" id="{03EEB6B9-84A4-4E8E-ACB3-13A4C3E0B45A}"/>
+              </a:ext>
+            </a:extLst>
+          </p:cNvPr>
+          <p:cNvSpPr/>
+          <p:nvPr/>
+        </p:nvSpPr>
+        <p:spPr>
+          <a:xfrm>
+            <a:off x="8287372" y="2862741"/>
+            <a:ext cx="2915174" cy="635468"/>
+          </a:xfrm>
+          <a:prstGeom prst="rect">
+            <a:avLst/>
+          </a:prstGeom>
+        </p:spPr>
+        <p:style>
+          <a:lnRef idx="2">
+            <a:schemeClr val="accent1">
+              <a:shade val="50000"/>
+            </a:schemeClr>
+          </a:lnRef>
+          <a:fillRef idx="1">
+            <a:schemeClr val="accent1"/>
+          </a:fillRef>
+          <a:effectRef idx="0">
+            <a:schemeClr val="accent1"/>
+          </a:effectRef>
+          <a:fontRef idx="minor">
+            <a:schemeClr val="lt1"/>
+          </a:fontRef>
+        </p:style>
+        <p:txBody>
+          <a:bodyPr rtlCol="0" anchor="ctr"/>
+          <a:lstStyle/>
+          <a:p>
+            <a:pPr algn="ctr"/>
+            <a:r>
+              <a:rPr lang="ko-KR" altLang="en-US" sz="2400" b="1" dirty="0"/>
+              <a:t>난잡한 의뢰 게시판</a:t>
+            </a:r>
+            <a:endParaRPr lang="ko-KR" altLang="en-US" b="1" dirty="0"/>
+          </a:p>
+        </p:txBody>
+      </p:sp>
+      <p:pic>
+        <p:nvPicPr>
+          <p:cNvPr id="8" name="Picture 6" descr="스티커 코알라개 - 무료 스티커 동물개">
+            <a:extLst>
+              <a:ext uri="{FF2B5EF4-FFF2-40B4-BE49-F238E27FC236}">
+                <a16:creationId xmlns:a16="http://schemas.microsoft.com/office/drawing/2014/main" id="{63C74F1B-17DF-402C-BB51-CF88C65F4B83}"/>
+              </a:ext>
+            </a:extLst>
+          </p:cNvPr>
+          <p:cNvPicPr>
+            <a:picLocks noChangeAspect="1" noChangeArrowheads="1"/>
+          </p:cNvPicPr>
+          <p:nvPr/>
+        </p:nvPicPr>
+        <p:blipFill rotWithShape="1">
+          <a:blip r:embed="rId5">
+            <a:extLst>
+              <a:ext uri="{28A0092B-C50C-407E-A947-70E740481C1C}">
+                <a14:useLocalDpi xmlns:a14="http://schemas.microsoft.com/office/drawing/2010/main" val="0"/>
+              </a:ext>
+            </a:extLst>
+          </a:blip>
+          <a:srcRect t="17717" b="19314"/>
+          <a:stretch/>
+        </p:blipFill>
+        <p:spPr bwMode="auto">
+          <a:xfrm>
+            <a:off x="8675395" y="4605556"/>
+            <a:ext cx="1846624" cy="1162786"/>
+          </a:xfrm>
+          <a:prstGeom prst="rect">
+            <a:avLst/>
+          </a:prstGeom>
+          <a:noFill/>
+          <a:extLst>
+            <a:ext uri="{909E8E84-426E-40DD-AFC4-6F175D3DCCD1}">
+              <a14:hiddenFill xmlns:a14="http://schemas.microsoft.com/office/drawing/2010/main">
+                <a:solidFill>
+                  <a:srgbClr val="FFFFFF"/>
+                </a:solidFill>
+              </a14:hiddenFill>
+            </a:ext>
+          </a:extLst>
+        </p:spPr>
+      </p:pic>
+      <p:sp>
+        <p:nvSpPr>
+          <p:cNvPr id="10" name="TextBox 9">
+            <a:extLst>
+              <a:ext uri="{FF2B5EF4-FFF2-40B4-BE49-F238E27FC236}">
+                <a16:creationId xmlns:a16="http://schemas.microsoft.com/office/drawing/2014/main" id="{AC5CB0F6-DD24-44A5-9191-7669A760546E}"/>
+              </a:ext>
+            </a:extLst>
+          </p:cNvPr>
+          <p:cNvSpPr txBox="1"/>
+          <p:nvPr/>
+        </p:nvSpPr>
+        <p:spPr>
+          <a:xfrm>
+            <a:off x="4219629" y="2861344"/>
+            <a:ext cx="3108543" cy="461665"/>
+          </a:xfrm>
+          <a:prstGeom prst="rect">
+            <a:avLst/>
+          </a:prstGeom>
+          <a:noFill/>
+        </p:spPr>
+        <p:txBody>
+          <a:bodyPr wrap="none" rtlCol="0">
+            <a:spAutoFit/>
+          </a:bodyPr>
+          <a:lstStyle/>
+          <a:p>
+            <a:r>
+              <a:rPr lang="ko-KR" altLang="en-US" sz="2400" b="1" dirty="0">
+                <a:solidFill>
+                  <a:schemeClr val="accent1"/>
+                </a:solidFill>
+              </a:rPr>
+              <a:t>구직중인 만취 코알라</a:t>
+            </a:r>
+          </a:p>
+        </p:txBody>
+      </p:sp>
+      <p:sp>
+        <p:nvSpPr>
+          <p:cNvPr id="18" name="TextBox 17">
+            <a:extLst>
+              <a:ext uri="{FF2B5EF4-FFF2-40B4-BE49-F238E27FC236}">
+                <a16:creationId xmlns:a16="http://schemas.microsoft.com/office/drawing/2014/main" id="{35599E59-DCDD-43F2-B00A-D71625734983}"/>
+              </a:ext>
+            </a:extLst>
+          </p:cNvPr>
+          <p:cNvSpPr txBox="1"/>
+          <p:nvPr/>
+        </p:nvSpPr>
+        <p:spPr>
+          <a:xfrm>
+            <a:off x="8313430" y="4106273"/>
+            <a:ext cx="2909771" cy="461665"/>
+          </a:xfrm>
+          <a:prstGeom prst="rect">
+            <a:avLst/>
+          </a:prstGeom>
+          <a:noFill/>
+        </p:spPr>
+        <p:txBody>
+          <a:bodyPr wrap="none" rtlCol="0">
+            <a:spAutoFit/>
+          </a:bodyPr>
+          <a:lstStyle/>
+          <a:p>
+            <a:r>
+              <a:rPr lang="ko-KR" altLang="en-US" sz="2400" b="1" dirty="0">
+                <a:solidFill>
+                  <a:schemeClr val="accent1"/>
+                </a:solidFill>
+              </a:rPr>
+              <a:t>게시물 관리자 취직</a:t>
+            </a:r>
+            <a:r>
+              <a:rPr lang="en-US" altLang="ko-KR" sz="2400" b="1" dirty="0">
+                <a:solidFill>
+                  <a:schemeClr val="accent1"/>
+                </a:solidFill>
+              </a:rPr>
+              <a:t>!</a:t>
+            </a:r>
+            <a:endParaRPr lang="ko-KR" altLang="en-US" sz="2400" b="1" dirty="0">
+              <a:solidFill>
+                <a:schemeClr val="accent1"/>
+              </a:solidFill>
+            </a:endParaRPr>
           </a:p>
         </p:txBody>
       </p:sp>
@@ -7841,7 +8016,7 @@
         </p:nvSpPr>
         <p:spPr>
           <a:xfrm>
-            <a:off x="1141413" y="1962323"/>
+            <a:off x="1770588" y="1962323"/>
             <a:ext cx="4353376" cy="3124201"/>
           </a:xfrm>
         </p:spPr>
@@ -7850,8 +8025,8 @@
           <a:lstStyle/>
           <a:p>
             <a:r>
-              <a:rPr lang="ko-KR" altLang="en-US" dirty="0"/>
-              <a:t>시작화면에서 옵션선택</a:t>
+              <a:rPr lang="ko-KR" altLang="en-US"/>
+              <a:t>시작 옵션 선택가능</a:t>
             </a:r>
             <a:endParaRPr lang="en-US" altLang="ko-KR" dirty="0"/>
           </a:p>
@@ -7891,7 +8066,7 @@
         </p:nvSpPr>
         <p:spPr>
           <a:xfrm>
-            <a:off x="7532362" y="1962323"/>
+            <a:off x="6315957" y="1962323"/>
             <a:ext cx="4353376" cy="3124201"/>
           </a:xfrm>
           <a:prstGeom prst="rect">
@@ -8286,53 +8461,6 @@
           <a:xfrm>
             <a:off x="7532362" y="2552349"/>
             <a:ext cx="2915174" cy="2915174"/>
-          </a:xfrm>
-          <a:prstGeom prst="rect">
-            <a:avLst/>
-          </a:prstGeom>
-          <a:noFill/>
-          <a:extLst>
-            <a:ext uri="{909E8E84-426E-40DD-AFC4-6F175D3DCCD1}">
-              <a14:hiddenFill xmlns:a14="http://schemas.microsoft.com/office/drawing/2010/main">
-                <a:solidFill>
-                  <a:srgbClr val="FFFFFF"/>
-                </a:solidFill>
-              </a14:hiddenFill>
-            </a:ext>
-          </a:extLst>
-        </p:spPr>
-      </p:pic>
-      <p:pic>
-        <p:nvPicPr>
-          <p:cNvPr id="2050" name="Picture 2" descr="Arkanoid (USA) ROM &lt; NES ROMs | Emuparadise">
-            <a:extLst>
-              <a:ext uri="{FF2B5EF4-FFF2-40B4-BE49-F238E27FC236}">
-                <a16:creationId xmlns:a16="http://schemas.microsoft.com/office/drawing/2014/main" id="{E072A9BD-7649-4BEF-ADDF-2185F3F51FD1}"/>
-              </a:ext>
-            </a:extLst>
-          </p:cNvPr>
-          <p:cNvPicPr>
-            <a:picLocks noChangeAspect="1" noChangeArrowheads="1"/>
-          </p:cNvPicPr>
-          <p:nvPr/>
-        </p:nvPicPr>
-        <p:blipFill>
-          <a:blip r:embed="rId3">
-            <a:extLst>
-              <a:ext uri="{28A0092B-C50C-407E-A947-70E740481C1C}">
-                <a14:useLocalDpi xmlns:a14="http://schemas.microsoft.com/office/drawing/2010/main" val="0"/>
-              </a:ext>
-            </a:extLst>
-          </a:blip>
-          <a:srcRect/>
-          <a:stretch>
-            <a:fillRect/>
-          </a:stretch>
-        </p:blipFill>
-        <p:spPr bwMode="auto">
-          <a:xfrm>
-            <a:off x="1399243" y="2552349"/>
-            <a:ext cx="3109519" cy="2915174"/>
           </a:xfrm>
           <a:prstGeom prst="rect">
             <a:avLst/>
@@ -8705,88 +8833,158 @@
           <a:p>
             <a:r>
               <a:rPr lang="en-US" altLang="ko-KR" dirty="0"/>
-              <a:t>1P,</a:t>
-            </a:r>
-            <a:r>
-              <a:rPr lang="ko-KR" altLang="en-US" dirty="0"/>
-              <a:t> </a:t>
-            </a:r>
-            <a:r>
-              <a:rPr lang="en-US" altLang="ko-KR" dirty="0"/>
-              <a:t>2P</a:t>
-            </a:r>
-            <a:r>
-              <a:rPr lang="ko-KR" altLang="en-US" dirty="0"/>
-              <a:t> 선택 후 </a:t>
-            </a:r>
-            <a:r>
-              <a:rPr lang="ko-KR" altLang="en-US" dirty="0" err="1"/>
-              <a:t>한명</a:t>
-            </a:r>
-            <a:r>
-              <a:rPr lang="ko-KR" altLang="en-US" dirty="0"/>
-              <a:t> 씩 </a:t>
-            </a:r>
-            <a:r>
-              <a:rPr lang="ko-KR" altLang="en-US" dirty="0" err="1"/>
-              <a:t>턴제</a:t>
-            </a:r>
-            <a:r>
-              <a:rPr lang="ko-KR" altLang="en-US" dirty="0"/>
-              <a:t> 방식</a:t>
-            </a:r>
-            <a:r>
-              <a:rPr lang="en-US" altLang="ko-KR" dirty="0"/>
-              <a:t>, </a:t>
-            </a:r>
-            <a:r>
-              <a:rPr lang="ko-KR" altLang="en-US" dirty="0"/>
-              <a:t>개인점수와 </a:t>
-            </a:r>
-            <a:r>
-              <a:rPr lang="ko-KR" altLang="en-US" dirty="0" err="1"/>
-              <a:t>하이스코어는</a:t>
-            </a:r>
-            <a:r>
-              <a:rPr lang="ko-KR" altLang="en-US" dirty="0"/>
-              <a:t> 항상 띄우며 게임 시작</a:t>
+              <a:t>START</a:t>
+            </a:r>
+            <a:r>
+              <a:rPr lang="ko-KR" altLang="en-US" dirty="0"/>
+              <a:t>로 게임 시작이 가능</a:t>
+            </a:r>
+            <a:r>
+              <a:rPr lang="en-US" altLang="ko-KR" dirty="0"/>
+              <a:t>. </a:t>
+            </a:r>
+            <a:r>
+              <a:rPr lang="ko-KR" altLang="en-US" dirty="0"/>
+              <a:t>옵션의 설정내용은 추가 예정</a:t>
             </a:r>
             <a:endParaRPr lang="en-US" altLang="ko-KR" dirty="0"/>
           </a:p>
           <a:p>
             <a:r>
               <a:rPr lang="ko-KR" altLang="en-US" dirty="0"/>
-              <a:t>좌우 움직이는 </a:t>
-            </a:r>
-            <a:r>
-              <a:rPr lang="ko-KR" altLang="en-US" b="1" dirty="0" err="1"/>
-              <a:t>바우스</a:t>
-            </a:r>
-            <a:r>
-              <a:rPr lang="ko-KR" altLang="en-US" dirty="0" err="1"/>
-              <a:t>가</a:t>
-            </a:r>
-            <a:r>
-              <a:rPr lang="ko-KR" altLang="en-US" dirty="0"/>
-              <a:t> 에너지볼을 튕겨 </a:t>
-            </a:r>
-            <a:r>
-              <a:rPr lang="ko-KR" altLang="en-US" dirty="0" err="1"/>
-              <a:t>맵의</a:t>
-            </a:r>
-            <a:r>
-              <a:rPr lang="ko-KR" altLang="en-US" dirty="0"/>
-              <a:t> 컬러블록을 깨트려 다음 </a:t>
-            </a:r>
-            <a:r>
-              <a:rPr lang="ko-KR" altLang="en-US" dirty="0" err="1"/>
-              <a:t>맵으로</a:t>
-            </a:r>
-            <a:r>
-              <a:rPr lang="ko-KR" altLang="en-US" dirty="0"/>
-              <a:t> 이동 </a:t>
+              <a:t>코알라</a:t>
+            </a:r>
+            <a:r>
+              <a:rPr lang="en-US" altLang="ko-KR" dirty="0"/>
+              <a:t>(</a:t>
+            </a:r>
+            <a:r>
+              <a:rPr lang="ko-KR" altLang="en-US" dirty="0"/>
+              <a:t>플레이어</a:t>
+            </a:r>
+            <a:r>
+              <a:rPr lang="en-US" altLang="ko-KR" dirty="0"/>
+              <a:t>)</a:t>
+            </a:r>
+            <a:r>
+              <a:rPr lang="ko-KR" altLang="en-US"/>
+              <a:t>가 게시판 정리를 위해서 퀘스트를 재발행 후 조건대로 정리한다</a:t>
             </a:r>
             <a:endParaRPr lang="en-US" altLang="ko-KR" dirty="0"/>
+          </a:p>
+        </p:txBody>
+      </p:sp>
+      <p:pic>
+        <p:nvPicPr>
+          <p:cNvPr id="8" name="그림 7">
+            <a:extLst>
+              <a:ext uri="{FF2B5EF4-FFF2-40B4-BE49-F238E27FC236}">
+                <a16:creationId xmlns:a16="http://schemas.microsoft.com/office/drawing/2014/main" id="{6A3116D5-68C7-4402-84F7-1E910F9E98E9}"/>
+              </a:ext>
+            </a:extLst>
+          </p:cNvPr>
+          <p:cNvPicPr>
+            <a:picLocks noChangeAspect="1"/>
+          </p:cNvPicPr>
+          <p:nvPr/>
+        </p:nvPicPr>
+        <p:blipFill>
+          <a:blip r:embed="rId3"/>
+          <a:stretch>
+            <a:fillRect/>
+          </a:stretch>
+        </p:blipFill>
+        <p:spPr>
+          <a:xfrm>
+            <a:off x="2070536" y="2552348"/>
+            <a:ext cx="2186381" cy="2915174"/>
+          </a:xfrm>
+          <a:prstGeom prst="rect">
+            <a:avLst/>
+          </a:prstGeom>
+        </p:spPr>
+      </p:pic>
+      <p:pic>
+        <p:nvPicPr>
+          <p:cNvPr id="10" name="Picture 6" descr="VR챗(VRChat) 플레이 17 - Tier Land - YouTube">
+            <a:extLst>
+              <a:ext uri="{FF2B5EF4-FFF2-40B4-BE49-F238E27FC236}">
+                <a16:creationId xmlns:a16="http://schemas.microsoft.com/office/drawing/2014/main" id="{157E3A66-2312-49E6-83CA-396A78D47AAE}"/>
+              </a:ext>
+            </a:extLst>
+          </p:cNvPr>
+          <p:cNvPicPr>
+            <a:picLocks noChangeAspect="1" noChangeArrowheads="1"/>
+          </p:cNvPicPr>
+          <p:nvPr/>
+        </p:nvPicPr>
+        <p:blipFill rotWithShape="1">
+          <a:blip r:embed="rId4">
+            <a:extLst>
+              <a:ext uri="{28A0092B-C50C-407E-A947-70E740481C1C}">
+                <a14:useLocalDpi xmlns:a14="http://schemas.microsoft.com/office/drawing/2010/main" val="0"/>
+              </a:ext>
+            </a:extLst>
+          </a:blip>
+          <a:srcRect t="23841" r="21911" b="92"/>
+          <a:stretch/>
+        </p:blipFill>
+        <p:spPr bwMode="auto">
+          <a:xfrm>
+            <a:off x="5127245" y="2552347"/>
+            <a:ext cx="5320291" cy="2915175"/>
+          </a:xfrm>
+          <a:prstGeom prst="rect">
+            <a:avLst/>
+          </a:prstGeom>
+          <a:noFill/>
+          <a:extLst>
+            <a:ext uri="{909E8E84-426E-40DD-AFC4-6F175D3DCCD1}">
+              <a14:hiddenFill xmlns:a14="http://schemas.microsoft.com/office/drawing/2010/main">
+                <a:solidFill>
+                  <a:srgbClr val="FFFFFF"/>
+                </a:solidFill>
+              </a14:hiddenFill>
+            </a:ext>
+          </a:extLst>
+        </p:spPr>
+      </p:pic>
+      <p:sp>
+        <p:nvSpPr>
+          <p:cNvPr id="11" name="TextBox 10">
+            <a:extLst>
+              <a:ext uri="{FF2B5EF4-FFF2-40B4-BE49-F238E27FC236}">
+                <a16:creationId xmlns:a16="http://schemas.microsoft.com/office/drawing/2014/main" id="{88EA2929-DC53-4D53-91A6-DC522A6712A9}"/>
+              </a:ext>
+            </a:extLst>
+          </p:cNvPr>
+          <p:cNvSpPr txBox="1"/>
+          <p:nvPr/>
+        </p:nvSpPr>
+        <p:spPr>
+          <a:xfrm>
+            <a:off x="2840560" y="5010427"/>
+            <a:ext cx="646331" cy="369332"/>
+          </a:xfrm>
+          <a:prstGeom prst="rect">
+            <a:avLst/>
+          </a:prstGeom>
+          <a:noFill/>
+        </p:spPr>
+        <p:txBody>
+          <a:bodyPr wrap="none" rtlCol="0">
+            <a:spAutoFit/>
+          </a:bodyPr>
+          <a:lstStyle/>
+          <a:p>
+            <a:r>
+              <a:rPr lang="ko-KR" altLang="en-US" b="1" dirty="0">
+                <a:solidFill>
+                  <a:schemeClr val="accent1"/>
+                </a:solidFill>
+              </a:rPr>
+              <a:t>옵션</a:t>
+            </a:r>
           </a:p>
         </p:txBody>
       </p:sp>
@@ -9897,7 +10095,7 @@
             </a:r>
             <a:r>
               <a:rPr lang="ko-KR" altLang="en-US" dirty="0"/>
-              <a:t> 의뢰 게시판 관리자의 일</a:t>
+              <a:t> 의뢰 게시판 유지보수 담당자</a:t>
             </a:r>
             <a:endParaRPr lang="en-US" altLang="ko-KR" dirty="0">
               <a:effectLst/>
@@ -9986,8 +10184,20 @@
               <a:t>- </a:t>
             </a:r>
             <a:r>
-              <a:rPr lang="ko-KR" altLang="en-US" dirty="0"/>
-              <a:t>가벼운 마음으로 접속해서 클릭 또는 터치 방식으로 즐길 수 있는 게임</a:t>
+              <a:rPr lang="ko-KR" altLang="en-US" dirty="0" err="1"/>
+              <a:t>라이트노벨을</a:t>
+            </a:r>
+            <a:r>
+              <a:rPr lang="ko-KR" altLang="en-US" dirty="0"/>
+              <a:t> 읽듯</a:t>
+            </a:r>
+            <a:r>
+              <a:rPr lang="en-US" altLang="ko-KR" dirty="0"/>
+              <a:t>, </a:t>
+            </a:r>
+            <a:r>
+              <a:rPr lang="ko-KR" altLang="en-US" dirty="0"/>
+              <a:t>콘텐츠를 터치 방식으로 즐길 수 있는 게임</a:t>
             </a:r>
             <a:br>
               <a:rPr lang="en-US" altLang="ko-KR" dirty="0"/>

--- a/Kims_project.pptx
+++ b/Kims_project.pptx
@@ -5,7 +5,7 @@
     <p:sldMasterId id="2147483804" r:id="rId1"/>
   </p:sldMasterIdLst>
   <p:notesMasterIdLst>
-    <p:notesMasterId r:id="rId32"/>
+    <p:notesMasterId r:id="rId31"/>
   </p:notesMasterIdLst>
   <p:sldIdLst>
     <p:sldId id="256" r:id="rId2"/>
@@ -33,11 +33,10 @@
     <p:sldId id="278" r:id="rId24"/>
     <p:sldId id="279" r:id="rId25"/>
     <p:sldId id="287" r:id="rId26"/>
-    <p:sldId id="280" r:id="rId27"/>
-    <p:sldId id="281" r:id="rId28"/>
-    <p:sldId id="282" r:id="rId29"/>
-    <p:sldId id="283" r:id="rId30"/>
-    <p:sldId id="284" r:id="rId31"/>
+    <p:sldId id="281" r:id="rId27"/>
+    <p:sldId id="282" r:id="rId28"/>
+    <p:sldId id="283" r:id="rId29"/>
+    <p:sldId id="284" r:id="rId30"/>
   </p:sldIdLst>
   <p:sldSz cx="12192000" cy="6858000"/>
   <p:notesSz cx="6858000" cy="9144000"/>
@@ -141,7 +140,7 @@
       <p15:sldGuideLst xmlns:p15="http://schemas.microsoft.com/office/powerpoint/2012/main"/>
     </p:ext>
     <p:ext uri="GoogleSlidesCustomDataVersion2">
-      <go:slidesCustomData xmlns:go="http://customooxmlschemas.google.com/" xmlns:ahyp="http://schemas.microsoft.com/office/drawing/2018/hyperlinkcolor" xmlns:p15="http://schemas.microsoft.com/office/powerpoint/2012/main" xmlns:p14="http://schemas.microsoft.com/office/powerpoint/2010/main" xmlns:com="http://schemas.openxmlformats.org/drawingml/2006/compatibility" xmlns:pvml="urn:schemas-microsoft-com:office:powerpoint" xmlns:v="urn:schemas-microsoft-com:vml" xmlns:o="urn:schemas-microsoft-com:office:office" xmlns:dgm="http://schemas.openxmlformats.org/drawingml/2006/diagram" xmlns:c="http://schemas.openxmlformats.org/drawingml/2006/chart" xmlns:mv="urn:schemas-microsoft-com:mac:vml" xmlns:mc="http://schemas.openxmlformats.org/markup-compatibility/2006" xmlns="" r:id="rId35" roundtripDataSignature="AMtx7mghrlt7vITrAFKUHEYF4Lkpnf4b/g=="/>
+      <go:slidesCustomData xmlns="" xmlns:mc="http://schemas.openxmlformats.org/markup-compatibility/2006" xmlns:mv="urn:schemas-microsoft-com:mac:vml" xmlns:c="http://schemas.openxmlformats.org/drawingml/2006/chart" xmlns:dgm="http://schemas.openxmlformats.org/drawingml/2006/diagram" xmlns:o="urn:schemas-microsoft-com:office:office" xmlns:v="urn:schemas-microsoft-com:vml" xmlns:pvml="urn:schemas-microsoft-com:office:powerpoint" xmlns:com="http://schemas.openxmlformats.org/drawingml/2006/compatibility" xmlns:p14="http://schemas.microsoft.com/office/powerpoint/2010/main" xmlns:p15="http://schemas.microsoft.com/office/powerpoint/2012/main" xmlns:ahyp="http://schemas.microsoft.com/office/drawing/2018/hyperlinkcolor" xmlns:go="http://customooxmlschemas.google.com/" r:id="rId35" roundtripDataSignature="AMtx7mghrlt7vITrAFKUHEYF4Lkpnf4b/g=="/>
     </p:ext>
   </p:extLst>
 </p:presentation>
@@ -2475,7 +2474,7 @@
   <p:cSld>
     <p:spTree>
       <p:nvGrpSpPr>
-        <p:cNvPr id="1" name="Shape 288"/>
+        <p:cNvPr id="1" name="Shape 295"/>
         <p:cNvGrpSpPr/>
         <p:nvPr/>
       </p:nvGrpSpPr>
@@ -2489,7 +2488,7 @@
       </p:grpSpPr>
       <p:sp>
         <p:nvSpPr>
-          <p:cNvPr id="289" name="Google Shape;289;p25:notes"/>
+          <p:cNvPr id="296" name="Google Shape;296;p26:notes"/>
           <p:cNvSpPr txBox="1">
             <a:spLocks noGrp="1"/>
           </p:cNvSpPr>
@@ -2527,7 +2526,7 @@
       </p:sp>
       <p:sp>
         <p:nvSpPr>
-          <p:cNvPr id="290" name="Google Shape;290;p25:notes"/>
+          <p:cNvPr id="297" name="Google Shape;297;p26:notes"/>
           <p:cNvSpPr>
             <a:spLocks noGrp="1" noRot="1" noChangeAspect="1"/>
           </p:cNvSpPr>
@@ -2579,7 +2578,7 @@
   <p:cSld>
     <p:spTree>
       <p:nvGrpSpPr>
-        <p:cNvPr id="1" name="Shape 295"/>
+        <p:cNvPr id="1" name="Shape 301"/>
         <p:cNvGrpSpPr/>
         <p:nvPr/>
       </p:nvGrpSpPr>
@@ -2593,7 +2592,7 @@
       </p:grpSpPr>
       <p:sp>
         <p:nvSpPr>
-          <p:cNvPr id="296" name="Google Shape;296;p26:notes"/>
+          <p:cNvPr id="302" name="Google Shape;302;p27:notes"/>
           <p:cNvSpPr txBox="1">
             <a:spLocks noGrp="1"/>
           </p:cNvSpPr>
@@ -2631,7 +2630,7 @@
       </p:sp>
       <p:sp>
         <p:nvSpPr>
-          <p:cNvPr id="297" name="Google Shape;297;p26:notes"/>
+          <p:cNvPr id="303" name="Google Shape;303;p27:notes"/>
           <p:cNvSpPr>
             <a:spLocks noGrp="1" noRot="1" noChangeAspect="1"/>
           </p:cNvSpPr>
@@ -2683,7 +2682,7 @@
   <p:cSld>
     <p:spTree>
       <p:nvGrpSpPr>
-        <p:cNvPr id="1" name="Shape 301"/>
+        <p:cNvPr id="1" name="Shape 308"/>
         <p:cNvGrpSpPr/>
         <p:nvPr/>
       </p:nvGrpSpPr>
@@ -2697,7 +2696,7 @@
       </p:grpSpPr>
       <p:sp>
         <p:nvSpPr>
-          <p:cNvPr id="302" name="Google Shape;302;p27:notes"/>
+          <p:cNvPr id="309" name="Google Shape;309;p28:notes"/>
           <p:cNvSpPr txBox="1">
             <a:spLocks noGrp="1"/>
           </p:cNvSpPr>
@@ -2735,7 +2734,7 @@
       </p:sp>
       <p:sp>
         <p:nvSpPr>
-          <p:cNvPr id="303" name="Google Shape;303;p27:notes"/>
+          <p:cNvPr id="310" name="Google Shape;310;p28:notes"/>
           <p:cNvSpPr>
             <a:spLocks noGrp="1" noRot="1" noChangeAspect="1"/>
           </p:cNvSpPr>
@@ -2787,7 +2786,7 @@
   <p:cSld>
     <p:spTree>
       <p:nvGrpSpPr>
-        <p:cNvPr id="1" name="Shape 308"/>
+        <p:cNvPr id="1" name="Shape 318"/>
         <p:cNvGrpSpPr/>
         <p:nvPr/>
       </p:nvGrpSpPr>
@@ -2801,7 +2800,7 @@
       </p:grpSpPr>
       <p:sp>
         <p:nvSpPr>
-          <p:cNvPr id="309" name="Google Shape;309;p28:notes"/>
+          <p:cNvPr id="319" name="Google Shape;319;p29:notes"/>
           <p:cNvSpPr txBox="1">
             <a:spLocks noGrp="1"/>
           </p:cNvSpPr>
@@ -2839,7 +2838,7 @@
       </p:sp>
       <p:sp>
         <p:nvSpPr>
-          <p:cNvPr id="310" name="Google Shape;310;p28:notes"/>
+          <p:cNvPr id="320" name="Google Shape;320;p29:notes"/>
           <p:cNvSpPr>
             <a:spLocks noGrp="1" noRot="1" noChangeAspect="1"/>
           </p:cNvSpPr>
@@ -2944,110 +2943,6 @@
       <p:sp>
         <p:nvSpPr>
           <p:cNvPr id="102" name="Google Shape;102;p3:notes"/>
-          <p:cNvSpPr>
-            <a:spLocks noGrp="1" noRot="1" noChangeAspect="1"/>
-          </p:cNvSpPr>
-          <p:nvPr>
-            <p:ph type="sldImg" idx="2"/>
-          </p:nvPr>
-        </p:nvSpPr>
-        <p:spPr>
-          <a:xfrm>
-            <a:off x="381000" y="685800"/>
-            <a:ext cx="6096000" cy="3429000"/>
-          </a:xfrm>
-          <a:custGeom>
-            <a:avLst/>
-            <a:gdLst/>
-            <a:ahLst/>
-            <a:cxnLst/>
-            <a:rect l="l" t="t" r="r" b="b"/>
-            <a:pathLst>
-              <a:path w="120000" h="120000" extrusionOk="0">
-                <a:moveTo>
-                  <a:pt x="0" y="0"/>
-                </a:moveTo>
-                <a:lnTo>
-                  <a:pt x="120000" y="0"/>
-                </a:lnTo>
-                <a:lnTo>
-                  <a:pt x="120000" y="120000"/>
-                </a:lnTo>
-                <a:lnTo>
-                  <a:pt x="0" y="120000"/>
-                </a:lnTo>
-                <a:close/>
-              </a:path>
-            </a:pathLst>
-          </a:custGeom>
-        </p:spPr>
-      </p:sp>
-    </p:spTree>
-  </p:cSld>
-  <p:clrMapOvr>
-    <a:masterClrMapping/>
-  </p:clrMapOvr>
-</p:notes>
-</file>
-
-<file path=ppt/notesSlides/notesSlide30.xml><?xml version="1.0" encoding="utf-8"?>
-<p:notes xmlns:a="http://schemas.openxmlformats.org/drawingml/2006/main" xmlns:r="http://schemas.openxmlformats.org/officeDocument/2006/relationships" xmlns:p="http://schemas.openxmlformats.org/presentationml/2006/main" showMasterSp="0" showMasterPhAnim="0">
-  <p:cSld>
-    <p:spTree>
-      <p:nvGrpSpPr>
-        <p:cNvPr id="1" name="Shape 318"/>
-        <p:cNvGrpSpPr/>
-        <p:nvPr/>
-      </p:nvGrpSpPr>
-      <p:grpSpPr>
-        <a:xfrm>
-          <a:off x="0" y="0"/>
-          <a:ext cx="0" cy="0"/>
-          <a:chOff x="0" y="0"/>
-          <a:chExt cx="0" cy="0"/>
-        </a:xfrm>
-      </p:grpSpPr>
-      <p:sp>
-        <p:nvSpPr>
-          <p:cNvPr id="319" name="Google Shape;319;p29:notes"/>
-          <p:cNvSpPr txBox="1">
-            <a:spLocks noGrp="1"/>
-          </p:cNvSpPr>
-          <p:nvPr>
-            <p:ph type="body" idx="1"/>
-          </p:nvPr>
-        </p:nvSpPr>
-        <p:spPr>
-          <a:xfrm>
-            <a:off x="685800" y="4343400"/>
-            <a:ext cx="5486400" cy="4114800"/>
-          </a:xfrm>
-          <a:prstGeom prst="rect">
-            <a:avLst/>
-          </a:prstGeom>
-        </p:spPr>
-        <p:txBody>
-          <a:bodyPr spcFirstLastPara="1" wrap="square" lIns="91425" tIns="91425" rIns="91425" bIns="91425" anchor="t" anchorCtr="0">
-            <a:noAutofit/>
-          </a:bodyPr>
-          <a:lstStyle/>
-          <a:p>
-            <a:pPr marL="0" lvl="0" indent="0" algn="l" rtl="0">
-              <a:spcBef>
-                <a:spcPts val="0"/>
-              </a:spcBef>
-              <a:spcAft>
-                <a:spcPts val="0"/>
-              </a:spcAft>
-              <a:buNone/>
-            </a:pPr>
-            <a:endParaRPr/>
-          </a:p>
-        </p:txBody>
-      </p:sp>
-      <p:sp>
-        <p:nvSpPr>
-          <p:cNvPr id="320" name="Google Shape;320;p29:notes"/>
           <p:cNvSpPr>
             <a:spLocks noGrp="1" noRot="1" noChangeAspect="1"/>
           </p:cNvSpPr>
@@ -18474,233 +18369,6 @@
   <p:cSld>
     <p:spTree>
       <p:nvGrpSpPr>
-        <p:cNvPr id="1" name="Shape 291"/>
-        <p:cNvGrpSpPr/>
-        <p:nvPr/>
-      </p:nvGrpSpPr>
-      <p:grpSpPr>
-        <a:xfrm>
-          <a:off x="0" y="0"/>
-          <a:ext cx="0" cy="0"/>
-          <a:chOff x="0" y="0"/>
-          <a:chExt cx="0" cy="0"/>
-        </a:xfrm>
-      </p:grpSpPr>
-      <p:sp>
-        <p:nvSpPr>
-          <p:cNvPr id="292" name="Google Shape;292;p25"/>
-          <p:cNvSpPr txBox="1">
-            <a:spLocks noGrp="1"/>
-          </p:cNvSpPr>
-          <p:nvPr>
-            <p:ph type="title"/>
-          </p:nvPr>
-        </p:nvSpPr>
-        <p:spPr>
-          <a:prstGeom prst="rect">
-            <a:avLst/>
-          </a:prstGeom>
-          <a:noFill/>
-          <a:ln>
-            <a:noFill/>
-          </a:ln>
-        </p:spPr>
-        <p:txBody>
-          <a:bodyPr spcFirstLastPara="1" wrap="square" lIns="91425" tIns="45700" rIns="91425" bIns="45700" anchor="ctr" anchorCtr="0">
-            <a:normAutofit/>
-          </a:bodyPr>
-          <a:lstStyle/>
-          <a:p>
-            <a:pPr marL="0" lvl="0" indent="0" algn="ctr" rtl="0">
-              <a:lnSpc>
-                <a:spcPct val="90000"/>
-              </a:lnSpc>
-              <a:spcBef>
-                <a:spcPts val="0"/>
-              </a:spcBef>
-              <a:spcAft>
-                <a:spcPts val="0"/>
-              </a:spcAft>
-              <a:buClr>
-                <a:schemeClr val="accent1"/>
-              </a:buClr>
-              <a:buSzPts val="3200"/>
-              <a:buFont typeface="Rockwell"/>
-              <a:buNone/>
-            </a:pPr>
-            <a:r>
-              <a:rPr lang="ko-KR"/>
-              <a:t>옵션 난이도</a:t>
-            </a:r>
-            <a:endParaRPr/>
-          </a:p>
-        </p:txBody>
-      </p:sp>
-      <p:sp>
-        <p:nvSpPr>
-          <p:cNvPr id="293" name="Google Shape;293;p25"/>
-          <p:cNvSpPr txBox="1">
-            <a:spLocks noGrp="1"/>
-          </p:cNvSpPr>
-          <p:nvPr>
-            <p:ph idx="1"/>
-          </p:nvPr>
-        </p:nvSpPr>
-        <p:spPr>
-          <a:xfrm>
-            <a:off x="1141413" y="2432807"/>
-            <a:ext cx="9905998" cy="3464654"/>
-          </a:xfrm>
-          <a:prstGeom prst="rect">
-            <a:avLst/>
-          </a:prstGeom>
-          <a:noFill/>
-          <a:ln>
-            <a:noFill/>
-          </a:ln>
-        </p:spPr>
-        <p:txBody>
-          <a:bodyPr spcFirstLastPara="1" wrap="square" lIns="91425" tIns="45700" rIns="91425" bIns="45700" anchor="t" anchorCtr="0">
-            <a:normAutofit/>
-          </a:bodyPr>
-          <a:lstStyle/>
-          <a:p>
-            <a:pPr marL="228600" lvl="0" indent="-228600" algn="l" rtl="0">
-              <a:lnSpc>
-                <a:spcPct val="120000"/>
-              </a:lnSpc>
-              <a:spcBef>
-                <a:spcPts val="0"/>
-              </a:spcBef>
-              <a:spcAft>
-                <a:spcPts val="0"/>
-              </a:spcAft>
-              <a:buSzPts val="2000"/>
-              <a:buChar char="•"/>
-            </a:pPr>
-            <a:r>
-              <a:rPr lang="ko-KR" dirty="0"/>
-              <a:t>상시 의뢰서</a:t>
-            </a:r>
-            <a:br>
-              <a:rPr lang="ko-KR" dirty="0"/>
-            </a:br>
-            <a:r>
-              <a:rPr lang="ko-KR" dirty="0"/>
-              <a:t>- 여러 번 할 수 있는 고정 수입원</a:t>
-            </a:r>
-            <a:br>
-              <a:rPr lang="ko-KR" dirty="0"/>
-            </a:br>
-            <a:r>
-              <a:rPr lang="ko-KR" dirty="0"/>
-              <a:t>- 후반에 갈수록 고급 의뢰교체 가능</a:t>
-            </a:r>
-            <a:endParaRPr b="1" dirty="0">
-              <a:solidFill>
-                <a:srgbClr val="00B0F0"/>
-              </a:solidFill>
-            </a:endParaRPr>
-          </a:p>
-          <a:p>
-            <a:pPr marL="228600" lvl="0" indent="-101600" algn="l" rtl="0">
-              <a:lnSpc>
-                <a:spcPct val="120000"/>
-              </a:lnSpc>
-              <a:spcBef>
-                <a:spcPts val="1000"/>
-              </a:spcBef>
-              <a:spcAft>
-                <a:spcPts val="0"/>
-              </a:spcAft>
-              <a:buSzPts val="2000"/>
-              <a:buNone/>
-            </a:pPr>
-            <a:endParaRPr dirty="0"/>
-          </a:p>
-          <a:p>
-            <a:pPr marL="228600" lvl="0" indent="-228600" algn="l" rtl="0">
-              <a:lnSpc>
-                <a:spcPct val="120000"/>
-              </a:lnSpc>
-              <a:spcBef>
-                <a:spcPts val="1000"/>
-              </a:spcBef>
-              <a:spcAft>
-                <a:spcPts val="0"/>
-              </a:spcAft>
-              <a:buSzPts val="2000"/>
-              <a:buChar char="•"/>
-            </a:pPr>
-            <a:r>
-              <a:rPr lang="ko-KR" dirty="0"/>
-              <a:t>지정 의뢰서 또는 게시만료 서류</a:t>
-            </a:r>
-            <a:br>
-              <a:rPr lang="ko-KR" dirty="0"/>
-            </a:br>
-            <a:r>
-              <a:rPr lang="ko-KR" dirty="0"/>
-              <a:t>- 취급하면 곤란한 서류</a:t>
-            </a:r>
-            <a:br>
-              <a:rPr lang="ko-KR" dirty="0"/>
-            </a:br>
-            <a:r>
-              <a:rPr lang="ko-KR" dirty="0"/>
-              <a:t>- 기한 만료된 의뢰서</a:t>
-            </a:r>
-            <a:br>
-              <a:rPr lang="ko-KR" dirty="0"/>
-            </a:br>
-            <a:r>
-              <a:rPr lang="ko-KR" dirty="0"/>
-              <a:t>- 다른 담당자에게 전달해야 함</a:t>
-            </a:r>
-            <a:endParaRPr dirty="0"/>
-          </a:p>
-        </p:txBody>
-      </p:sp>
-      <p:pic>
-        <p:nvPicPr>
-          <p:cNvPr id="294" name="Google Shape;294;p25"/>
-          <p:cNvPicPr preferRelativeResize="0"/>
-          <p:nvPr/>
-        </p:nvPicPr>
-        <p:blipFill rotWithShape="1">
-          <a:blip r:embed="rId3">
-            <a:alphaModFix/>
-          </a:blip>
-          <a:srcRect/>
-          <a:stretch/>
-        </p:blipFill>
-        <p:spPr>
-          <a:xfrm>
-            <a:off x="6173041" y="2935555"/>
-            <a:ext cx="4874370" cy="2576012"/>
-          </a:xfrm>
-          <a:prstGeom prst="rect">
-            <a:avLst/>
-          </a:prstGeom>
-          <a:noFill/>
-          <a:ln>
-            <a:noFill/>
-          </a:ln>
-        </p:spPr>
-      </p:pic>
-    </p:spTree>
-  </p:cSld>
-  <p:clrMapOvr>
-    <a:masterClrMapping/>
-  </p:clrMapOvr>
-</p:sld>
-</file>
-
-<file path=ppt/slides/slide27.xml><?xml version="1.0" encoding="utf-8"?>
-<p:sld xmlns:a="http://schemas.openxmlformats.org/drawingml/2006/main" xmlns:r="http://schemas.openxmlformats.org/officeDocument/2006/relationships" xmlns:p="http://schemas.openxmlformats.org/presentationml/2006/main">
-  <p:cSld>
-    <p:spTree>
-      <p:nvGrpSpPr>
         <p:cNvPr id="1" name="Shape 298"/>
         <p:cNvGrpSpPr/>
         <p:nvPr/>
@@ -18806,7 +18474,7 @@
 </p:sld>
 </file>
 
-<file path=ppt/slides/slide28.xml><?xml version="1.0" encoding="utf-8"?>
+<file path=ppt/slides/slide27.xml><?xml version="1.0" encoding="utf-8"?>
 <p:sld xmlns:a="http://schemas.openxmlformats.org/drawingml/2006/main" xmlns:r="http://schemas.openxmlformats.org/officeDocument/2006/relationships" xmlns:p="http://schemas.openxmlformats.org/presentationml/2006/main">
   <p:cSld>
     <p:spTree>
@@ -19028,7 +18696,7 @@
 </p:sld>
 </file>
 
-<file path=ppt/slides/slide29.xml><?xml version="1.0" encoding="utf-8"?>
+<file path=ppt/slides/slide28.xml><?xml version="1.0" encoding="utf-8"?>
 <p:sld xmlns:a="http://schemas.openxmlformats.org/drawingml/2006/main" xmlns:r="http://schemas.openxmlformats.org/officeDocument/2006/relationships" xmlns:p="http://schemas.openxmlformats.org/presentationml/2006/main">
   <p:cSld>
     <p:spTree>
@@ -19405,6 +19073,313 @@
 </p:sld>
 </file>
 
+<file path=ppt/slides/slide29.xml><?xml version="1.0" encoding="utf-8"?>
+<p:sld xmlns:a="http://schemas.openxmlformats.org/drawingml/2006/main" xmlns:r="http://schemas.openxmlformats.org/officeDocument/2006/relationships" xmlns:p="http://schemas.openxmlformats.org/presentationml/2006/main">
+  <p:cSld>
+    <p:spTree>
+      <p:nvGrpSpPr>
+        <p:cNvPr id="1" name="Shape 321"/>
+        <p:cNvGrpSpPr/>
+        <p:nvPr/>
+      </p:nvGrpSpPr>
+      <p:grpSpPr>
+        <a:xfrm>
+          <a:off x="0" y="0"/>
+          <a:ext cx="0" cy="0"/>
+          <a:chOff x="0" y="0"/>
+          <a:chExt cx="0" cy="0"/>
+        </a:xfrm>
+      </p:grpSpPr>
+      <p:sp>
+        <p:nvSpPr>
+          <p:cNvPr id="322" name="Google Shape;322;p29"/>
+          <p:cNvSpPr txBox="1">
+            <a:spLocks noGrp="1"/>
+          </p:cNvSpPr>
+          <p:nvPr>
+            <p:ph type="title"/>
+          </p:nvPr>
+        </p:nvSpPr>
+        <p:spPr>
+          <a:prstGeom prst="rect">
+            <a:avLst/>
+          </a:prstGeom>
+          <a:noFill/>
+          <a:ln>
+            <a:noFill/>
+          </a:ln>
+        </p:spPr>
+        <p:txBody>
+          <a:bodyPr spcFirstLastPara="1" wrap="square" lIns="91425" tIns="45700" rIns="91425" bIns="45700" anchor="ctr" anchorCtr="0">
+            <a:normAutofit/>
+          </a:bodyPr>
+          <a:lstStyle/>
+          <a:p>
+            <a:pPr marL="0" lvl="0" indent="0" algn="ctr" rtl="0">
+              <a:lnSpc>
+                <a:spcPct val="90000"/>
+              </a:lnSpc>
+              <a:spcBef>
+                <a:spcPts val="0"/>
+              </a:spcBef>
+              <a:spcAft>
+                <a:spcPts val="0"/>
+              </a:spcAft>
+              <a:buClr>
+                <a:schemeClr val="accent1"/>
+              </a:buClr>
+              <a:buSzPts val="3200"/>
+              <a:buFont typeface="Rockwell"/>
+              <a:buNone/>
+            </a:pPr>
+            <a:r>
+              <a:rPr lang="ko-KR"/>
+              <a:t>퀘스트 보드 기획 요약</a:t>
+            </a:r>
+            <a:endParaRPr/>
+          </a:p>
+        </p:txBody>
+      </p:sp>
+      <p:sp>
+        <p:nvSpPr>
+          <p:cNvPr id="323" name="Google Shape;323;p29"/>
+          <p:cNvSpPr txBox="1">
+            <a:spLocks noGrp="1"/>
+          </p:cNvSpPr>
+          <p:nvPr>
+            <p:ph idx="1"/>
+          </p:nvPr>
+        </p:nvSpPr>
+        <p:spPr>
+          <a:xfrm>
+            <a:off x="1141413" y="1837189"/>
+            <a:ext cx="9905998" cy="4605556"/>
+          </a:xfrm>
+          <a:prstGeom prst="rect">
+            <a:avLst/>
+          </a:prstGeom>
+          <a:noFill/>
+          <a:ln>
+            <a:noFill/>
+          </a:ln>
+        </p:spPr>
+        <p:txBody>
+          <a:bodyPr spcFirstLastPara="1" wrap="square" lIns="91425" tIns="45700" rIns="91425" bIns="45700" anchor="t" anchorCtr="0">
+            <a:normAutofit lnSpcReduction="10000"/>
+          </a:bodyPr>
+          <a:lstStyle/>
+          <a:p>
+            <a:pPr marL="228600" lvl="0" indent="-228600" algn="l" rtl="0">
+              <a:lnSpc>
+                <a:spcPct val="120000"/>
+              </a:lnSpc>
+              <a:spcBef>
+                <a:spcPts val="0"/>
+              </a:spcBef>
+              <a:spcAft>
+                <a:spcPts val="0"/>
+              </a:spcAft>
+              <a:buSzPts val="2000"/>
+              <a:buChar char="•"/>
+            </a:pPr>
+            <a:r>
+              <a:rPr lang="ko-KR"/>
+              <a:t>1. 제목 :  </a:t>
+            </a:r>
+            <a:r>
+              <a:rPr lang="ko-KR" b="1"/>
+              <a:t>“퀘스트 보드”</a:t>
+            </a:r>
+            <a:r>
+              <a:rPr lang="ko-KR"/>
+              <a:t>(경영 </a:t>
+            </a:r>
+            <a:r>
+              <a:rPr lang="ko-KR" b="1">
+                <a:solidFill>
+                  <a:srgbClr val="00B0F0"/>
+                </a:solidFill>
+              </a:rPr>
+              <a:t>타이쿤</a:t>
+            </a:r>
+            <a:r>
+              <a:rPr lang="ko-KR"/>
+              <a:t>)</a:t>
+            </a:r>
+            <a:endParaRPr/>
+          </a:p>
+          <a:p>
+            <a:pPr marL="228600" lvl="0" indent="-228600" algn="l" rtl="0">
+              <a:lnSpc>
+                <a:spcPct val="120000"/>
+              </a:lnSpc>
+              <a:spcBef>
+                <a:spcPts val="1000"/>
+              </a:spcBef>
+              <a:spcAft>
+                <a:spcPts val="0"/>
+              </a:spcAft>
+              <a:buSzPts val="2000"/>
+              <a:buChar char="•"/>
+            </a:pPr>
+            <a:r>
+              <a:rPr lang="ko-KR"/>
+              <a:t>2. 플랫폼 : </a:t>
+            </a:r>
+            <a:r>
+              <a:rPr lang="ko-KR" b="1"/>
+              <a:t>스마트폰</a:t>
+            </a:r>
+            <a:r>
+              <a:rPr lang="ko-KR"/>
+              <a:t> 및 멀티 플랫폼 지원 (PC, 웹, 콘솔)</a:t>
+            </a:r>
+            <a:endParaRPr/>
+          </a:p>
+          <a:p>
+            <a:pPr marL="228600" lvl="0" indent="-228600" algn="l" rtl="0">
+              <a:lnSpc>
+                <a:spcPct val="120000"/>
+              </a:lnSpc>
+              <a:spcBef>
+                <a:spcPts val="1000"/>
+              </a:spcBef>
+              <a:spcAft>
+                <a:spcPts val="0"/>
+              </a:spcAft>
+              <a:buSzPts val="2000"/>
+              <a:buChar char="•"/>
+            </a:pPr>
+            <a:r>
+              <a:rPr lang="ko-KR"/>
+              <a:t>3. 대상 타켓팅 : 전체 이용가 (타이쿤 매니아, 활자 중독자)</a:t>
+            </a:r>
+            <a:endParaRPr/>
+          </a:p>
+          <a:p>
+            <a:pPr marL="228600" lvl="0" indent="-228600" algn="l" rtl="0">
+              <a:lnSpc>
+                <a:spcPct val="120000"/>
+              </a:lnSpc>
+              <a:spcBef>
+                <a:spcPts val="1000"/>
+              </a:spcBef>
+              <a:spcAft>
+                <a:spcPts val="0"/>
+              </a:spcAft>
+              <a:buSzPts val="2000"/>
+              <a:buChar char="•"/>
+            </a:pPr>
+            <a:r>
+              <a:rPr lang="ko-KR"/>
+              <a:t>4. 기획 의도 : 의뢰 게시판 시스템의 일부 구현</a:t>
+            </a:r>
+            <a:endParaRPr/>
+          </a:p>
+          <a:p>
+            <a:pPr marL="228600" lvl="0" indent="-228600" algn="l" rtl="0">
+              <a:lnSpc>
+                <a:spcPct val="120000"/>
+              </a:lnSpc>
+              <a:spcBef>
+                <a:spcPts val="1000"/>
+              </a:spcBef>
+              <a:spcAft>
+                <a:spcPts val="0"/>
+              </a:spcAft>
+              <a:buSzPts val="2000"/>
+              <a:buChar char="•"/>
+            </a:pPr>
+            <a:r>
+              <a:rPr lang="ko-KR"/>
+              <a:t>5. 비즈니스 모델 : 애드웨어 방식의 광고 노출 및 콜라보를 통한 게임 후원</a:t>
+            </a:r>
+            <a:endParaRPr/>
+          </a:p>
+          <a:p>
+            <a:pPr marL="228600" lvl="0" indent="-228600" algn="l" rtl="0">
+              <a:lnSpc>
+                <a:spcPct val="120000"/>
+              </a:lnSpc>
+              <a:spcBef>
+                <a:spcPts val="1000"/>
+              </a:spcBef>
+              <a:spcAft>
+                <a:spcPts val="0"/>
+              </a:spcAft>
+              <a:buSzPts val="2000"/>
+              <a:buChar char="•"/>
+            </a:pPr>
+            <a:r>
+              <a:rPr lang="ko-KR"/>
+              <a:t>6. 개발계획 : 주간회의 및 일정 작성표 확인</a:t>
+            </a:r>
+            <a:endParaRPr/>
+          </a:p>
+          <a:p>
+            <a:pPr marL="228600" lvl="0" indent="-228600" algn="l" rtl="0">
+              <a:lnSpc>
+                <a:spcPct val="120000"/>
+              </a:lnSpc>
+              <a:spcBef>
+                <a:spcPts val="1000"/>
+              </a:spcBef>
+              <a:spcAft>
+                <a:spcPts val="0"/>
+              </a:spcAft>
+              <a:buSzPts val="2000"/>
+              <a:buChar char="•"/>
+            </a:pPr>
+            <a:r>
+              <a:rPr lang="ko-KR"/>
+              <a:t>7. How to Play </a:t>
+            </a:r>
+            <a:br>
+              <a:rPr lang="ko-KR"/>
+            </a:br>
+            <a:r>
+              <a:rPr lang="ko-KR"/>
+              <a:t> - 라이트노벨을 읽듯, 콘텐츠를 터치 방식으로 즐길 수 있는 게임</a:t>
+            </a:r>
+            <a:br>
+              <a:rPr lang="ko-KR"/>
+            </a:br>
+            <a:r>
+              <a:rPr lang="ko-KR"/>
+              <a:t> - 조건에 맞춰 의뢰내용을 게시판에 정리하는 게임</a:t>
+            </a:r>
+            <a:endParaRPr/>
+          </a:p>
+          <a:p>
+            <a:pPr marL="228600" lvl="0" indent="-228600" algn="l" rtl="0">
+              <a:lnSpc>
+                <a:spcPct val="120000"/>
+              </a:lnSpc>
+              <a:spcBef>
+                <a:spcPts val="1000"/>
+              </a:spcBef>
+              <a:spcAft>
+                <a:spcPts val="0"/>
+              </a:spcAft>
+              <a:buSzPts val="2000"/>
+              <a:buChar char="•"/>
+            </a:pPr>
+            <a:r>
+              <a:rPr lang="ko-KR"/>
+              <a:t>8. 질문?</a:t>
+            </a:r>
+            <a:endParaRPr/>
+          </a:p>
+        </p:txBody>
+      </p:sp>
+    </p:spTree>
+  </p:cSld>
+  <p:clrMapOvr>
+    <a:masterClrMapping/>
+  </p:clrMapOvr>
+</p:sld>
+</file>
+
 <file path=ppt/slides/slide3.xml><?xml version="1.0" encoding="utf-8"?>
 <p:sld xmlns:a="http://schemas.openxmlformats.org/drawingml/2006/main" xmlns:r="http://schemas.openxmlformats.org/officeDocument/2006/relationships" xmlns:p="http://schemas.openxmlformats.org/presentationml/2006/main">
   <p:cSld>
@@ -19523,313 +19498,6 @@
               <a:t>타이쿤</a:t>
             </a:r>
             <a:endParaRPr dirty="0"/>
-          </a:p>
-        </p:txBody>
-      </p:sp>
-    </p:spTree>
-  </p:cSld>
-  <p:clrMapOvr>
-    <a:masterClrMapping/>
-  </p:clrMapOvr>
-</p:sld>
-</file>
-
-<file path=ppt/slides/slide30.xml><?xml version="1.0" encoding="utf-8"?>
-<p:sld xmlns:a="http://schemas.openxmlformats.org/drawingml/2006/main" xmlns:r="http://schemas.openxmlformats.org/officeDocument/2006/relationships" xmlns:p="http://schemas.openxmlformats.org/presentationml/2006/main">
-  <p:cSld>
-    <p:spTree>
-      <p:nvGrpSpPr>
-        <p:cNvPr id="1" name="Shape 321"/>
-        <p:cNvGrpSpPr/>
-        <p:nvPr/>
-      </p:nvGrpSpPr>
-      <p:grpSpPr>
-        <a:xfrm>
-          <a:off x="0" y="0"/>
-          <a:ext cx="0" cy="0"/>
-          <a:chOff x="0" y="0"/>
-          <a:chExt cx="0" cy="0"/>
-        </a:xfrm>
-      </p:grpSpPr>
-      <p:sp>
-        <p:nvSpPr>
-          <p:cNvPr id="322" name="Google Shape;322;p29"/>
-          <p:cNvSpPr txBox="1">
-            <a:spLocks noGrp="1"/>
-          </p:cNvSpPr>
-          <p:nvPr>
-            <p:ph type="title"/>
-          </p:nvPr>
-        </p:nvSpPr>
-        <p:spPr>
-          <a:prstGeom prst="rect">
-            <a:avLst/>
-          </a:prstGeom>
-          <a:noFill/>
-          <a:ln>
-            <a:noFill/>
-          </a:ln>
-        </p:spPr>
-        <p:txBody>
-          <a:bodyPr spcFirstLastPara="1" wrap="square" lIns="91425" tIns="45700" rIns="91425" bIns="45700" anchor="ctr" anchorCtr="0">
-            <a:normAutofit/>
-          </a:bodyPr>
-          <a:lstStyle/>
-          <a:p>
-            <a:pPr marL="0" lvl="0" indent="0" algn="ctr" rtl="0">
-              <a:lnSpc>
-                <a:spcPct val="90000"/>
-              </a:lnSpc>
-              <a:spcBef>
-                <a:spcPts val="0"/>
-              </a:spcBef>
-              <a:spcAft>
-                <a:spcPts val="0"/>
-              </a:spcAft>
-              <a:buClr>
-                <a:schemeClr val="accent1"/>
-              </a:buClr>
-              <a:buSzPts val="3200"/>
-              <a:buFont typeface="Rockwell"/>
-              <a:buNone/>
-            </a:pPr>
-            <a:r>
-              <a:rPr lang="ko-KR"/>
-              <a:t>퀘스트 보드 기획 요약</a:t>
-            </a:r>
-            <a:endParaRPr/>
-          </a:p>
-        </p:txBody>
-      </p:sp>
-      <p:sp>
-        <p:nvSpPr>
-          <p:cNvPr id="323" name="Google Shape;323;p29"/>
-          <p:cNvSpPr txBox="1">
-            <a:spLocks noGrp="1"/>
-          </p:cNvSpPr>
-          <p:nvPr>
-            <p:ph idx="1"/>
-          </p:nvPr>
-        </p:nvSpPr>
-        <p:spPr>
-          <a:xfrm>
-            <a:off x="1141413" y="1837189"/>
-            <a:ext cx="9905998" cy="4605556"/>
-          </a:xfrm>
-          <a:prstGeom prst="rect">
-            <a:avLst/>
-          </a:prstGeom>
-          <a:noFill/>
-          <a:ln>
-            <a:noFill/>
-          </a:ln>
-        </p:spPr>
-        <p:txBody>
-          <a:bodyPr spcFirstLastPara="1" wrap="square" lIns="91425" tIns="45700" rIns="91425" bIns="45700" anchor="t" anchorCtr="0">
-            <a:normAutofit lnSpcReduction="10000"/>
-          </a:bodyPr>
-          <a:lstStyle/>
-          <a:p>
-            <a:pPr marL="228600" lvl="0" indent="-228600" algn="l" rtl="0">
-              <a:lnSpc>
-                <a:spcPct val="120000"/>
-              </a:lnSpc>
-              <a:spcBef>
-                <a:spcPts val="0"/>
-              </a:spcBef>
-              <a:spcAft>
-                <a:spcPts val="0"/>
-              </a:spcAft>
-              <a:buSzPts val="2000"/>
-              <a:buChar char="•"/>
-            </a:pPr>
-            <a:r>
-              <a:rPr lang="ko-KR"/>
-              <a:t>1. 제목 :  </a:t>
-            </a:r>
-            <a:r>
-              <a:rPr lang="ko-KR" b="1"/>
-              <a:t>“퀘스트 보드”</a:t>
-            </a:r>
-            <a:r>
-              <a:rPr lang="ko-KR"/>
-              <a:t>(경영 </a:t>
-            </a:r>
-            <a:r>
-              <a:rPr lang="ko-KR" b="1">
-                <a:solidFill>
-                  <a:srgbClr val="00B0F0"/>
-                </a:solidFill>
-              </a:rPr>
-              <a:t>타이쿤</a:t>
-            </a:r>
-            <a:r>
-              <a:rPr lang="ko-KR"/>
-              <a:t>)</a:t>
-            </a:r>
-            <a:endParaRPr/>
-          </a:p>
-          <a:p>
-            <a:pPr marL="228600" lvl="0" indent="-228600" algn="l" rtl="0">
-              <a:lnSpc>
-                <a:spcPct val="120000"/>
-              </a:lnSpc>
-              <a:spcBef>
-                <a:spcPts val="1000"/>
-              </a:spcBef>
-              <a:spcAft>
-                <a:spcPts val="0"/>
-              </a:spcAft>
-              <a:buSzPts val="2000"/>
-              <a:buChar char="•"/>
-            </a:pPr>
-            <a:r>
-              <a:rPr lang="ko-KR"/>
-              <a:t>2. 플랫폼 : </a:t>
-            </a:r>
-            <a:r>
-              <a:rPr lang="ko-KR" b="1"/>
-              <a:t>스마트폰</a:t>
-            </a:r>
-            <a:r>
-              <a:rPr lang="ko-KR"/>
-              <a:t> 및 멀티 플랫폼 지원 (PC, 웹, 콘솔)</a:t>
-            </a:r>
-            <a:endParaRPr/>
-          </a:p>
-          <a:p>
-            <a:pPr marL="228600" lvl="0" indent="-228600" algn="l" rtl="0">
-              <a:lnSpc>
-                <a:spcPct val="120000"/>
-              </a:lnSpc>
-              <a:spcBef>
-                <a:spcPts val="1000"/>
-              </a:spcBef>
-              <a:spcAft>
-                <a:spcPts val="0"/>
-              </a:spcAft>
-              <a:buSzPts val="2000"/>
-              <a:buChar char="•"/>
-            </a:pPr>
-            <a:r>
-              <a:rPr lang="ko-KR"/>
-              <a:t>3. 대상 타켓팅 : 전체 이용가 (타이쿤 매니아, 활자 중독자)</a:t>
-            </a:r>
-            <a:endParaRPr/>
-          </a:p>
-          <a:p>
-            <a:pPr marL="228600" lvl="0" indent="-228600" algn="l" rtl="0">
-              <a:lnSpc>
-                <a:spcPct val="120000"/>
-              </a:lnSpc>
-              <a:spcBef>
-                <a:spcPts val="1000"/>
-              </a:spcBef>
-              <a:spcAft>
-                <a:spcPts val="0"/>
-              </a:spcAft>
-              <a:buSzPts val="2000"/>
-              <a:buChar char="•"/>
-            </a:pPr>
-            <a:r>
-              <a:rPr lang="ko-KR"/>
-              <a:t>4. 기획 의도 : 의뢰 게시판 시스템의 일부 구현</a:t>
-            </a:r>
-            <a:endParaRPr/>
-          </a:p>
-          <a:p>
-            <a:pPr marL="228600" lvl="0" indent="-228600" algn="l" rtl="0">
-              <a:lnSpc>
-                <a:spcPct val="120000"/>
-              </a:lnSpc>
-              <a:spcBef>
-                <a:spcPts val="1000"/>
-              </a:spcBef>
-              <a:spcAft>
-                <a:spcPts val="0"/>
-              </a:spcAft>
-              <a:buSzPts val="2000"/>
-              <a:buChar char="•"/>
-            </a:pPr>
-            <a:r>
-              <a:rPr lang="ko-KR"/>
-              <a:t>5. 비즈니스 모델 : 애드웨어 방식의 광고 노출 및 콜라보를 통한 게임 후원</a:t>
-            </a:r>
-            <a:endParaRPr/>
-          </a:p>
-          <a:p>
-            <a:pPr marL="228600" lvl="0" indent="-228600" algn="l" rtl="0">
-              <a:lnSpc>
-                <a:spcPct val="120000"/>
-              </a:lnSpc>
-              <a:spcBef>
-                <a:spcPts val="1000"/>
-              </a:spcBef>
-              <a:spcAft>
-                <a:spcPts val="0"/>
-              </a:spcAft>
-              <a:buSzPts val="2000"/>
-              <a:buChar char="•"/>
-            </a:pPr>
-            <a:r>
-              <a:rPr lang="ko-KR"/>
-              <a:t>6. 개발계획 : 주간회의 및 일정 작성표 확인</a:t>
-            </a:r>
-            <a:endParaRPr/>
-          </a:p>
-          <a:p>
-            <a:pPr marL="228600" lvl="0" indent="-228600" algn="l" rtl="0">
-              <a:lnSpc>
-                <a:spcPct val="120000"/>
-              </a:lnSpc>
-              <a:spcBef>
-                <a:spcPts val="1000"/>
-              </a:spcBef>
-              <a:spcAft>
-                <a:spcPts val="0"/>
-              </a:spcAft>
-              <a:buSzPts val="2000"/>
-              <a:buChar char="•"/>
-            </a:pPr>
-            <a:r>
-              <a:rPr lang="ko-KR"/>
-              <a:t>7. How to Play </a:t>
-            </a:r>
-            <a:br>
-              <a:rPr lang="ko-KR"/>
-            </a:br>
-            <a:r>
-              <a:rPr lang="ko-KR"/>
-              <a:t> - 라이트노벨을 읽듯, 콘텐츠를 터치 방식으로 즐길 수 있는 게임</a:t>
-            </a:r>
-            <a:br>
-              <a:rPr lang="ko-KR"/>
-            </a:br>
-            <a:r>
-              <a:rPr lang="ko-KR"/>
-              <a:t> - 조건에 맞춰 의뢰내용을 게시판에 정리하는 게임</a:t>
-            </a:r>
-            <a:endParaRPr/>
-          </a:p>
-          <a:p>
-            <a:pPr marL="228600" lvl="0" indent="-228600" algn="l" rtl="0">
-              <a:lnSpc>
-                <a:spcPct val="120000"/>
-              </a:lnSpc>
-              <a:spcBef>
-                <a:spcPts val="1000"/>
-              </a:spcBef>
-              <a:spcAft>
-                <a:spcPts val="0"/>
-              </a:spcAft>
-              <a:buSzPts val="2000"/>
-              <a:buChar char="•"/>
-            </a:pPr>
-            <a:r>
-              <a:rPr lang="ko-KR"/>
-              <a:t>8. 질문?</a:t>
-            </a:r>
-            <a:endParaRPr/>
           </a:p>
         </p:txBody>
       </p:sp>

--- a/Kims_project.pptx
+++ b/Kims_project.pptx
@@ -5,7 +5,7 @@
     <p:sldMasterId id="2147483804" r:id="rId1"/>
   </p:sldMasterIdLst>
   <p:notesMasterIdLst>
-    <p:notesMasterId r:id="rId31"/>
+    <p:notesMasterId r:id="rId30"/>
   </p:notesMasterIdLst>
   <p:sldIdLst>
     <p:sldId id="256" r:id="rId2"/>
@@ -33,10 +33,9 @@
     <p:sldId id="278" r:id="rId24"/>
     <p:sldId id="279" r:id="rId25"/>
     <p:sldId id="287" r:id="rId26"/>
-    <p:sldId id="281" r:id="rId27"/>
-    <p:sldId id="282" r:id="rId28"/>
-    <p:sldId id="283" r:id="rId29"/>
-    <p:sldId id="284" r:id="rId30"/>
+    <p:sldId id="282" r:id="rId27"/>
+    <p:sldId id="283" r:id="rId28"/>
+    <p:sldId id="284" r:id="rId29"/>
   </p:sldIdLst>
   <p:sldSz cx="12192000" cy="6858000"/>
   <p:notesSz cx="6858000" cy="9144000"/>
@@ -140,7 +139,7 @@
       <p15:sldGuideLst xmlns:p15="http://schemas.microsoft.com/office/powerpoint/2012/main"/>
     </p:ext>
     <p:ext uri="GoogleSlidesCustomDataVersion2">
-      <go:slidesCustomData xmlns="" xmlns:mc="http://schemas.openxmlformats.org/markup-compatibility/2006" xmlns:mv="urn:schemas-microsoft-com:mac:vml" xmlns:c="http://schemas.openxmlformats.org/drawingml/2006/chart" xmlns:dgm="http://schemas.openxmlformats.org/drawingml/2006/diagram" xmlns:o="urn:schemas-microsoft-com:office:office" xmlns:v="urn:schemas-microsoft-com:vml" xmlns:pvml="urn:schemas-microsoft-com:office:powerpoint" xmlns:com="http://schemas.openxmlformats.org/drawingml/2006/compatibility" xmlns:p14="http://schemas.microsoft.com/office/powerpoint/2010/main" xmlns:p15="http://schemas.microsoft.com/office/powerpoint/2012/main" xmlns:ahyp="http://schemas.microsoft.com/office/drawing/2018/hyperlinkcolor" xmlns:go="http://customooxmlschemas.google.com/" r:id="rId35" roundtripDataSignature="AMtx7mghrlt7vITrAFKUHEYF4Lkpnf4b/g=="/>
+      <go:slidesCustomData xmlns:go="http://customooxmlschemas.google.com/" xmlns:ahyp="http://schemas.microsoft.com/office/drawing/2018/hyperlinkcolor" xmlns:p15="http://schemas.microsoft.com/office/powerpoint/2012/main" xmlns:p14="http://schemas.microsoft.com/office/powerpoint/2010/main" xmlns:com="http://schemas.openxmlformats.org/drawingml/2006/compatibility" xmlns:pvml="urn:schemas-microsoft-com:office:powerpoint" xmlns:v="urn:schemas-microsoft-com:vml" xmlns:o="urn:schemas-microsoft-com:office:office" xmlns:dgm="http://schemas.openxmlformats.org/drawingml/2006/diagram" xmlns:c="http://schemas.openxmlformats.org/drawingml/2006/chart" xmlns:mv="urn:schemas-microsoft-com:mac:vml" xmlns:mc="http://schemas.openxmlformats.org/markup-compatibility/2006" xmlns="" r:id="rId35" roundtripDataSignature="AMtx7mghrlt7vITrAFKUHEYF4Lkpnf4b/g=="/>
     </p:ext>
   </p:extLst>
 </p:presentation>
@@ -2474,7 +2473,7 @@
   <p:cSld>
     <p:spTree>
       <p:nvGrpSpPr>
-        <p:cNvPr id="1" name="Shape 295"/>
+        <p:cNvPr id="1" name="Shape 301"/>
         <p:cNvGrpSpPr/>
         <p:nvPr/>
       </p:nvGrpSpPr>
@@ -2488,7 +2487,7 @@
       </p:grpSpPr>
       <p:sp>
         <p:nvSpPr>
-          <p:cNvPr id="296" name="Google Shape;296;p26:notes"/>
+          <p:cNvPr id="302" name="Google Shape;302;p27:notes"/>
           <p:cNvSpPr txBox="1">
             <a:spLocks noGrp="1"/>
           </p:cNvSpPr>
@@ -2526,7 +2525,7 @@
       </p:sp>
       <p:sp>
         <p:nvSpPr>
-          <p:cNvPr id="297" name="Google Shape;297;p26:notes"/>
+          <p:cNvPr id="303" name="Google Shape;303;p27:notes"/>
           <p:cNvSpPr>
             <a:spLocks noGrp="1" noRot="1" noChangeAspect="1"/>
           </p:cNvSpPr>
@@ -2578,110 +2577,6 @@
   <p:cSld>
     <p:spTree>
       <p:nvGrpSpPr>
-        <p:cNvPr id="1" name="Shape 301"/>
-        <p:cNvGrpSpPr/>
-        <p:nvPr/>
-      </p:nvGrpSpPr>
-      <p:grpSpPr>
-        <a:xfrm>
-          <a:off x="0" y="0"/>
-          <a:ext cx="0" cy="0"/>
-          <a:chOff x="0" y="0"/>
-          <a:chExt cx="0" cy="0"/>
-        </a:xfrm>
-      </p:grpSpPr>
-      <p:sp>
-        <p:nvSpPr>
-          <p:cNvPr id="302" name="Google Shape;302;p27:notes"/>
-          <p:cNvSpPr txBox="1">
-            <a:spLocks noGrp="1"/>
-          </p:cNvSpPr>
-          <p:nvPr>
-            <p:ph type="body" idx="1"/>
-          </p:nvPr>
-        </p:nvSpPr>
-        <p:spPr>
-          <a:xfrm>
-            <a:off x="685800" y="4343400"/>
-            <a:ext cx="5486400" cy="4114800"/>
-          </a:xfrm>
-          <a:prstGeom prst="rect">
-            <a:avLst/>
-          </a:prstGeom>
-        </p:spPr>
-        <p:txBody>
-          <a:bodyPr spcFirstLastPara="1" wrap="square" lIns="91425" tIns="91425" rIns="91425" bIns="91425" anchor="t" anchorCtr="0">
-            <a:noAutofit/>
-          </a:bodyPr>
-          <a:lstStyle/>
-          <a:p>
-            <a:pPr marL="0" lvl="0" indent="0" algn="l" rtl="0">
-              <a:spcBef>
-                <a:spcPts val="0"/>
-              </a:spcBef>
-              <a:spcAft>
-                <a:spcPts val="0"/>
-              </a:spcAft>
-              <a:buNone/>
-            </a:pPr>
-            <a:endParaRPr/>
-          </a:p>
-        </p:txBody>
-      </p:sp>
-      <p:sp>
-        <p:nvSpPr>
-          <p:cNvPr id="303" name="Google Shape;303;p27:notes"/>
-          <p:cNvSpPr>
-            <a:spLocks noGrp="1" noRot="1" noChangeAspect="1"/>
-          </p:cNvSpPr>
-          <p:nvPr>
-            <p:ph type="sldImg" idx="2"/>
-          </p:nvPr>
-        </p:nvSpPr>
-        <p:spPr>
-          <a:xfrm>
-            <a:off x="381000" y="685800"/>
-            <a:ext cx="6096000" cy="3429000"/>
-          </a:xfrm>
-          <a:custGeom>
-            <a:avLst/>
-            <a:gdLst/>
-            <a:ahLst/>
-            <a:cxnLst/>
-            <a:rect l="l" t="t" r="r" b="b"/>
-            <a:pathLst>
-              <a:path w="120000" h="120000" extrusionOk="0">
-                <a:moveTo>
-                  <a:pt x="0" y="0"/>
-                </a:moveTo>
-                <a:lnTo>
-                  <a:pt x="120000" y="0"/>
-                </a:lnTo>
-                <a:lnTo>
-                  <a:pt x="120000" y="120000"/>
-                </a:lnTo>
-                <a:lnTo>
-                  <a:pt x="0" y="120000"/>
-                </a:lnTo>
-                <a:close/>
-              </a:path>
-            </a:pathLst>
-          </a:custGeom>
-        </p:spPr>
-      </p:sp>
-    </p:spTree>
-  </p:cSld>
-  <p:clrMapOvr>
-    <a:masterClrMapping/>
-  </p:clrMapOvr>
-</p:notes>
-</file>
-
-<file path=ppt/notesSlides/notesSlide28.xml><?xml version="1.0" encoding="utf-8"?>
-<p:notes xmlns:a="http://schemas.openxmlformats.org/drawingml/2006/main" xmlns:r="http://schemas.openxmlformats.org/officeDocument/2006/relationships" xmlns:p="http://schemas.openxmlformats.org/presentationml/2006/main" showMasterSp="0" showMasterPhAnim="0">
-  <p:cSld>
-    <p:spTree>
-      <p:nvGrpSpPr>
         <p:cNvPr id="1" name="Shape 308"/>
         <p:cNvGrpSpPr/>
         <p:nvPr/>
@@ -2781,7 +2676,7 @@
 </p:notes>
 </file>
 
-<file path=ppt/notesSlides/notesSlide29.xml><?xml version="1.0" encoding="utf-8"?>
+<file path=ppt/notesSlides/notesSlide28.xml><?xml version="1.0" encoding="utf-8"?>
 <p:notes xmlns:a="http://schemas.openxmlformats.org/drawingml/2006/main" xmlns:r="http://schemas.openxmlformats.org/officeDocument/2006/relationships" xmlns:p="http://schemas.openxmlformats.org/presentationml/2006/main" showMasterSp="0" showMasterPhAnim="0">
   <p:cSld>
     <p:spTree>
@@ -6926,8 +6821,16 @@
               <a:buNone/>
             </a:pPr>
             <a:r>
-              <a:rPr lang="ko-KR" b="1" dirty="0"/>
-              <a:t>퀘스트 보드</a:t>
+              <a:rPr lang="ko-KR" b="1" dirty="0" err="1"/>
+              <a:t>퀘스트보드</a:t>
+            </a:r>
+            <a:r>
+              <a:rPr lang="en-US" altLang="ko-KR" b="1" dirty="0"/>
+              <a:t> </a:t>
+            </a:r>
+            <a:r>
+              <a:rPr lang="ko-KR" altLang="en-US" b="1" dirty="0"/>
+              <a:t>기획서</a:t>
             </a:r>
             <a:endParaRPr b="1" dirty="0"/>
           </a:p>
@@ -6972,14 +6875,46 @@
               <a:buNone/>
             </a:pPr>
             <a:r>
-              <a:rPr lang="ko-KR" b="1" i="1">
+              <a:rPr lang="ko-KR" altLang="en-US" b="1" i="1" dirty="0">
+                <a:solidFill>
+                  <a:schemeClr val="dk1"/>
+                </a:solidFill>
+              </a:rPr>
+              <a:t>인벤토리형 </a:t>
+            </a:r>
+            <a:r>
+              <a:rPr lang="ko-KR" b="1" i="1" dirty="0">
                 <a:solidFill>
                   <a:schemeClr val="dk1"/>
                 </a:solidFill>
               </a:rPr>
               <a:t>의뢰 게시판</a:t>
             </a:r>
-            <a:endParaRPr b="1">
+            <a:r>
+              <a:rPr lang="en-US" altLang="ko-KR" b="1" i="1" dirty="0">
+                <a:solidFill>
+                  <a:schemeClr val="dk1"/>
+                </a:solidFill>
+              </a:rPr>
+              <a:t> </a:t>
+            </a:r>
+            <a:r>
+              <a:rPr lang="ko-KR" altLang="en-US" b="1" i="1" dirty="0">
+                <a:solidFill>
+                  <a:schemeClr val="dk1"/>
+                </a:solidFill>
+              </a:rPr>
+              <a:t>경영 </a:t>
+            </a:r>
+            <a:r>
+              <a:rPr lang="ko-KR" altLang="en-US" b="1" i="1" dirty="0" err="1">
+                <a:solidFill>
+                  <a:schemeClr val="dk1"/>
+                </a:solidFill>
+              </a:rPr>
+              <a:t>타이쿤</a:t>
+            </a:r>
+            <a:endParaRPr b="1" dirty="0">
               <a:solidFill>
                 <a:schemeClr val="dk1"/>
               </a:solidFill>
@@ -7087,12 +7022,59 @@
       </p:grpSpPr>
       <p:pic>
         <p:nvPicPr>
+          <p:cNvPr id="2050" name="Picture 2" descr="백팩 히어로] 가방을 장미로 이쁘게 꾸미고 진보스 보기 &quot;장미정원&quot; 빌드 (Backpack Hero) - YouTube">
+            <a:extLst>
+              <a:ext uri="{FF2B5EF4-FFF2-40B4-BE49-F238E27FC236}">
+                <a16:creationId xmlns:a16="http://schemas.microsoft.com/office/drawing/2014/main" id="{994D9606-BC96-4986-A377-5AFCF87991D3}"/>
+              </a:ext>
+            </a:extLst>
+          </p:cNvPr>
+          <p:cNvPicPr>
+            <a:picLocks noChangeAspect="1" noChangeArrowheads="1"/>
+          </p:cNvPicPr>
+          <p:nvPr/>
+        </p:nvPicPr>
+        <p:blipFill>
+          <a:blip r:embed="rId3">
+            <a:extLst>
+              <a:ext uri="{28A0092B-C50C-407E-A947-70E740481C1C}">
+                <a14:useLocalDpi xmlns:a14="http://schemas.microsoft.com/office/drawing/2010/main" val="0"/>
+              </a:ext>
+            </a:extLst>
+          </a:blip>
+          <a:srcRect/>
+          <a:stretch>
+            <a:fillRect/>
+          </a:stretch>
+        </p:blipFill>
+        <p:spPr bwMode="auto">
+          <a:xfrm>
+            <a:off x="8197781" y="1710725"/>
+            <a:ext cx="2895600" cy="2171700"/>
+          </a:xfrm>
+          <a:prstGeom prst="rect">
+            <a:avLst/>
+          </a:prstGeom>
+          <a:noFill/>
+          <a:extLst>
+            <a:ext uri="{909E8E84-426E-40DD-AFC4-6F175D3DCCD1}">
+              <a14:hiddenFill xmlns:a14="http://schemas.microsoft.com/office/drawing/2010/main">
+                <a:solidFill>
+                  <a:srgbClr val="FFFFFF"/>
+                </a:solidFill>
+              </a14:hiddenFill>
+            </a:ext>
+          </a:extLst>
+        </p:spPr>
+      </p:pic>
+      <p:pic>
+        <p:nvPicPr>
           <p:cNvPr id="148" name="Google Shape;148;p10" descr="냉장고 채우기: 게임 정리 android iOS apk download for free-TapTap"/>
           <p:cNvPicPr preferRelativeResize="0"/>
           <p:nvPr/>
         </p:nvPicPr>
         <p:blipFill rotWithShape="1">
-          <a:blip r:embed="rId3">
+          <a:blip r:embed="rId4">
             <a:alphaModFix/>
           </a:blip>
           <a:srcRect/>
@@ -7100,35 +7082,8 @@
         </p:blipFill>
         <p:spPr>
           <a:xfrm>
-            <a:off x="7681127" y="1717636"/>
+            <a:off x="5303680" y="1717636"/>
             <a:ext cx="3845348" cy="2164789"/>
-          </a:xfrm>
-          <a:prstGeom prst="rect">
-            <a:avLst/>
-          </a:prstGeom>
-          <a:noFill/>
-          <a:ln>
-            <a:noFill/>
-          </a:ln>
-        </p:spPr>
-      </p:pic>
-      <p:pic>
-        <p:nvPicPr>
-          <p:cNvPr id="149" name="Google Shape;149;p10" descr="https://ac-p3.namu.la/67/676106895625ebb03332a3e8a1d92a5dca89a52fbfcf83a26f6e6867cb228db3.jpg?expires=1710739337&amp;key=7EkM5KZ3cNHNXUYsJTf9lA"/>
-          <p:cNvPicPr preferRelativeResize="0"/>
-          <p:nvPr/>
-        </p:nvPicPr>
-        <p:blipFill rotWithShape="1">
-          <a:blip r:embed="rId4">
-            <a:alphaModFix/>
-          </a:blip>
-          <a:srcRect r="11905"/>
-          <a:stretch/>
-        </p:blipFill>
-        <p:spPr>
-          <a:xfrm>
-            <a:off x="5636067" y="1723842"/>
-            <a:ext cx="3380590" cy="2158583"/>
           </a:xfrm>
           <a:prstGeom prst="rect">
             <a:avLst/>
@@ -7149,13 +7104,13 @@
           <a:blip r:embed="rId5">
             <a:alphaModFix/>
           </a:blip>
-          <a:srcRect l="31092" t="28595" r="23025" b="14950"/>
+          <a:srcRect l="38191" t="28595" r="31131" b="14950"/>
           <a:stretch/>
         </p:blipFill>
         <p:spPr>
           <a:xfrm>
-            <a:off x="4323445" y="1718858"/>
-            <a:ext cx="3125979" cy="2163567"/>
+            <a:off x="4493621" y="1718858"/>
+            <a:ext cx="2090057" cy="2163567"/>
           </a:xfrm>
           <a:prstGeom prst="rect">
             <a:avLst/>
@@ -7209,10 +7164,10 @@
               <a:buNone/>
             </a:pPr>
             <a:r>
-              <a:rPr lang="ko-KR"/>
+              <a:rPr lang="ko-KR" dirty="0"/>
               <a:t>가볍게 즐겨보고! 다시 해보고 싶도록!!</a:t>
             </a:r>
-            <a:endParaRPr/>
+            <a:endParaRPr dirty="0"/>
           </a:p>
         </p:txBody>
       </p:sp>
@@ -7264,11 +7219,7 @@
             </a:r>
             <a:r>
               <a:rPr lang="ko-KR" altLang="en-US" dirty="0"/>
-              <a:t>게임 속</a:t>
-            </a:r>
-            <a:r>
-              <a:rPr lang="ko-KR" dirty="0"/>
-              <a:t> 진열대 정리</a:t>
+              <a:t> 인벤토리 리스트게임</a:t>
             </a:r>
             <a:br>
               <a:rPr lang="ko-KR" dirty="0"/>
@@ -7294,22 +7245,22 @@
             </a:br>
             <a:r>
               <a:rPr lang="ko-KR" dirty="0"/>
+              <a:t>- 냉장고 채우기: 정리게임</a:t>
+            </a:r>
+            <a:br>
+              <a:rPr lang="en-US" altLang="ko-KR" dirty="0"/>
+            </a:br>
+            <a:r>
+              <a:rPr lang="en-US" altLang="ko-KR" dirty="0"/>
               <a:t>- </a:t>
             </a:r>
             <a:r>
-              <a:rPr lang="ko-KR" dirty="0" err="1"/>
-              <a:t>스카이림</a:t>
-            </a:r>
-            <a:r>
-              <a:rPr lang="ko-KR" dirty="0"/>
-              <a:t> 의뢰 게시판</a:t>
-            </a:r>
-            <a:br>
-              <a:rPr lang="ko-KR" dirty="0"/>
-            </a:br>
-            <a:r>
-              <a:rPr lang="ko-KR" dirty="0"/>
-              <a:t>- 냉장고 채우기: 정리게임</a:t>
+              <a:rPr lang="ko-KR" altLang="en-US" dirty="0" err="1"/>
+              <a:t>백팩</a:t>
+            </a:r>
+            <a:r>
+              <a:rPr lang="ko-KR" altLang="en-US" dirty="0"/>
+              <a:t> 히어로</a:t>
             </a:r>
             <a:br>
               <a:rPr lang="ko-KR" dirty="0"/>
@@ -7332,15 +7283,15 @@
             </a:pPr>
             <a:r>
               <a:rPr lang="ko-KR" dirty="0"/>
-              <a:t>“퀘스트 </a:t>
-            </a:r>
-            <a:r>
-              <a:rPr lang="ko-KR" dirty="0" err="1"/>
-              <a:t>보드”의</a:t>
-            </a:r>
-            <a:r>
-              <a:rPr lang="ko-KR" dirty="0"/>
-              <a:t> 기획의도</a:t>
+              <a:t>“퀘스트 보드” 기획</a:t>
+            </a:r>
+            <a:r>
+              <a:rPr lang="en-US" altLang="ko-KR" dirty="0"/>
+              <a:t> </a:t>
+            </a:r>
+            <a:r>
+              <a:rPr lang="ko-KR" altLang="en-US" dirty="0"/>
+              <a:t>계기 및 의도</a:t>
             </a:r>
             <a:br>
               <a:rPr lang="ko-KR" dirty="0"/>
@@ -7354,7 +7305,23 @@
             </a:br>
             <a:r>
               <a:rPr lang="ko-KR" dirty="0"/>
-              <a:t>- 엉망진창 의뢰 게시판을 보기 편하고 깔끔하게 정리하는 </a:t>
+              <a:t>- </a:t>
+            </a:r>
+            <a:r>
+              <a:rPr lang="ko-KR" altLang="en-US" dirty="0"/>
+              <a:t>엉망진창</a:t>
+            </a:r>
+            <a:r>
+              <a:rPr lang="ko-KR" dirty="0"/>
+              <a:t> </a:t>
+            </a:r>
+            <a:r>
+              <a:rPr lang="ko-KR" altLang="en-US" dirty="0"/>
+              <a:t>퀘스트 보드를</a:t>
+            </a:r>
+            <a:r>
+              <a:rPr lang="ko-KR" dirty="0"/>
+              <a:t> 깔끔하게 정리하는 </a:t>
             </a:r>
             <a:r>
               <a:rPr lang="ko-KR" altLang="en-US" dirty="0" err="1"/>
@@ -7381,7 +7348,7 @@
             </a:r>
             <a:r>
               <a:rPr lang="ko-KR" altLang="en-US" dirty="0"/>
-              <a:t>인벤토리 관리 콘텐츠의 개발경험과 게임확장성 및 다양한 적용분야</a:t>
+              <a:t>인벤토리 관리 콘텐츠의 개발경험과 관련게임 확장성 및 다양한 적용분야</a:t>
             </a:r>
             <a:endParaRPr dirty="0"/>
           </a:p>
@@ -7666,11 +7633,27 @@
             </a:r>
             <a:r>
               <a:rPr lang="ko-KR" altLang="en-US" sz="2400" dirty="0"/>
-              <a:t>스테이지 변화</a:t>
+              <a:t>게임후반에 출근 전</a:t>
             </a:r>
             <a:r>
               <a:rPr lang="ko-KR" sz="2400" dirty="0"/>
-              <a:t>, 게임오버 때 동영상 광고</a:t>
+              <a:t>, </a:t>
+            </a:r>
+            <a:r>
+              <a:rPr lang="ko-KR" altLang="en-US" sz="2400" dirty="0"/>
+              <a:t>파산하면</a:t>
+            </a:r>
+            <a:r>
+              <a:rPr lang="ko-KR" sz="2400" dirty="0"/>
+              <a:t> 동영상 광고</a:t>
+            </a:r>
+            <a:r>
+              <a:rPr lang="en-US" altLang="ko-KR" sz="2400" dirty="0"/>
+              <a:t> </a:t>
+            </a:r>
+            <a:r>
+              <a:rPr lang="ko-KR" altLang="en-US" sz="2400" dirty="0"/>
+              <a:t>삽입</a:t>
             </a:r>
             <a:br>
               <a:rPr lang="ko-KR" sz="2400" dirty="0"/>
@@ -7753,15 +7736,27 @@
             </a:br>
             <a:r>
               <a:rPr lang="ko-KR" sz="2400" dirty="0"/>
-              <a:t>- 게임후원 </a:t>
+              <a:t>- 후원</a:t>
+            </a:r>
+            <a:r>
+              <a:rPr lang="ko-KR" altLang="en-US" sz="2400" dirty="0"/>
+              <a:t>사와</a:t>
+            </a:r>
+            <a:r>
+              <a:rPr lang="ko-KR" sz="2400" dirty="0"/>
+              <a:t> </a:t>
             </a:r>
             <a:r>
               <a:rPr lang="ko-KR" sz="2400" dirty="0" err="1"/>
               <a:t>콜라보</a:t>
             </a:r>
             <a:r>
-              <a:rPr lang="ko-KR" sz="2400" dirty="0"/>
-              <a:t> 가능함</a:t>
+              <a:rPr lang="en-US" altLang="ko-KR" sz="2400" dirty="0"/>
+              <a:t> </a:t>
+            </a:r>
+            <a:r>
+              <a:rPr lang="ko-KR" altLang="en-US" sz="2400" dirty="0"/>
+              <a:t>가능</a:t>
             </a:r>
             <a:endParaRPr dirty="0"/>
           </a:p>
@@ -7994,7 +7989,7 @@
               <a:buNone/>
             </a:pPr>
             <a:r>
-              <a:rPr lang="ko-KR" sz="2400" b="1" i="0" u="none" strike="noStrike" cap="none">
+              <a:rPr lang="ko-KR" sz="2400" b="1" i="0" u="none" strike="noStrike" cap="none" dirty="0">
                 <a:solidFill>
                   <a:schemeClr val="lt1"/>
                 </a:solidFill>
@@ -8003,9 +7998,57 @@
                 <a:cs typeface="Rockwell"/>
                 <a:sym typeface="Rockwell"/>
               </a:rPr>
-              <a:t>게임 후원자 콜라보</a:t>
-            </a:r>
-            <a:endParaRPr sz="2400" b="1" i="0" u="none" strike="noStrike" cap="none">
+              <a:t>게임 </a:t>
+            </a:r>
+            <a:r>
+              <a:rPr lang="ko-KR" sz="2400" b="1" i="0" u="none" strike="noStrike" cap="none" dirty="0" err="1">
+                <a:solidFill>
+                  <a:schemeClr val="lt1"/>
+                </a:solidFill>
+                <a:latin typeface="Rockwell"/>
+                <a:ea typeface="Rockwell"/>
+                <a:cs typeface="Rockwell"/>
+                <a:sym typeface="Rockwell"/>
+              </a:rPr>
+              <a:t>후원</a:t>
+            </a:r>
+            <a:r>
+              <a:rPr lang="ko-KR" altLang="en-US" sz="2400" b="1" i="0" u="none" strike="noStrike" cap="none" dirty="0" err="1">
+                <a:solidFill>
+                  <a:schemeClr val="lt1"/>
+                </a:solidFill>
+                <a:latin typeface="Rockwell"/>
+                <a:ea typeface="Rockwell"/>
+                <a:cs typeface="Rockwell"/>
+                <a:sym typeface="Rockwell"/>
+              </a:rPr>
+              <a:t>사</a:t>
+            </a:r>
+            <a:r>
+              <a:rPr lang="ko-KR" sz="2400" b="1" i="0" u="none" strike="noStrike" cap="none" dirty="0">
+                <a:solidFill>
+                  <a:schemeClr val="lt1"/>
+                </a:solidFill>
+                <a:latin typeface="Rockwell"/>
+                <a:ea typeface="Rockwell"/>
+                <a:cs typeface="Rockwell"/>
+                <a:sym typeface="Rockwell"/>
+              </a:rPr>
+              <a:t> </a:t>
+            </a:r>
+            <a:r>
+              <a:rPr lang="ko-KR" altLang="en-US" sz="2400" b="1" i="0" u="none" strike="noStrike" cap="none" dirty="0">
+                <a:solidFill>
+                  <a:schemeClr val="lt1"/>
+                </a:solidFill>
+                <a:latin typeface="Rockwell"/>
+                <a:ea typeface="Rockwell"/>
+                <a:cs typeface="Rockwell"/>
+                <a:sym typeface="Rockwell"/>
+              </a:rPr>
+              <a:t>콘텐츠</a:t>
+            </a:r>
+            <a:endParaRPr sz="2400" b="1" i="0" u="none" strike="noStrike" cap="none" dirty="0">
               <a:solidFill>
                 <a:schemeClr val="lt1"/>
               </a:solidFill>
@@ -8083,6 +8126,53 @@
           </a:p>
         </p:txBody>
       </p:sp>
+      <p:pic>
+        <p:nvPicPr>
+          <p:cNvPr id="1026" name="Picture 2" descr="Download Koala Bear Cartoon Crying - Full Size PNG Image - PNGkit">
+            <a:extLst>
+              <a:ext uri="{FF2B5EF4-FFF2-40B4-BE49-F238E27FC236}">
+                <a16:creationId xmlns:a16="http://schemas.microsoft.com/office/drawing/2014/main" id="{6D4006EF-4DC3-443D-AF07-DB36D72D216E}"/>
+              </a:ext>
+            </a:extLst>
+          </p:cNvPr>
+          <p:cNvPicPr>
+            <a:picLocks noChangeAspect="1" noChangeArrowheads="1"/>
+          </p:cNvPicPr>
+          <p:nvPr/>
+        </p:nvPicPr>
+        <p:blipFill>
+          <a:blip r:embed="rId5">
+            <a:extLst>
+              <a:ext uri="{28A0092B-C50C-407E-A947-70E740481C1C}">
+                <a14:useLocalDpi xmlns:a14="http://schemas.microsoft.com/office/drawing/2010/main" val="0"/>
+              </a:ext>
+            </a:extLst>
+          </a:blip>
+          <a:srcRect/>
+          <a:stretch>
+            <a:fillRect/>
+          </a:stretch>
+        </p:blipFill>
+        <p:spPr bwMode="auto">
+          <a:xfrm>
+            <a:off x="5185878" y="5101906"/>
+            <a:ext cx="1067110" cy="1003447"/>
+          </a:xfrm>
+          <a:prstGeom prst="rect">
+            <a:avLst/>
+          </a:prstGeom>
+          <a:noFill/>
+          <a:extLst>
+            <a:ext uri="{909E8E84-426E-40DD-AFC4-6F175D3DCCD1}">
+              <a14:hiddenFill xmlns:a14="http://schemas.microsoft.com/office/drawing/2010/main">
+                <a:solidFill>
+                  <a:srgbClr val="FFFFFF"/>
+                </a:solidFill>
+              </a14:hiddenFill>
+            </a:ext>
+          </a:extLst>
+        </p:spPr>
+      </p:pic>
     </p:spTree>
   </p:cSld>
   <p:clrMapOvr>
@@ -8283,7 +8373,13 @@
         <p:nvGraphicFramePr>
           <p:cNvPr id="182" name="Google Shape;182;p14"/>
           <p:cNvGraphicFramePr/>
-          <p:nvPr/>
+          <p:nvPr>
+            <p:extLst>
+              <p:ext uri="{D42A27DB-BD31-4B8C-83A1-F6EECF244321}">
+                <p14:modId xmlns:p14="http://schemas.microsoft.com/office/powerpoint/2010/main" val="1607182925"/>
+              </p:ext>
+            </p:extLst>
+          </p:nvPr>
         </p:nvGraphicFramePr>
         <p:xfrm>
           <a:off x="1141413" y="2514600"/>
@@ -8461,10 +8557,16 @@
                         <a:buNone/>
                       </a:pPr>
                       <a:r>
-                        <a:rPr lang="ko-KR" sz="1800" u="none" strike="noStrike" cap="none"/>
+                        <a:rPr lang="ko-KR" sz="1800" u="none" strike="noStrike" cap="none" dirty="0">
+                          <a:latin typeface="+mn-ea"/>
+                          <a:ea typeface="+mn-ea"/>
+                        </a:rPr>
                         <a:t>주간</a:t>
                       </a:r>
-                      <a:endParaRPr/>
+                      <a:endParaRPr dirty="0">
+                        <a:latin typeface="+mn-ea"/>
+                        <a:ea typeface="+mn-ea"/>
+                      </a:endParaRPr>
                     </a:p>
                   </a:txBody>
                   <a:tcPr marL="91450" marR="91450" marT="45725" marB="45725"/>
@@ -8484,10 +8586,16 @@
                         <a:buNone/>
                       </a:pPr>
                       <a:r>
-                        <a:rPr lang="ko-KR" sz="1800" u="none" strike="noStrike" cap="none"/>
+                        <a:rPr lang="ko-KR" sz="1800" u="none" strike="noStrike" cap="none">
+                          <a:latin typeface="+mn-ea"/>
+                          <a:ea typeface="+mn-ea"/>
+                        </a:rPr>
                         <a:t>1</a:t>
                       </a:r>
-                      <a:endParaRPr sz="1800" u="none" strike="noStrike" cap="none"/>
+                      <a:endParaRPr sz="1800" u="none" strike="noStrike" cap="none">
+                        <a:latin typeface="+mn-ea"/>
+                        <a:ea typeface="+mn-ea"/>
+                      </a:endParaRPr>
                     </a:p>
                   </a:txBody>
                   <a:tcPr marL="91450" marR="91450" marT="45725" marB="45725"/>
@@ -8547,10 +8655,16 @@
                         <a:buNone/>
                       </a:pPr>
                       <a:r>
-                        <a:rPr lang="ko-KR" sz="1800" u="none" strike="noStrike" cap="none"/>
+                        <a:rPr lang="ko-KR" sz="1800" u="none" strike="noStrike" cap="none">
+                          <a:latin typeface="+mn-ea"/>
+                          <a:ea typeface="+mn-ea"/>
+                        </a:rPr>
                         <a:t>2</a:t>
                       </a:r>
-                      <a:endParaRPr sz="1800" u="none" strike="noStrike" cap="none"/>
+                      <a:endParaRPr sz="1800" u="none" strike="noStrike" cap="none">
+                        <a:latin typeface="+mn-ea"/>
+                        <a:ea typeface="+mn-ea"/>
+                      </a:endParaRPr>
                     </a:p>
                   </a:txBody>
                   <a:tcPr marL="91450" marR="91450" marT="45725" marB="45725"/>
@@ -8610,10 +8724,16 @@
                         <a:buNone/>
                       </a:pPr>
                       <a:r>
-                        <a:rPr lang="ko-KR" sz="1800" u="none" strike="noStrike" cap="none"/>
+                        <a:rPr lang="ko-KR" sz="1800" u="none" strike="noStrike" cap="none">
+                          <a:latin typeface="+mn-ea"/>
+                          <a:ea typeface="+mn-ea"/>
+                        </a:rPr>
                         <a:t>3</a:t>
                       </a:r>
-                      <a:endParaRPr sz="1800" u="none" strike="noStrike" cap="none"/>
+                      <a:endParaRPr sz="1800" u="none" strike="noStrike" cap="none">
+                        <a:latin typeface="+mn-ea"/>
+                        <a:ea typeface="+mn-ea"/>
+                      </a:endParaRPr>
                     </a:p>
                   </a:txBody>
                   <a:tcPr marL="91450" marR="91450" marT="45725" marB="45725"/>
@@ -8673,10 +8793,16 @@
                         <a:buNone/>
                       </a:pPr>
                       <a:r>
-                        <a:rPr lang="ko-KR" sz="1800" u="none" strike="noStrike" cap="none"/>
+                        <a:rPr lang="ko-KR" sz="1800" u="none" strike="noStrike" cap="none">
+                          <a:latin typeface="+mn-ea"/>
+                          <a:ea typeface="+mn-ea"/>
+                        </a:rPr>
                         <a:t>4</a:t>
                       </a:r>
-                      <a:endParaRPr sz="1800" u="none" strike="noStrike" cap="none"/>
+                      <a:endParaRPr sz="1800" u="none" strike="noStrike" cap="none">
+                        <a:latin typeface="+mn-ea"/>
+                        <a:ea typeface="+mn-ea"/>
+                      </a:endParaRPr>
                     </a:p>
                   </a:txBody>
                   <a:tcPr marL="91450" marR="91450" marT="45725" marB="45725"/>
@@ -8743,10 +8869,16 @@
                         <a:buNone/>
                       </a:pPr>
                       <a:r>
-                        <a:rPr lang="ko-KR" sz="1800" u="none" strike="noStrike" cap="none"/>
+                        <a:rPr lang="ko-KR" sz="1800" u="none" strike="noStrike" cap="none" dirty="0">
+                          <a:latin typeface="+mn-ea"/>
+                          <a:ea typeface="+mn-ea"/>
+                        </a:rPr>
                         <a:t>일간</a:t>
                       </a:r>
-                      <a:endParaRPr/>
+                      <a:endParaRPr dirty="0">
+                        <a:latin typeface="+mn-ea"/>
+                        <a:ea typeface="+mn-ea"/>
+                      </a:endParaRPr>
                     </a:p>
                   </a:txBody>
                   <a:tcPr marL="91450" marR="91450" marT="45725" marB="45725"/>
@@ -8766,10 +8898,16 @@
                         <a:buNone/>
                       </a:pPr>
                       <a:r>
-                        <a:rPr lang="ko-KR" sz="1800" u="none" strike="noStrike" cap="none"/>
+                        <a:rPr lang="ko-KR" sz="1800" u="none" strike="noStrike" cap="none" dirty="0">
+                          <a:latin typeface="+mn-ea"/>
+                          <a:ea typeface="+mn-ea"/>
+                        </a:rPr>
                         <a:t>1</a:t>
                       </a:r>
-                      <a:endParaRPr sz="1800" u="none" strike="noStrike" cap="none"/>
+                      <a:endParaRPr sz="1800" u="none" strike="noStrike" cap="none" dirty="0">
+                        <a:latin typeface="+mn-ea"/>
+                        <a:ea typeface="+mn-ea"/>
+                      </a:endParaRPr>
                     </a:p>
                   </a:txBody>
                   <a:tcPr marL="91450" marR="91450" marT="45725" marB="45725"/>
@@ -8789,10 +8927,16 @@
                         <a:buNone/>
                       </a:pPr>
                       <a:r>
-                        <a:rPr lang="ko-KR" sz="1800" u="none" strike="noStrike" cap="none"/>
+                        <a:rPr lang="ko-KR" sz="1800" u="none" strike="noStrike" cap="none">
+                          <a:latin typeface="+mn-ea"/>
+                          <a:ea typeface="+mn-ea"/>
+                        </a:rPr>
                         <a:t>2</a:t>
                       </a:r>
-                      <a:endParaRPr sz="1800" u="none" strike="noStrike" cap="none"/>
+                      <a:endParaRPr sz="1800" u="none" strike="noStrike" cap="none">
+                        <a:latin typeface="+mn-ea"/>
+                        <a:ea typeface="+mn-ea"/>
+                      </a:endParaRPr>
                     </a:p>
                   </a:txBody>
                   <a:tcPr marL="91450" marR="91450" marT="45725" marB="45725"/>
@@ -8812,10 +8956,16 @@
                         <a:buNone/>
                       </a:pPr>
                       <a:r>
-                        <a:rPr lang="ko-KR" sz="1800" u="none" strike="noStrike" cap="none"/>
+                        <a:rPr lang="ko-KR" sz="1800" u="none" strike="noStrike" cap="none">
+                          <a:latin typeface="+mn-ea"/>
+                          <a:ea typeface="+mn-ea"/>
+                        </a:rPr>
                         <a:t>3</a:t>
                       </a:r>
-                      <a:endParaRPr sz="1800" u="none" strike="noStrike" cap="none"/>
+                      <a:endParaRPr sz="1800" u="none" strike="noStrike" cap="none">
+                        <a:latin typeface="+mn-ea"/>
+                        <a:ea typeface="+mn-ea"/>
+                      </a:endParaRPr>
                     </a:p>
                   </a:txBody>
                   <a:tcPr marL="91450" marR="91450" marT="45725" marB="45725"/>
@@ -8835,10 +8985,16 @@
                         <a:buNone/>
                       </a:pPr>
                       <a:r>
-                        <a:rPr lang="ko-KR" sz="1800" u="none" strike="noStrike" cap="none"/>
+                        <a:rPr lang="ko-KR" sz="1800" u="none" strike="noStrike" cap="none">
+                          <a:latin typeface="+mn-ea"/>
+                          <a:ea typeface="+mn-ea"/>
+                        </a:rPr>
                         <a:t>4</a:t>
                       </a:r>
-                      <a:endParaRPr sz="1800" u="none" strike="noStrike" cap="none"/>
+                      <a:endParaRPr sz="1800" u="none" strike="noStrike" cap="none">
+                        <a:latin typeface="+mn-ea"/>
+                        <a:ea typeface="+mn-ea"/>
+                      </a:endParaRPr>
                     </a:p>
                   </a:txBody>
                   <a:tcPr marL="91450" marR="91450" marT="45725" marB="45725"/>
@@ -8858,10 +9014,16 @@
                         <a:buNone/>
                       </a:pPr>
                       <a:r>
-                        <a:rPr lang="ko-KR" sz="1800" u="none" strike="noStrike" cap="none"/>
+                        <a:rPr lang="ko-KR" sz="1800" u="none" strike="noStrike" cap="none">
+                          <a:latin typeface="+mn-ea"/>
+                          <a:ea typeface="+mn-ea"/>
+                        </a:rPr>
                         <a:t>5</a:t>
                       </a:r>
-                      <a:endParaRPr sz="1800" u="none" strike="noStrike" cap="none"/>
+                      <a:endParaRPr sz="1800" u="none" strike="noStrike" cap="none">
+                        <a:latin typeface="+mn-ea"/>
+                        <a:ea typeface="+mn-ea"/>
+                      </a:endParaRPr>
                     </a:p>
                   </a:txBody>
                   <a:tcPr marL="91450" marR="91450" marT="45725" marB="45725"/>
@@ -8881,10 +9043,16 @@
                         <a:buNone/>
                       </a:pPr>
                       <a:r>
-                        <a:rPr lang="ko-KR" sz="1800" u="none" strike="noStrike" cap="none"/>
+                        <a:rPr lang="ko-KR" sz="1800" u="none" strike="noStrike" cap="none">
+                          <a:latin typeface="+mn-ea"/>
+                          <a:ea typeface="+mn-ea"/>
+                        </a:rPr>
                         <a:t>6</a:t>
                       </a:r>
-                      <a:endParaRPr sz="1800" u="none" strike="noStrike" cap="none"/>
+                      <a:endParaRPr sz="1800" u="none" strike="noStrike" cap="none">
+                        <a:latin typeface="+mn-ea"/>
+                        <a:ea typeface="+mn-ea"/>
+                      </a:endParaRPr>
                     </a:p>
                   </a:txBody>
                   <a:tcPr marL="91450" marR="91450" marT="45725" marB="45725"/>
@@ -8904,10 +9072,16 @@
                         <a:buNone/>
                       </a:pPr>
                       <a:r>
-                        <a:rPr lang="ko-KR" sz="1800" u="none" strike="noStrike" cap="none"/>
+                        <a:rPr lang="ko-KR" sz="1800" u="none" strike="noStrike" cap="none">
+                          <a:latin typeface="+mn-ea"/>
+                          <a:ea typeface="+mn-ea"/>
+                        </a:rPr>
                         <a:t>7</a:t>
                       </a:r>
-                      <a:endParaRPr sz="1800" u="none" strike="noStrike" cap="none"/>
+                      <a:endParaRPr sz="1800" u="none" strike="noStrike" cap="none">
+                        <a:latin typeface="+mn-ea"/>
+                        <a:ea typeface="+mn-ea"/>
+                      </a:endParaRPr>
                     </a:p>
                   </a:txBody>
                   <a:tcPr marL="91450" marR="91450" marT="45725" marB="45725"/>
@@ -8927,10 +9101,16 @@
                         <a:buNone/>
                       </a:pPr>
                       <a:r>
-                        <a:rPr lang="ko-KR" sz="1800" u="none" strike="noStrike" cap="none"/>
+                        <a:rPr lang="ko-KR" sz="1800" u="none" strike="noStrike" cap="none">
+                          <a:latin typeface="+mn-ea"/>
+                          <a:ea typeface="+mn-ea"/>
+                        </a:rPr>
                         <a:t>8</a:t>
                       </a:r>
-                      <a:endParaRPr sz="1800" u="none" strike="noStrike" cap="none"/>
+                      <a:endParaRPr sz="1800" u="none" strike="noStrike" cap="none">
+                        <a:latin typeface="+mn-ea"/>
+                        <a:ea typeface="+mn-ea"/>
+                      </a:endParaRPr>
                     </a:p>
                   </a:txBody>
                   <a:tcPr marL="91450" marR="91450" marT="45725" marB="45725"/>
@@ -8950,10 +9130,16 @@
                         <a:buNone/>
                       </a:pPr>
                       <a:r>
-                        <a:rPr lang="ko-KR" sz="1800" u="none" strike="noStrike" cap="none"/>
+                        <a:rPr lang="ko-KR" sz="1800" u="none" strike="noStrike" cap="none">
+                          <a:latin typeface="+mn-ea"/>
+                          <a:ea typeface="+mn-ea"/>
+                        </a:rPr>
                         <a:t>9</a:t>
                       </a:r>
-                      <a:endParaRPr sz="1800" u="none" strike="noStrike" cap="none"/>
+                      <a:endParaRPr sz="1800" u="none" strike="noStrike" cap="none">
+                        <a:latin typeface="+mn-ea"/>
+                        <a:ea typeface="+mn-ea"/>
+                      </a:endParaRPr>
                     </a:p>
                   </a:txBody>
                   <a:tcPr marL="91450" marR="91450" marT="45725" marB="45725"/>
@@ -8973,10 +9159,16 @@
                         <a:buNone/>
                       </a:pPr>
                       <a:r>
-                        <a:rPr lang="ko-KR" sz="1800" u="none" strike="noStrike" cap="none"/>
+                        <a:rPr lang="ko-KR" sz="1800" u="none" strike="noStrike" cap="none">
+                          <a:latin typeface="+mn-ea"/>
+                          <a:ea typeface="+mn-ea"/>
+                        </a:rPr>
                         <a:t>10</a:t>
                       </a:r>
-                      <a:endParaRPr sz="1800" u="none" strike="noStrike" cap="none"/>
+                      <a:endParaRPr sz="1800" u="none" strike="noStrike" cap="none">
+                        <a:latin typeface="+mn-ea"/>
+                        <a:ea typeface="+mn-ea"/>
+                      </a:endParaRPr>
                     </a:p>
                   </a:txBody>
                   <a:tcPr marL="91450" marR="91450" marT="45725" marB="45725"/>
@@ -8996,10 +9188,16 @@
                         <a:buNone/>
                       </a:pPr>
                       <a:r>
-                        <a:rPr lang="ko-KR" sz="1800" u="none" strike="noStrike" cap="none"/>
+                        <a:rPr lang="ko-KR" sz="1800" u="none" strike="noStrike" cap="none">
+                          <a:latin typeface="+mn-ea"/>
+                          <a:ea typeface="+mn-ea"/>
+                        </a:rPr>
                         <a:t>11</a:t>
                       </a:r>
-                      <a:endParaRPr sz="1800" u="none" strike="noStrike" cap="none"/>
+                      <a:endParaRPr sz="1800" u="none" strike="noStrike" cap="none">
+                        <a:latin typeface="+mn-ea"/>
+                        <a:ea typeface="+mn-ea"/>
+                      </a:endParaRPr>
                     </a:p>
                   </a:txBody>
                   <a:tcPr marL="91450" marR="91450" marT="45725" marB="45725"/>
@@ -9019,10 +9217,16 @@
                         <a:buNone/>
                       </a:pPr>
                       <a:r>
-                        <a:rPr lang="ko-KR" sz="1800" u="none" strike="noStrike" cap="none"/>
+                        <a:rPr lang="ko-KR" sz="1800" u="none" strike="noStrike" cap="none">
+                          <a:latin typeface="+mn-ea"/>
+                          <a:ea typeface="+mn-ea"/>
+                        </a:rPr>
                         <a:t>12</a:t>
                       </a:r>
-                      <a:endParaRPr sz="1800" u="none" strike="noStrike" cap="none"/>
+                      <a:endParaRPr sz="1800" u="none" strike="noStrike" cap="none">
+                        <a:latin typeface="+mn-ea"/>
+                        <a:ea typeface="+mn-ea"/>
+                      </a:endParaRPr>
                     </a:p>
                   </a:txBody>
                   <a:tcPr marL="91450" marR="91450" marT="45725" marB="45725"/>
@@ -9042,10 +9246,16 @@
                         <a:buNone/>
                       </a:pPr>
                       <a:r>
-                        <a:rPr lang="ko-KR" sz="1800" u="none" strike="noStrike" cap="none"/>
+                        <a:rPr lang="ko-KR" sz="1800" u="none" strike="noStrike" cap="none">
+                          <a:latin typeface="+mn-ea"/>
+                          <a:ea typeface="+mn-ea"/>
+                        </a:rPr>
                         <a:t>13</a:t>
                       </a:r>
-                      <a:endParaRPr sz="1800" u="none" strike="noStrike" cap="none"/>
+                      <a:endParaRPr sz="1800" u="none" strike="noStrike" cap="none">
+                        <a:latin typeface="+mn-ea"/>
+                        <a:ea typeface="+mn-ea"/>
+                      </a:endParaRPr>
                     </a:p>
                   </a:txBody>
                   <a:tcPr marL="91450" marR="91450" marT="45725" marB="45725"/>
@@ -9065,10 +9275,16 @@
                         <a:buNone/>
                       </a:pPr>
                       <a:r>
-                        <a:rPr lang="ko-KR" sz="1800" u="none" strike="noStrike" cap="none"/>
+                        <a:rPr lang="ko-KR" sz="1800" u="none" strike="noStrike" cap="none">
+                          <a:latin typeface="+mn-ea"/>
+                          <a:ea typeface="+mn-ea"/>
+                        </a:rPr>
                         <a:t>14</a:t>
                       </a:r>
-                      <a:endParaRPr sz="1800" u="none" strike="noStrike" cap="none"/>
+                      <a:endParaRPr sz="1800" u="none" strike="noStrike" cap="none">
+                        <a:latin typeface="+mn-ea"/>
+                        <a:ea typeface="+mn-ea"/>
+                      </a:endParaRPr>
                     </a:p>
                   </a:txBody>
                   <a:tcPr marL="91450" marR="91450" marT="45725" marB="45725"/>
@@ -9088,10 +9304,16 @@
                         <a:buNone/>
                       </a:pPr>
                       <a:r>
-                        <a:rPr lang="ko-KR" sz="1800" u="none" strike="noStrike" cap="none"/>
+                        <a:rPr lang="ko-KR" sz="1800" u="none" strike="noStrike" cap="none">
+                          <a:latin typeface="+mn-ea"/>
+                          <a:ea typeface="+mn-ea"/>
+                        </a:rPr>
                         <a:t>15</a:t>
                       </a:r>
-                      <a:endParaRPr sz="1800" u="none" strike="noStrike" cap="none"/>
+                      <a:endParaRPr sz="1800" u="none" strike="noStrike" cap="none">
+                        <a:latin typeface="+mn-ea"/>
+                        <a:ea typeface="+mn-ea"/>
+                      </a:endParaRPr>
                     </a:p>
                   </a:txBody>
                   <a:tcPr marL="91450" marR="91450" marT="45725" marB="45725"/>
@@ -9111,10 +9333,16 @@
                         <a:buNone/>
                       </a:pPr>
                       <a:r>
-                        <a:rPr lang="ko-KR" sz="1800" u="none" strike="noStrike" cap="none"/>
+                        <a:rPr lang="ko-KR" sz="1800" u="none" strike="noStrike" cap="none">
+                          <a:latin typeface="+mn-ea"/>
+                          <a:ea typeface="+mn-ea"/>
+                        </a:rPr>
                         <a:t>16</a:t>
                       </a:r>
-                      <a:endParaRPr sz="1800" u="none" strike="noStrike" cap="none"/>
+                      <a:endParaRPr sz="1800" u="none" strike="noStrike" cap="none">
+                        <a:latin typeface="+mn-ea"/>
+                        <a:ea typeface="+mn-ea"/>
+                      </a:endParaRPr>
                     </a:p>
                   </a:txBody>
                   <a:tcPr marL="91450" marR="91450" marT="45725" marB="45725"/>
@@ -9134,10 +9362,16 @@
                         <a:buNone/>
                       </a:pPr>
                       <a:r>
-                        <a:rPr lang="ko-KR" sz="1800" u="none" strike="noStrike" cap="none"/>
+                        <a:rPr lang="ko-KR" sz="1800" u="none" strike="noStrike" cap="none">
+                          <a:latin typeface="+mn-ea"/>
+                          <a:ea typeface="+mn-ea"/>
+                        </a:rPr>
                         <a:t>17</a:t>
                       </a:r>
-                      <a:endParaRPr sz="1800" u="none" strike="noStrike" cap="none"/>
+                      <a:endParaRPr sz="1800" u="none" strike="noStrike" cap="none">
+                        <a:latin typeface="+mn-ea"/>
+                        <a:ea typeface="+mn-ea"/>
+                      </a:endParaRPr>
                     </a:p>
                   </a:txBody>
                   <a:tcPr marL="91450" marR="91450" marT="45725" marB="45725"/>
@@ -9157,10 +9391,16 @@
                         <a:buNone/>
                       </a:pPr>
                       <a:r>
-                        <a:rPr lang="ko-KR" sz="1800" u="none" strike="noStrike" cap="none"/>
+                        <a:rPr lang="ko-KR" sz="1800" u="none" strike="noStrike" cap="none">
+                          <a:latin typeface="+mn-ea"/>
+                          <a:ea typeface="+mn-ea"/>
+                        </a:rPr>
                         <a:t>18</a:t>
                       </a:r>
-                      <a:endParaRPr sz="1800" u="none" strike="noStrike" cap="none"/>
+                      <a:endParaRPr sz="1800" u="none" strike="noStrike" cap="none">
+                        <a:latin typeface="+mn-ea"/>
+                        <a:ea typeface="+mn-ea"/>
+                      </a:endParaRPr>
                     </a:p>
                   </a:txBody>
                   <a:tcPr marL="91450" marR="91450" marT="45725" marB="45725"/>
@@ -9180,10 +9420,16 @@
                         <a:buNone/>
                       </a:pPr>
                       <a:r>
-                        <a:rPr lang="ko-KR" sz="1800" u="none" strike="noStrike" cap="none"/>
+                        <a:rPr lang="ko-KR" sz="1800" u="none" strike="noStrike" cap="none">
+                          <a:latin typeface="+mn-ea"/>
+                          <a:ea typeface="+mn-ea"/>
+                        </a:rPr>
                         <a:t>19</a:t>
                       </a:r>
-                      <a:endParaRPr sz="1800" u="none" strike="noStrike" cap="none"/>
+                      <a:endParaRPr sz="1800" u="none" strike="noStrike" cap="none">
+                        <a:latin typeface="+mn-ea"/>
+                        <a:ea typeface="+mn-ea"/>
+                      </a:endParaRPr>
                     </a:p>
                   </a:txBody>
                   <a:tcPr marL="91450" marR="91450" marT="45725" marB="45725"/>
@@ -9203,10 +9449,16 @@
                         <a:buNone/>
                       </a:pPr>
                       <a:r>
-                        <a:rPr lang="ko-KR" sz="1800" u="none" strike="noStrike" cap="none"/>
+                        <a:rPr lang="ko-KR" sz="1800" u="none" strike="noStrike" cap="none">
+                          <a:latin typeface="+mn-ea"/>
+                          <a:ea typeface="+mn-ea"/>
+                        </a:rPr>
                         <a:t>20</a:t>
                       </a:r>
-                      <a:endParaRPr sz="1800" u="none" strike="noStrike" cap="none"/>
+                      <a:endParaRPr sz="1800" u="none" strike="noStrike" cap="none">
+                        <a:latin typeface="+mn-ea"/>
+                        <a:ea typeface="+mn-ea"/>
+                      </a:endParaRPr>
                     </a:p>
                   </a:txBody>
                   <a:tcPr marL="91450" marR="91450" marT="45725" marB="45725"/>
@@ -9233,10 +9485,16 @@
                         <a:buNone/>
                       </a:pPr>
                       <a:r>
-                        <a:rPr lang="ko-KR" sz="1800" u="none" strike="noStrike" cap="none"/>
+                        <a:rPr lang="ko-KR" sz="1800" u="none" strike="noStrike" cap="none">
+                          <a:latin typeface="+mn-ea"/>
+                          <a:ea typeface="+mn-ea"/>
+                        </a:rPr>
                         <a:t>기획</a:t>
                       </a:r>
-                      <a:endParaRPr/>
+                      <a:endParaRPr>
+                        <a:latin typeface="+mn-ea"/>
+                        <a:ea typeface="+mn-ea"/>
+                      </a:endParaRPr>
                     </a:p>
                   </a:txBody>
                   <a:tcPr marL="91450" marR="91450" marT="45725" marB="45725">
@@ -9259,7 +9517,10 @@
                         </a:spcAft>
                         <a:buNone/>
                       </a:pPr>
-                      <a:endParaRPr sz="1800" u="none" strike="noStrike" cap="none"/>
+                      <a:endParaRPr sz="1800" u="none" strike="noStrike" cap="none" dirty="0">
+                        <a:latin typeface="+mn-ea"/>
+                        <a:ea typeface="+mn-ea"/>
+                      </a:endParaRPr>
                     </a:p>
                   </a:txBody>
                   <a:tcPr marL="91450" marR="91450" marT="45725" marB="45725">
@@ -9282,7 +9543,10 @@
                         </a:spcAft>
                         <a:buNone/>
                       </a:pPr>
-                      <a:endParaRPr sz="1800" u="none" strike="noStrike" cap="none"/>
+                      <a:endParaRPr sz="1800" u="none" strike="noStrike" cap="none" dirty="0">
+                        <a:latin typeface="+mn-ea"/>
+                        <a:ea typeface="+mn-ea"/>
+                      </a:endParaRPr>
                     </a:p>
                   </a:txBody>
                   <a:tcPr marL="91450" marR="91450" marT="45725" marB="45725">
@@ -9305,7 +9569,10 @@
                         </a:spcAft>
                         <a:buNone/>
                       </a:pPr>
-                      <a:endParaRPr sz="1800" u="none" strike="noStrike" cap="none"/>
+                      <a:endParaRPr sz="1800" u="none" strike="noStrike" cap="none">
+                        <a:latin typeface="+mn-ea"/>
+                        <a:ea typeface="+mn-ea"/>
+                      </a:endParaRPr>
                     </a:p>
                   </a:txBody>
                   <a:tcPr marL="91450" marR="91450" marT="45725" marB="45725">
@@ -9328,7 +9595,10 @@
                         </a:spcAft>
                         <a:buNone/>
                       </a:pPr>
-                      <a:endParaRPr sz="1800" u="none" strike="noStrike" cap="none"/>
+                      <a:endParaRPr sz="1800" u="none" strike="noStrike" cap="none">
+                        <a:latin typeface="+mn-ea"/>
+                        <a:ea typeface="+mn-ea"/>
+                      </a:endParaRPr>
                     </a:p>
                   </a:txBody>
                   <a:tcPr marL="91450" marR="91450" marT="45725" marB="45725">
@@ -9351,7 +9621,10 @@
                         </a:spcAft>
                         <a:buNone/>
                       </a:pPr>
-                      <a:endParaRPr sz="1800" u="none" strike="noStrike" cap="none"/>
+                      <a:endParaRPr sz="1800" u="none" strike="noStrike" cap="none">
+                        <a:latin typeface="+mn-ea"/>
+                        <a:ea typeface="+mn-ea"/>
+                      </a:endParaRPr>
                     </a:p>
                   </a:txBody>
                   <a:tcPr marL="91450" marR="91450" marT="45725" marB="45725"/>
@@ -9370,7 +9643,10 @@
                         </a:spcAft>
                         <a:buNone/>
                       </a:pPr>
-                      <a:endParaRPr sz="1800" u="none" strike="noStrike" cap="none"/>
+                      <a:endParaRPr sz="1800" u="none" strike="noStrike" cap="none">
+                        <a:latin typeface="+mn-ea"/>
+                        <a:ea typeface="+mn-ea"/>
+                      </a:endParaRPr>
                     </a:p>
                   </a:txBody>
                   <a:tcPr marL="91450" marR="91450" marT="45725" marB="45725">
@@ -9393,7 +9669,10 @@
                         </a:spcAft>
                         <a:buNone/>
                       </a:pPr>
-                      <a:endParaRPr sz="1800" u="none" strike="noStrike" cap="none"/>
+                      <a:endParaRPr sz="1800" u="none" strike="noStrike" cap="none">
+                        <a:latin typeface="+mn-ea"/>
+                        <a:ea typeface="+mn-ea"/>
+                      </a:endParaRPr>
                     </a:p>
                   </a:txBody>
                   <a:tcPr marL="91450" marR="91450" marT="45725" marB="45725">
@@ -9416,7 +9695,10 @@
                         </a:spcAft>
                         <a:buNone/>
                       </a:pPr>
-                      <a:endParaRPr sz="1800" u="none" strike="noStrike" cap="none"/>
+                      <a:endParaRPr sz="1800" u="none" strike="noStrike" cap="none">
+                        <a:latin typeface="+mn-ea"/>
+                        <a:ea typeface="+mn-ea"/>
+                      </a:endParaRPr>
                     </a:p>
                   </a:txBody>
                   <a:tcPr marL="91450" marR="91450" marT="45725" marB="45725">
@@ -9439,7 +9721,10 @@
                         </a:spcAft>
                         <a:buNone/>
                       </a:pPr>
-                      <a:endParaRPr sz="1800" u="none" strike="noStrike" cap="none"/>
+                      <a:endParaRPr sz="1800" u="none" strike="noStrike" cap="none">
+                        <a:latin typeface="+mn-ea"/>
+                        <a:ea typeface="+mn-ea"/>
+                      </a:endParaRPr>
                     </a:p>
                   </a:txBody>
                   <a:tcPr marL="91450" marR="91450" marT="45725" marB="45725"/>
@@ -9458,7 +9743,10 @@
                         </a:spcAft>
                         <a:buNone/>
                       </a:pPr>
-                      <a:endParaRPr sz="1800" u="none" strike="noStrike" cap="none"/>
+                      <a:endParaRPr sz="1800" u="none" strike="noStrike" cap="none">
+                        <a:latin typeface="+mn-ea"/>
+                        <a:ea typeface="+mn-ea"/>
+                      </a:endParaRPr>
                     </a:p>
                   </a:txBody>
                   <a:tcPr marL="91450" marR="91450" marT="45725" marB="45725">
@@ -9481,7 +9769,10 @@
                         </a:spcAft>
                         <a:buNone/>
                       </a:pPr>
-                      <a:endParaRPr sz="1800" u="none" strike="noStrike" cap="none"/>
+                      <a:endParaRPr sz="1800" u="none" strike="noStrike" cap="none">
+                        <a:latin typeface="+mn-ea"/>
+                        <a:ea typeface="+mn-ea"/>
+                      </a:endParaRPr>
                     </a:p>
                   </a:txBody>
                   <a:tcPr marL="91450" marR="91450" marT="45725" marB="45725">
@@ -9504,7 +9795,10 @@
                         </a:spcAft>
                         <a:buNone/>
                       </a:pPr>
-                      <a:endParaRPr sz="1800" u="none" strike="noStrike" cap="none"/>
+                      <a:endParaRPr sz="1800" u="none" strike="noStrike" cap="none">
+                        <a:latin typeface="+mn-ea"/>
+                        <a:ea typeface="+mn-ea"/>
+                      </a:endParaRPr>
                     </a:p>
                   </a:txBody>
                   <a:tcPr marL="91450" marR="91450" marT="45725" marB="45725">
@@ -9527,7 +9821,10 @@
                         </a:spcAft>
                         <a:buNone/>
                       </a:pPr>
-                      <a:endParaRPr sz="1800" u="none" strike="noStrike" cap="none"/>
+                      <a:endParaRPr sz="1800" u="none" strike="noStrike" cap="none">
+                        <a:latin typeface="+mn-ea"/>
+                        <a:ea typeface="+mn-ea"/>
+                      </a:endParaRPr>
                     </a:p>
                   </a:txBody>
                   <a:tcPr marL="91450" marR="91450" marT="45725" marB="45725"/>
@@ -9546,7 +9843,10 @@
                         </a:spcAft>
                         <a:buNone/>
                       </a:pPr>
-                      <a:endParaRPr sz="1800" u="none" strike="noStrike" cap="none"/>
+                      <a:endParaRPr sz="1800" u="none" strike="noStrike" cap="none">
+                        <a:latin typeface="+mn-ea"/>
+                        <a:ea typeface="+mn-ea"/>
+                      </a:endParaRPr>
                     </a:p>
                   </a:txBody>
                   <a:tcPr marL="91450" marR="91450" marT="45725" marB="45725">
@@ -9569,7 +9869,10 @@
                         </a:spcAft>
                         <a:buNone/>
                       </a:pPr>
-                      <a:endParaRPr sz="1800" u="none" strike="noStrike" cap="none"/>
+                      <a:endParaRPr sz="1800" u="none" strike="noStrike" cap="none">
+                        <a:latin typeface="+mn-ea"/>
+                        <a:ea typeface="+mn-ea"/>
+                      </a:endParaRPr>
                     </a:p>
                   </a:txBody>
                   <a:tcPr marL="91450" marR="91450" marT="45725" marB="45725">
@@ -9592,7 +9895,10 @@
                         </a:spcAft>
                         <a:buNone/>
                       </a:pPr>
-                      <a:endParaRPr sz="1800" u="none" strike="noStrike" cap="none"/>
+                      <a:endParaRPr sz="1800" u="none" strike="noStrike" cap="none">
+                        <a:latin typeface="+mn-ea"/>
+                        <a:ea typeface="+mn-ea"/>
+                      </a:endParaRPr>
                     </a:p>
                   </a:txBody>
                   <a:tcPr marL="91450" marR="91450" marT="45725" marB="45725">
@@ -9615,7 +9921,10 @@
                         </a:spcAft>
                         <a:buNone/>
                       </a:pPr>
-                      <a:endParaRPr sz="1800" u="none" strike="noStrike" cap="none"/>
+                      <a:endParaRPr sz="1800" u="none" strike="noStrike" cap="none">
+                        <a:latin typeface="+mn-ea"/>
+                        <a:ea typeface="+mn-ea"/>
+                      </a:endParaRPr>
                     </a:p>
                   </a:txBody>
                   <a:tcPr marL="91450" marR="91450" marT="45725" marB="45725"/>
@@ -9634,7 +9943,10 @@
                         </a:spcAft>
                         <a:buNone/>
                       </a:pPr>
-                      <a:endParaRPr sz="1800" u="none" strike="noStrike" cap="none"/>
+                      <a:endParaRPr sz="1800" u="none" strike="noStrike" cap="none">
+                        <a:latin typeface="+mn-ea"/>
+                        <a:ea typeface="+mn-ea"/>
+                      </a:endParaRPr>
                     </a:p>
                   </a:txBody>
                   <a:tcPr marL="91450" marR="91450" marT="45725" marB="45725"/>
@@ -9653,7 +9965,10 @@
                         </a:spcAft>
                         <a:buNone/>
                       </a:pPr>
-                      <a:endParaRPr sz="1800" u="none" strike="noStrike" cap="none"/>
+                      <a:endParaRPr sz="1800" u="none" strike="noStrike" cap="none">
+                        <a:latin typeface="+mn-ea"/>
+                        <a:ea typeface="+mn-ea"/>
+                      </a:endParaRPr>
                     </a:p>
                   </a:txBody>
                   <a:tcPr marL="91450" marR="91450" marT="45725" marB="45725"/>
@@ -9672,7 +9987,10 @@
                         </a:spcAft>
                         <a:buNone/>
                       </a:pPr>
-                      <a:endParaRPr sz="1800" u="none" strike="noStrike" cap="none"/>
+                      <a:endParaRPr sz="1800" u="none" strike="noStrike" cap="none">
+                        <a:latin typeface="+mn-ea"/>
+                        <a:ea typeface="+mn-ea"/>
+                      </a:endParaRPr>
                     </a:p>
                   </a:txBody>
                   <a:tcPr marL="91450" marR="91450" marT="45725" marB="45725"/>
@@ -9699,10 +10017,16 @@
                         <a:buNone/>
                       </a:pPr>
                       <a:r>
-                        <a:rPr lang="ko-KR" sz="1800" u="none" strike="noStrike" cap="none"/>
+                        <a:rPr lang="ko-KR" sz="1800" u="none" strike="noStrike" cap="none">
+                          <a:latin typeface="+mn-ea"/>
+                          <a:ea typeface="+mn-ea"/>
+                        </a:rPr>
                         <a:t>그래픽</a:t>
                       </a:r>
-                      <a:endParaRPr/>
+                      <a:endParaRPr>
+                        <a:latin typeface="+mn-ea"/>
+                        <a:ea typeface="+mn-ea"/>
+                      </a:endParaRPr>
                     </a:p>
                   </a:txBody>
                   <a:tcPr marL="91450" marR="91450" marT="45725" marB="45725">
@@ -9725,7 +10049,10 @@
                         </a:spcAft>
                         <a:buNone/>
                       </a:pPr>
-                      <a:endParaRPr sz="1800" u="none" strike="noStrike" cap="none"/>
+                      <a:endParaRPr sz="1800" u="none" strike="noStrike" cap="none">
+                        <a:latin typeface="+mn-ea"/>
+                        <a:ea typeface="+mn-ea"/>
+                      </a:endParaRPr>
                     </a:p>
                   </a:txBody>
                   <a:tcPr marL="91450" marR="91450" marT="45725" marB="45725"/>
@@ -9744,7 +10071,10 @@
                         </a:spcAft>
                         <a:buNone/>
                       </a:pPr>
-                      <a:endParaRPr sz="1800" u="none" strike="noStrike" cap="none"/>
+                      <a:endParaRPr sz="1800" u="none" strike="noStrike" cap="none" dirty="0">
+                        <a:latin typeface="+mn-ea"/>
+                        <a:ea typeface="+mn-ea"/>
+                      </a:endParaRPr>
                     </a:p>
                   </a:txBody>
                   <a:tcPr marL="91450" marR="91450" marT="45725" marB="45725">
@@ -9767,7 +10097,10 @@
                         </a:spcAft>
                         <a:buNone/>
                       </a:pPr>
-                      <a:endParaRPr sz="1800" u="none" strike="noStrike" cap="none"/>
+                      <a:endParaRPr sz="1800" u="none" strike="noStrike" cap="none" dirty="0">
+                        <a:latin typeface="+mn-ea"/>
+                        <a:ea typeface="+mn-ea"/>
+                      </a:endParaRPr>
                     </a:p>
                   </a:txBody>
                   <a:tcPr marL="91450" marR="91450" marT="45725" marB="45725"/>
@@ -9786,7 +10119,10 @@
                         </a:spcAft>
                         <a:buNone/>
                       </a:pPr>
-                      <a:endParaRPr sz="1800" u="none" strike="noStrike" cap="none"/>
+                      <a:endParaRPr sz="1800" u="none" strike="noStrike" cap="none" dirty="0">
+                        <a:latin typeface="+mn-ea"/>
+                        <a:ea typeface="+mn-ea"/>
+                      </a:endParaRPr>
                     </a:p>
                   </a:txBody>
                   <a:tcPr marL="91450" marR="91450" marT="45725" marB="45725">
@@ -9809,7 +10145,10 @@
                         </a:spcAft>
                         <a:buNone/>
                       </a:pPr>
-                      <a:endParaRPr sz="1800" u="none" strike="noStrike" cap="none"/>
+                      <a:endParaRPr sz="1800" u="none" strike="noStrike" cap="none">
+                        <a:latin typeface="+mn-ea"/>
+                        <a:ea typeface="+mn-ea"/>
+                      </a:endParaRPr>
                     </a:p>
                   </a:txBody>
                   <a:tcPr marL="91450" marR="91450" marT="45725" marB="45725">
@@ -9832,7 +10171,10 @@
                         </a:spcAft>
                         <a:buNone/>
                       </a:pPr>
-                      <a:endParaRPr sz="1800" u="none" strike="noStrike" cap="none"/>
+                      <a:endParaRPr sz="1800" u="none" strike="noStrike" cap="none">
+                        <a:latin typeface="+mn-ea"/>
+                        <a:ea typeface="+mn-ea"/>
+                      </a:endParaRPr>
                     </a:p>
                   </a:txBody>
                   <a:tcPr marL="91450" marR="91450" marT="45725" marB="45725"/>
@@ -9851,7 +10193,10 @@
                         </a:spcAft>
                         <a:buNone/>
                       </a:pPr>
-                      <a:endParaRPr sz="1800" u="none" strike="noStrike" cap="none"/>
+                      <a:endParaRPr sz="1800" u="none" strike="noStrike" cap="none">
+                        <a:latin typeface="+mn-ea"/>
+                        <a:ea typeface="+mn-ea"/>
+                      </a:endParaRPr>
                     </a:p>
                   </a:txBody>
                   <a:tcPr marL="91450" marR="91450" marT="45725" marB="45725">
@@ -9874,7 +10219,10 @@
                         </a:spcAft>
                         <a:buNone/>
                       </a:pPr>
-                      <a:endParaRPr sz="1800" u="none" strike="noStrike" cap="none"/>
+                      <a:endParaRPr sz="1800" u="none" strike="noStrike" cap="none">
+                        <a:latin typeface="+mn-ea"/>
+                        <a:ea typeface="+mn-ea"/>
+                      </a:endParaRPr>
                     </a:p>
                   </a:txBody>
                   <a:tcPr marL="91450" marR="91450" marT="45725" marB="45725"/>
@@ -9893,7 +10241,10 @@
                         </a:spcAft>
                         <a:buNone/>
                       </a:pPr>
-                      <a:endParaRPr sz="1800" u="none" strike="noStrike" cap="none"/>
+                      <a:endParaRPr sz="1800" u="none" strike="noStrike" cap="none">
+                        <a:latin typeface="+mn-ea"/>
+                        <a:ea typeface="+mn-ea"/>
+                      </a:endParaRPr>
                     </a:p>
                   </a:txBody>
                   <a:tcPr marL="91450" marR="91450" marT="45725" marB="45725">
@@ -9916,7 +10267,10 @@
                         </a:spcAft>
                         <a:buNone/>
                       </a:pPr>
-                      <a:endParaRPr sz="1800" u="none" strike="noStrike" cap="none"/>
+                      <a:endParaRPr sz="1800" u="none" strike="noStrike" cap="none">
+                        <a:latin typeface="+mn-ea"/>
+                        <a:ea typeface="+mn-ea"/>
+                      </a:endParaRPr>
                     </a:p>
                   </a:txBody>
                   <a:tcPr marL="91450" marR="91450" marT="45725" marB="45725">
@@ -9939,7 +10293,10 @@
                         </a:spcAft>
                         <a:buNone/>
                       </a:pPr>
-                      <a:endParaRPr sz="1800" u="none" strike="noStrike" cap="none"/>
+                      <a:endParaRPr sz="1800" u="none" strike="noStrike" cap="none">
+                        <a:latin typeface="+mn-ea"/>
+                        <a:ea typeface="+mn-ea"/>
+                      </a:endParaRPr>
                     </a:p>
                   </a:txBody>
                   <a:tcPr marL="91450" marR="91450" marT="45725" marB="45725"/>
@@ -9958,7 +10315,10 @@
                         </a:spcAft>
                         <a:buNone/>
                       </a:pPr>
-                      <a:endParaRPr sz="1800" u="none" strike="noStrike" cap="none"/>
+                      <a:endParaRPr sz="1800" u="none" strike="noStrike" cap="none">
+                        <a:latin typeface="+mn-ea"/>
+                        <a:ea typeface="+mn-ea"/>
+                      </a:endParaRPr>
                     </a:p>
                   </a:txBody>
                   <a:tcPr marL="91450" marR="91450" marT="45725" marB="45725">
@@ -9981,7 +10341,10 @@
                         </a:spcAft>
                         <a:buNone/>
                       </a:pPr>
-                      <a:endParaRPr sz="1800" u="none" strike="noStrike" cap="none"/>
+                      <a:endParaRPr sz="1800" u="none" strike="noStrike" cap="none">
+                        <a:latin typeface="+mn-ea"/>
+                        <a:ea typeface="+mn-ea"/>
+                      </a:endParaRPr>
                     </a:p>
                   </a:txBody>
                   <a:tcPr marL="91450" marR="91450" marT="45725" marB="45725"/>
@@ -10000,7 +10363,10 @@
                         </a:spcAft>
                         <a:buNone/>
                       </a:pPr>
-                      <a:endParaRPr sz="1800" u="none" strike="noStrike" cap="none"/>
+                      <a:endParaRPr sz="1800" u="none" strike="noStrike" cap="none">
+                        <a:latin typeface="+mn-ea"/>
+                        <a:ea typeface="+mn-ea"/>
+                      </a:endParaRPr>
                     </a:p>
                   </a:txBody>
                   <a:tcPr marL="91450" marR="91450" marT="45725" marB="45725">
@@ -10023,7 +10389,10 @@
                         </a:spcAft>
                         <a:buNone/>
                       </a:pPr>
-                      <a:endParaRPr sz="1800" u="none" strike="noStrike" cap="none"/>
+                      <a:endParaRPr sz="1800" u="none" strike="noStrike" cap="none">
+                        <a:latin typeface="+mn-ea"/>
+                        <a:ea typeface="+mn-ea"/>
+                      </a:endParaRPr>
                     </a:p>
                   </a:txBody>
                   <a:tcPr marL="91450" marR="91450" marT="45725" marB="45725">
@@ -10046,7 +10415,10 @@
                         </a:spcAft>
                         <a:buNone/>
                       </a:pPr>
-                      <a:endParaRPr sz="1800" u="none" strike="noStrike" cap="none"/>
+                      <a:endParaRPr sz="1800" u="none" strike="noStrike" cap="none">
+                        <a:latin typeface="+mn-ea"/>
+                        <a:ea typeface="+mn-ea"/>
+                      </a:endParaRPr>
                     </a:p>
                   </a:txBody>
                   <a:tcPr marL="91450" marR="91450" marT="45725" marB="45725">
@@ -10069,7 +10441,10 @@
                         </a:spcAft>
                         <a:buNone/>
                       </a:pPr>
-                      <a:endParaRPr sz="1800" u="none" strike="noStrike" cap="none"/>
+                      <a:endParaRPr sz="1800" u="none" strike="noStrike" cap="none">
+                        <a:latin typeface="+mn-ea"/>
+                        <a:ea typeface="+mn-ea"/>
+                      </a:endParaRPr>
                     </a:p>
                   </a:txBody>
                   <a:tcPr marL="91450" marR="91450" marT="45725" marB="45725">
@@ -10092,7 +10467,10 @@
                         </a:spcAft>
                         <a:buNone/>
                       </a:pPr>
-                      <a:endParaRPr sz="1800" u="none" strike="noStrike" cap="none"/>
+                      <a:endParaRPr sz="1800" u="none" strike="noStrike" cap="none">
+                        <a:latin typeface="+mn-ea"/>
+                        <a:ea typeface="+mn-ea"/>
+                      </a:endParaRPr>
                     </a:p>
                   </a:txBody>
                   <a:tcPr marL="91450" marR="91450" marT="45725" marB="45725"/>
@@ -10111,7 +10489,10 @@
                         </a:spcAft>
                         <a:buNone/>
                       </a:pPr>
-                      <a:endParaRPr sz="1800" u="none" strike="noStrike" cap="none"/>
+                      <a:endParaRPr sz="1800" u="none" strike="noStrike" cap="none">
+                        <a:latin typeface="+mn-ea"/>
+                        <a:ea typeface="+mn-ea"/>
+                      </a:endParaRPr>
                     </a:p>
                   </a:txBody>
                   <a:tcPr marL="91450" marR="91450" marT="45725" marB="45725"/>
@@ -10130,7 +10511,10 @@
                         </a:spcAft>
                         <a:buNone/>
                       </a:pPr>
-                      <a:endParaRPr sz="1800" u="none" strike="noStrike" cap="none"/>
+                      <a:endParaRPr sz="1800" u="none" strike="noStrike" cap="none">
+                        <a:latin typeface="+mn-ea"/>
+                        <a:ea typeface="+mn-ea"/>
+                      </a:endParaRPr>
                     </a:p>
                   </a:txBody>
                   <a:tcPr marL="91450" marR="91450" marT="45725" marB="45725"/>
@@ -10157,10 +10541,16 @@
                         <a:buNone/>
                       </a:pPr>
                       <a:r>
-                        <a:rPr lang="ko-KR" sz="1400" b="1" u="none" strike="noStrike" cap="none"/>
+                        <a:rPr lang="ko-KR" sz="1400" b="1" u="none" strike="noStrike" cap="none">
+                          <a:latin typeface="+mn-ea"/>
+                          <a:ea typeface="+mn-ea"/>
+                        </a:rPr>
                         <a:t>프로그램</a:t>
                       </a:r>
-                      <a:endParaRPr/>
+                      <a:endParaRPr>
+                        <a:latin typeface="+mn-ea"/>
+                        <a:ea typeface="+mn-ea"/>
+                      </a:endParaRPr>
                     </a:p>
                   </a:txBody>
                   <a:tcPr marL="91450" marR="91450" marT="45725" marB="45725">
@@ -10183,7 +10573,10 @@
                         </a:spcAft>
                         <a:buNone/>
                       </a:pPr>
-                      <a:endParaRPr sz="1800" u="none" strike="noStrike" cap="none"/>
+                      <a:endParaRPr sz="1800" u="none" strike="noStrike" cap="none">
+                        <a:latin typeface="+mn-ea"/>
+                        <a:ea typeface="+mn-ea"/>
+                      </a:endParaRPr>
                     </a:p>
                   </a:txBody>
                   <a:tcPr marL="91450" marR="91450" marT="45725" marB="45725"/>
@@ -10202,7 +10595,10 @@
                         </a:spcAft>
                         <a:buNone/>
                       </a:pPr>
-                      <a:endParaRPr sz="1800" u="none" strike="noStrike" cap="none"/>
+                      <a:endParaRPr sz="1800" u="none" strike="noStrike" cap="none">
+                        <a:latin typeface="+mn-ea"/>
+                        <a:ea typeface="+mn-ea"/>
+                      </a:endParaRPr>
                     </a:p>
                   </a:txBody>
                   <a:tcPr marL="91450" marR="91450" marT="45725" marB="45725">
@@ -10225,7 +10621,10 @@
                         </a:spcAft>
                         <a:buNone/>
                       </a:pPr>
-                      <a:endParaRPr sz="1800" u="none" strike="noStrike" cap="none"/>
+                      <a:endParaRPr sz="1800" u="none" strike="noStrike" cap="none">
+                        <a:latin typeface="+mn-ea"/>
+                        <a:ea typeface="+mn-ea"/>
+                      </a:endParaRPr>
                     </a:p>
                   </a:txBody>
                   <a:tcPr marL="91450" marR="91450" marT="45725" marB="45725">
@@ -10248,7 +10647,10 @@
                         </a:spcAft>
                         <a:buNone/>
                       </a:pPr>
-                      <a:endParaRPr sz="1800" u="none" strike="noStrike" cap="none"/>
+                      <a:endParaRPr sz="1800" u="none" strike="noStrike" cap="none" dirty="0">
+                        <a:latin typeface="+mn-ea"/>
+                        <a:ea typeface="+mn-ea"/>
+                      </a:endParaRPr>
                     </a:p>
                   </a:txBody>
                   <a:tcPr marL="91450" marR="91450" marT="45725" marB="45725">
@@ -10271,7 +10673,10 @@
                         </a:spcAft>
                         <a:buNone/>
                       </a:pPr>
-                      <a:endParaRPr sz="1800" u="none" strike="noStrike" cap="none"/>
+                      <a:endParaRPr sz="1800" u="none" strike="noStrike" cap="none" dirty="0">
+                        <a:latin typeface="+mn-ea"/>
+                        <a:ea typeface="+mn-ea"/>
+                      </a:endParaRPr>
                     </a:p>
                   </a:txBody>
                   <a:tcPr marL="91450" marR="91450" marT="45725" marB="45725">
@@ -10294,7 +10699,10 @@
                         </a:spcAft>
                         <a:buNone/>
                       </a:pPr>
-                      <a:endParaRPr sz="1800" u="none" strike="noStrike" cap="none"/>
+                      <a:endParaRPr sz="1800" u="none" strike="noStrike" cap="none" dirty="0">
+                        <a:latin typeface="+mn-ea"/>
+                        <a:ea typeface="+mn-ea"/>
+                      </a:endParaRPr>
                     </a:p>
                   </a:txBody>
                   <a:tcPr marL="91450" marR="91450" marT="45725" marB="45725"/>
@@ -10313,7 +10721,10 @@
                         </a:spcAft>
                         <a:buNone/>
                       </a:pPr>
-                      <a:endParaRPr sz="1800" u="none" strike="noStrike" cap="none"/>
+                      <a:endParaRPr sz="1800" u="none" strike="noStrike" cap="none" dirty="0">
+                        <a:latin typeface="+mn-ea"/>
+                        <a:ea typeface="+mn-ea"/>
+                      </a:endParaRPr>
                     </a:p>
                   </a:txBody>
                   <a:tcPr marL="91450" marR="91450" marT="45725" marB="45725"/>
@@ -10332,7 +10743,10 @@
                         </a:spcAft>
                         <a:buNone/>
                       </a:pPr>
-                      <a:endParaRPr sz="1800" u="none" strike="noStrike" cap="none"/>
+                      <a:endParaRPr sz="1800" u="none" strike="noStrike" cap="none" dirty="0">
+                        <a:latin typeface="+mn-ea"/>
+                        <a:ea typeface="+mn-ea"/>
+                      </a:endParaRPr>
                     </a:p>
                   </a:txBody>
                   <a:tcPr marL="91450" marR="91450" marT="45725" marB="45725">
@@ -10355,7 +10769,10 @@
                         </a:spcAft>
                         <a:buNone/>
                       </a:pPr>
-                      <a:endParaRPr sz="1800" u="none" strike="noStrike" cap="none"/>
+                      <a:endParaRPr sz="1800" u="none" strike="noStrike" cap="none" dirty="0">
+                        <a:latin typeface="+mn-ea"/>
+                        <a:ea typeface="+mn-ea"/>
+                      </a:endParaRPr>
                     </a:p>
                   </a:txBody>
                   <a:tcPr marL="91450" marR="91450" marT="45725" marB="45725">
@@ -10378,7 +10795,10 @@
                         </a:spcAft>
                         <a:buNone/>
                       </a:pPr>
-                      <a:endParaRPr sz="1800" u="none" strike="noStrike" cap="none"/>
+                      <a:endParaRPr sz="1800" u="none" strike="noStrike" cap="none">
+                        <a:latin typeface="+mn-ea"/>
+                        <a:ea typeface="+mn-ea"/>
+                      </a:endParaRPr>
                     </a:p>
                   </a:txBody>
                   <a:tcPr marL="91450" marR="91450" marT="45725" marB="45725">
@@ -10401,7 +10821,10 @@
                         </a:spcAft>
                         <a:buNone/>
                       </a:pPr>
-                      <a:endParaRPr sz="1800" u="none" strike="noStrike" cap="none"/>
+                      <a:endParaRPr sz="1800" u="none" strike="noStrike" cap="none">
+                        <a:latin typeface="+mn-ea"/>
+                        <a:ea typeface="+mn-ea"/>
+                      </a:endParaRPr>
                     </a:p>
                   </a:txBody>
                   <a:tcPr marL="91450" marR="91450" marT="45725" marB="45725"/>
@@ -10420,7 +10843,10 @@
                         </a:spcAft>
                         <a:buNone/>
                       </a:pPr>
-                      <a:endParaRPr sz="1800" u="none" strike="noStrike" cap="none"/>
+                      <a:endParaRPr sz="1800" u="none" strike="noStrike" cap="none">
+                        <a:latin typeface="+mn-ea"/>
+                        <a:ea typeface="+mn-ea"/>
+                      </a:endParaRPr>
                     </a:p>
                   </a:txBody>
                   <a:tcPr marL="91450" marR="91450" marT="45725" marB="45725">
@@ -10443,7 +10869,10 @@
                         </a:spcAft>
                         <a:buNone/>
                       </a:pPr>
-                      <a:endParaRPr sz="1800" u="none" strike="noStrike" cap="none"/>
+                      <a:endParaRPr sz="1800" u="none" strike="noStrike" cap="none">
+                        <a:latin typeface="+mn-ea"/>
+                        <a:ea typeface="+mn-ea"/>
+                      </a:endParaRPr>
                     </a:p>
                   </a:txBody>
                   <a:tcPr marL="91450" marR="91450" marT="45725" marB="45725">
@@ -10466,7 +10895,10 @@
                         </a:spcAft>
                         <a:buNone/>
                       </a:pPr>
-                      <a:endParaRPr sz="1800" u="none" strike="noStrike" cap="none"/>
+                      <a:endParaRPr sz="1800" u="none" strike="noStrike" cap="none">
+                        <a:latin typeface="+mn-ea"/>
+                        <a:ea typeface="+mn-ea"/>
+                      </a:endParaRPr>
                     </a:p>
                   </a:txBody>
                   <a:tcPr marL="91450" marR="91450" marT="45725" marB="45725">
@@ -10489,7 +10921,10 @@
                         </a:spcAft>
                         <a:buNone/>
                       </a:pPr>
-                      <a:endParaRPr sz="1800" u="none" strike="noStrike" cap="none"/>
+                      <a:endParaRPr sz="1800" u="none" strike="noStrike" cap="none" dirty="0">
+                        <a:latin typeface="+mn-ea"/>
+                        <a:ea typeface="+mn-ea"/>
+                      </a:endParaRPr>
                     </a:p>
                   </a:txBody>
                   <a:tcPr marL="91450" marR="91450" marT="45725" marB="45725"/>
@@ -10508,7 +10943,10 @@
                         </a:spcAft>
                         <a:buNone/>
                       </a:pPr>
-                      <a:endParaRPr sz="1800" u="none" strike="noStrike" cap="none"/>
+                      <a:endParaRPr sz="1800" u="none" strike="noStrike" cap="none" dirty="0">
+                        <a:latin typeface="+mn-ea"/>
+                        <a:ea typeface="+mn-ea"/>
+                      </a:endParaRPr>
                     </a:p>
                   </a:txBody>
                   <a:tcPr marL="91450" marR="91450" marT="45725" marB="45725">
@@ -10531,7 +10969,10 @@
                         </a:spcAft>
                         <a:buNone/>
                       </a:pPr>
-                      <a:endParaRPr sz="1800" u="none" strike="noStrike" cap="none"/>
+                      <a:endParaRPr sz="1800" u="none" strike="noStrike" cap="none" dirty="0">
+                        <a:latin typeface="+mn-ea"/>
+                        <a:ea typeface="+mn-ea"/>
+                      </a:endParaRPr>
                     </a:p>
                   </a:txBody>
                   <a:tcPr marL="91450" marR="91450" marT="45725" marB="45725">
@@ -10554,7 +10995,10 @@
                         </a:spcAft>
                         <a:buNone/>
                       </a:pPr>
-                      <a:endParaRPr sz="1800" u="none" strike="noStrike" cap="none"/>
+                      <a:endParaRPr sz="1800" u="none" strike="noStrike" cap="none" dirty="0">
+                        <a:latin typeface="+mn-ea"/>
+                        <a:ea typeface="+mn-ea"/>
+                      </a:endParaRPr>
                     </a:p>
                   </a:txBody>
                   <a:tcPr marL="91450" marR="91450" marT="45725" marB="45725">
@@ -10577,7 +11021,10 @@
                         </a:spcAft>
                         <a:buNone/>
                       </a:pPr>
-                      <a:endParaRPr sz="1800" u="none" strike="noStrike" cap="none"/>
+                      <a:endParaRPr sz="1800" u="none" strike="noStrike" cap="none" dirty="0">
+                        <a:latin typeface="+mn-ea"/>
+                        <a:ea typeface="+mn-ea"/>
+                      </a:endParaRPr>
                     </a:p>
                   </a:txBody>
                   <a:tcPr marL="91450" marR="91450" marT="45725" marB="45725">
@@ -10600,7 +11047,10 @@
                         </a:spcAft>
                         <a:buNone/>
                       </a:pPr>
-                      <a:endParaRPr sz="1800" u="none" strike="noStrike" cap="none"/>
+                      <a:endParaRPr sz="1800" u="none" strike="noStrike" cap="none">
+                        <a:latin typeface="+mn-ea"/>
+                        <a:ea typeface="+mn-ea"/>
+                      </a:endParaRPr>
                     </a:p>
                   </a:txBody>
                   <a:tcPr marL="91450" marR="91450" marT="45725" marB="45725"/>
@@ -10627,10 +11077,16 @@
                         <a:buNone/>
                       </a:pPr>
                       <a:r>
-                        <a:rPr lang="ko-KR" sz="1200" b="1" u="none" strike="noStrike" cap="none"/>
+                        <a:rPr lang="ko-KR" sz="1200" b="1" u="none" strike="noStrike" cap="none">
+                          <a:latin typeface="+mn-ea"/>
+                          <a:ea typeface="+mn-ea"/>
+                        </a:rPr>
                         <a:t>점검, 추가</a:t>
                       </a:r>
-                      <a:endParaRPr/>
+                      <a:endParaRPr>
+                        <a:latin typeface="+mn-ea"/>
+                        <a:ea typeface="+mn-ea"/>
+                      </a:endParaRPr>
                     </a:p>
                   </a:txBody>
                   <a:tcPr marL="91450" marR="91450" marT="45725" marB="45725">
@@ -10653,7 +11109,10 @@
                         </a:spcAft>
                         <a:buNone/>
                       </a:pPr>
-                      <a:endParaRPr sz="1800" u="none" strike="noStrike" cap="none"/>
+                      <a:endParaRPr sz="1800" u="none" strike="noStrike" cap="none">
+                        <a:latin typeface="+mn-ea"/>
+                        <a:ea typeface="+mn-ea"/>
+                      </a:endParaRPr>
                     </a:p>
                   </a:txBody>
                   <a:tcPr marL="91450" marR="91450" marT="45725" marB="45725">
@@ -10676,7 +11135,10 @@
                         </a:spcAft>
                         <a:buNone/>
                       </a:pPr>
-                      <a:endParaRPr sz="1800" u="none" strike="noStrike" cap="none"/>
+                      <a:endParaRPr sz="1800" u="none" strike="noStrike" cap="none">
+                        <a:latin typeface="+mn-ea"/>
+                        <a:ea typeface="+mn-ea"/>
+                      </a:endParaRPr>
                     </a:p>
                   </a:txBody>
                   <a:tcPr marL="91450" marR="91450" marT="45725" marB="45725"/>
@@ -10695,7 +11157,10 @@
                         </a:spcAft>
                         <a:buNone/>
                       </a:pPr>
-                      <a:endParaRPr sz="1800" u="none" strike="noStrike" cap="none"/>
+                      <a:endParaRPr sz="1800" u="none" strike="noStrike" cap="none">
+                        <a:latin typeface="+mn-ea"/>
+                        <a:ea typeface="+mn-ea"/>
+                      </a:endParaRPr>
                     </a:p>
                   </a:txBody>
                   <a:tcPr marL="91450" marR="91450" marT="45725" marB="45725"/>
@@ -10714,7 +11179,10 @@
                         </a:spcAft>
                         <a:buNone/>
                       </a:pPr>
-                      <a:endParaRPr sz="1800" u="none" strike="noStrike" cap="none"/>
+                      <a:endParaRPr sz="1800" u="none" strike="noStrike" cap="none">
+                        <a:latin typeface="+mn-ea"/>
+                        <a:ea typeface="+mn-ea"/>
+                      </a:endParaRPr>
                     </a:p>
                   </a:txBody>
                   <a:tcPr marL="91450" marR="91450" marT="45725" marB="45725"/>
@@ -10733,7 +11201,10 @@
                         </a:spcAft>
                         <a:buNone/>
                       </a:pPr>
-                      <a:endParaRPr sz="1800" u="none" strike="noStrike" cap="none"/>
+                      <a:endParaRPr sz="1800" u="none" strike="noStrike" cap="none">
+                        <a:latin typeface="+mn-ea"/>
+                        <a:ea typeface="+mn-ea"/>
+                      </a:endParaRPr>
                     </a:p>
                   </a:txBody>
                   <a:tcPr marL="91450" marR="91450" marT="45725" marB="45725"/>
@@ -10752,7 +11223,10 @@
                         </a:spcAft>
                         <a:buNone/>
                       </a:pPr>
-                      <a:endParaRPr sz="1800" u="none" strike="noStrike" cap="none"/>
+                      <a:endParaRPr sz="1800" u="none" strike="noStrike" cap="none">
+                        <a:latin typeface="+mn-ea"/>
+                        <a:ea typeface="+mn-ea"/>
+                      </a:endParaRPr>
                     </a:p>
                   </a:txBody>
                   <a:tcPr marL="91450" marR="91450" marT="45725" marB="45725">
@@ -10775,7 +11249,10 @@
                         </a:spcAft>
                         <a:buNone/>
                       </a:pPr>
-                      <a:endParaRPr sz="1800" u="none" strike="noStrike" cap="none"/>
+                      <a:endParaRPr sz="1800" u="none" strike="noStrike" cap="none">
+                        <a:latin typeface="+mn-ea"/>
+                        <a:ea typeface="+mn-ea"/>
+                      </a:endParaRPr>
                     </a:p>
                   </a:txBody>
                   <a:tcPr marL="91450" marR="91450" marT="45725" marB="45725"/>
@@ -10794,7 +11271,10 @@
                         </a:spcAft>
                         <a:buNone/>
                       </a:pPr>
-                      <a:endParaRPr sz="1800" u="none" strike="noStrike" cap="none"/>
+                      <a:endParaRPr sz="1800" u="none" strike="noStrike" cap="none">
+                        <a:latin typeface="+mn-ea"/>
+                        <a:ea typeface="+mn-ea"/>
+                      </a:endParaRPr>
                     </a:p>
                   </a:txBody>
                   <a:tcPr marL="91450" marR="91450" marT="45725" marB="45725"/>
@@ -10813,7 +11293,10 @@
                         </a:spcAft>
                         <a:buNone/>
                       </a:pPr>
-                      <a:endParaRPr sz="1800" u="none" strike="noStrike" cap="none"/>
+                      <a:endParaRPr sz="1800" u="none" strike="noStrike" cap="none" dirty="0">
+                        <a:latin typeface="+mn-ea"/>
+                        <a:ea typeface="+mn-ea"/>
+                      </a:endParaRPr>
                     </a:p>
                   </a:txBody>
                   <a:tcPr marL="91450" marR="91450" marT="45725" marB="45725"/>
@@ -10832,7 +11315,10 @@
                         </a:spcAft>
                         <a:buNone/>
                       </a:pPr>
-                      <a:endParaRPr sz="1800" u="none" strike="noStrike" cap="none"/>
+                      <a:endParaRPr sz="1800" u="none" strike="noStrike" cap="none" dirty="0">
+                        <a:latin typeface="+mn-ea"/>
+                        <a:ea typeface="+mn-ea"/>
+                      </a:endParaRPr>
                     </a:p>
                   </a:txBody>
                   <a:tcPr marL="91450" marR="91450" marT="45725" marB="45725"/>
@@ -10851,7 +11337,10 @@
                         </a:spcAft>
                         <a:buNone/>
                       </a:pPr>
-                      <a:endParaRPr sz="1800" u="none" strike="noStrike" cap="none"/>
+                      <a:endParaRPr sz="1800" u="none" strike="noStrike" cap="none" dirty="0">
+                        <a:latin typeface="+mn-ea"/>
+                        <a:ea typeface="+mn-ea"/>
+                      </a:endParaRPr>
                     </a:p>
                   </a:txBody>
                   <a:tcPr marL="91450" marR="91450" marT="45725" marB="45725">
@@ -10874,7 +11363,10 @@
                         </a:spcAft>
                         <a:buNone/>
                       </a:pPr>
-                      <a:endParaRPr sz="1800" u="none" strike="noStrike" cap="none"/>
+                      <a:endParaRPr sz="1800" u="none" strike="noStrike" cap="none" dirty="0">
+                        <a:latin typeface="+mn-ea"/>
+                        <a:ea typeface="+mn-ea"/>
+                      </a:endParaRPr>
                     </a:p>
                   </a:txBody>
                   <a:tcPr marL="91450" marR="91450" marT="45725" marB="45725"/>
@@ -10893,7 +11385,10 @@
                         </a:spcAft>
                         <a:buNone/>
                       </a:pPr>
-                      <a:endParaRPr sz="1800" u="none" strike="noStrike" cap="none"/>
+                      <a:endParaRPr sz="1800" u="none" strike="noStrike" cap="none" dirty="0">
+                        <a:latin typeface="+mn-ea"/>
+                        <a:ea typeface="+mn-ea"/>
+                      </a:endParaRPr>
                     </a:p>
                   </a:txBody>
                   <a:tcPr marL="91450" marR="91450" marT="45725" marB="45725"/>
@@ -10912,7 +11407,10 @@
                         </a:spcAft>
                         <a:buNone/>
                       </a:pPr>
-                      <a:endParaRPr sz="1800" u="none" strike="noStrike" cap="none"/>
+                      <a:endParaRPr sz="1800" u="none" strike="noStrike" cap="none" dirty="0">
+                        <a:latin typeface="+mn-ea"/>
+                        <a:ea typeface="+mn-ea"/>
+                      </a:endParaRPr>
                     </a:p>
                   </a:txBody>
                   <a:tcPr marL="91450" marR="91450" marT="45725" marB="45725"/>
@@ -10931,7 +11429,10 @@
                         </a:spcAft>
                         <a:buNone/>
                       </a:pPr>
-                      <a:endParaRPr sz="1800" u="none" strike="noStrike" cap="none"/>
+                      <a:endParaRPr sz="1800" u="none" strike="noStrike" cap="none" dirty="0">
+                        <a:latin typeface="+mn-ea"/>
+                        <a:ea typeface="+mn-ea"/>
+                      </a:endParaRPr>
                     </a:p>
                   </a:txBody>
                   <a:tcPr marL="91450" marR="91450" marT="45725" marB="45725">
@@ -10954,7 +11455,10 @@
                         </a:spcAft>
                         <a:buNone/>
                       </a:pPr>
-                      <a:endParaRPr sz="1800" u="none" strike="noStrike" cap="none"/>
+                      <a:endParaRPr sz="1800" u="none" strike="noStrike" cap="none">
+                        <a:latin typeface="+mn-ea"/>
+                        <a:ea typeface="+mn-ea"/>
+                      </a:endParaRPr>
                     </a:p>
                   </a:txBody>
                   <a:tcPr marL="91450" marR="91450" marT="45725" marB="45725">
@@ -10977,7 +11481,10 @@
                         </a:spcAft>
                         <a:buNone/>
                       </a:pPr>
-                      <a:endParaRPr sz="1800" u="none" strike="noStrike" cap="none"/>
+                      <a:endParaRPr sz="1800" u="none" strike="noStrike" cap="none">
+                        <a:latin typeface="+mn-ea"/>
+                        <a:ea typeface="+mn-ea"/>
+                      </a:endParaRPr>
                     </a:p>
                   </a:txBody>
                   <a:tcPr marL="91450" marR="91450" marT="45725" marB="45725">
@@ -11000,7 +11507,10 @@
                         </a:spcAft>
                         <a:buNone/>
                       </a:pPr>
-                      <a:endParaRPr sz="1800" u="none" strike="noStrike" cap="none"/>
+                      <a:endParaRPr sz="1800" u="none" strike="noStrike" cap="none">
+                        <a:latin typeface="+mn-ea"/>
+                        <a:ea typeface="+mn-ea"/>
+                      </a:endParaRPr>
                     </a:p>
                   </a:txBody>
                   <a:tcPr marL="91450" marR="91450" marT="45725" marB="45725">
@@ -11023,7 +11533,10 @@
                         </a:spcAft>
                         <a:buNone/>
                       </a:pPr>
-                      <a:endParaRPr sz="1800" u="none" strike="noStrike" cap="none"/>
+                      <a:endParaRPr sz="1800" u="none" strike="noStrike" cap="none" dirty="0">
+                        <a:latin typeface="+mn-ea"/>
+                        <a:ea typeface="+mn-ea"/>
+                      </a:endParaRPr>
                     </a:p>
                   </a:txBody>
                   <a:tcPr marL="91450" marR="91450" marT="45725" marB="45725">
@@ -11046,7 +11559,10 @@
                         </a:spcAft>
                         <a:buNone/>
                       </a:pPr>
-                      <a:endParaRPr sz="1800" u="none" strike="noStrike" cap="none"/>
+                      <a:endParaRPr sz="1800" u="none" strike="noStrike" cap="none" dirty="0">
+                        <a:latin typeface="+mn-ea"/>
+                        <a:ea typeface="+mn-ea"/>
+                      </a:endParaRPr>
                     </a:p>
                   </a:txBody>
                   <a:tcPr marL="91450" marR="91450" marT="45725" marB="45725">
@@ -11500,8 +12016,8 @@
         </p:nvSpPr>
         <p:spPr>
           <a:xfrm>
-            <a:off x="1538220" y="5246419"/>
-            <a:ext cx="9016766" cy="967950"/>
+            <a:off x="1449217" y="5246419"/>
+            <a:ext cx="9758713" cy="967950"/>
           </a:xfrm>
           <a:prstGeom prst="rect">
             <a:avLst/>
@@ -11747,7 +12263,7 @@
             </a:r>
             <a:r>
               <a:rPr lang="ko-KR" altLang="en-US" dirty="0"/>
-              <a:t>받아</a:t>
+              <a:t>받아와</a:t>
             </a:r>
             <a:r>
               <a:rPr lang="en-US" altLang="ko-KR" dirty="0"/>
@@ -12708,7 +13224,7 @@
                   <a:cs typeface="맑은 고딕 Semilight" panose="020B0502040204020203" pitchFamily="50" charset="-127"/>
                   <a:sym typeface="Rockwell"/>
                 </a:rPr>
-                <a:t>판 담당자 </a:t>
+                <a:t>판 관리자 </a:t>
               </a:r>
               <a:r>
                 <a:rPr lang="ko-KR" sz="2400" b="1" dirty="0">
@@ -12728,6 +13244,120 @@
                 <a:latin typeface="+mn-ea"/>
                 <a:cs typeface="맑은 고딕 Semilight" panose="020B0502040204020203" pitchFamily="50" charset="-127"/>
                 <a:sym typeface="Rockwell"/>
+              </a:endParaRPr>
+            </a:p>
+          </p:txBody>
+        </p:sp>
+      </p:grpSp>
+      <p:grpSp>
+        <p:nvGrpSpPr>
+          <p:cNvPr id="18" name="그룹 17">
+            <a:extLst>
+              <a:ext uri="{FF2B5EF4-FFF2-40B4-BE49-F238E27FC236}">
+                <a16:creationId xmlns:a16="http://schemas.microsoft.com/office/drawing/2014/main" id="{15B02CB9-AFE0-4C4C-A8D8-3BC894B88C21}"/>
+              </a:ext>
+            </a:extLst>
+          </p:cNvPr>
+          <p:cNvGrpSpPr/>
+          <p:nvPr/>
+        </p:nvGrpSpPr>
+        <p:grpSpPr>
+          <a:xfrm>
+            <a:off x="9789952" y="3472276"/>
+            <a:ext cx="999687" cy="694281"/>
+            <a:chOff x="6447962" y="1798774"/>
+            <a:chExt cx="5554645" cy="3260451"/>
+          </a:xfrm>
+        </p:grpSpPr>
+        <p:pic>
+          <p:nvPicPr>
+            <p:cNvPr id="19" name="Google Shape;90;p1">
+              <a:extLst>
+                <a:ext uri="{FF2B5EF4-FFF2-40B4-BE49-F238E27FC236}">
+                  <a16:creationId xmlns:a16="http://schemas.microsoft.com/office/drawing/2014/main" id="{7F08C039-A3E5-419B-A4BB-42D40629F356}"/>
+                </a:ext>
+              </a:extLst>
+            </p:cNvPr>
+            <p:cNvPicPr preferRelativeResize="0"/>
+            <p:nvPr/>
+          </p:nvPicPr>
+          <p:blipFill rotWithShape="1">
+            <a:blip r:embed="rId7">
+              <a:alphaModFix/>
+            </a:blip>
+            <a:srcRect l="7820" t="12478" r="3313" b="933"/>
+            <a:stretch/>
+          </p:blipFill>
+          <p:spPr>
+            <a:xfrm>
+              <a:off x="6447962" y="1798774"/>
+              <a:ext cx="5554645" cy="3260451"/>
+            </a:xfrm>
+            <a:prstGeom prst="rect">
+              <a:avLst/>
+            </a:prstGeom>
+            <a:noFill/>
+            <a:ln>
+              <a:noFill/>
+            </a:ln>
+          </p:spPr>
+        </p:pic>
+        <p:sp>
+          <p:nvSpPr>
+            <p:cNvPr id="20" name="직사각형 19">
+              <a:extLst>
+                <a:ext uri="{FF2B5EF4-FFF2-40B4-BE49-F238E27FC236}">
+                  <a16:creationId xmlns:a16="http://schemas.microsoft.com/office/drawing/2014/main" id="{ECD0AD0B-BFAA-4F8B-9A12-9C4705980C34}"/>
+                </a:ext>
+              </a:extLst>
+            </p:cNvPr>
+            <p:cNvSpPr/>
+            <p:nvPr/>
+          </p:nvSpPr>
+          <p:spPr>
+            <a:xfrm>
+              <a:off x="8733005" y="2312178"/>
+              <a:ext cx="984565" cy="523220"/>
+            </a:xfrm>
+            <a:prstGeom prst="rect">
+              <a:avLst/>
+            </a:prstGeom>
+          </p:spPr>
+          <p:txBody>
+            <a:bodyPr wrap="none">
+              <a:spAutoFit/>
+            </a:bodyPr>
+            <a:lstStyle/>
+            <a:p>
+              <a:pPr algn="ctr"/>
+              <a:r>
+                <a:rPr lang="ko-KR" altLang="ko-KR" sz="2800" b="1" dirty="0">
+                  <a:solidFill>
+                    <a:srgbClr val="FF0000"/>
+                  </a:solidFill>
+                </a:rPr>
+                <a:t>급</a:t>
+              </a:r>
+              <a:r>
+                <a:rPr lang="en-US" altLang="ko-KR" sz="2800" b="1" dirty="0">
+                  <a:solidFill>
+                    <a:srgbClr val="FF0000"/>
+                  </a:solidFill>
+                </a:rPr>
+                <a:t> </a:t>
+              </a:r>
+              <a:r>
+                <a:rPr lang="ko-KR" altLang="ko-KR" sz="2800" b="1" dirty="0">
+                  <a:solidFill>
+                    <a:srgbClr val="FF0000"/>
+                  </a:solidFill>
+                </a:rPr>
+                <a:t>구</a:t>
+              </a:r>
+              <a:endParaRPr lang="ko-KR" altLang="en-US" sz="2800" b="1" dirty="0">
+                <a:solidFill>
+                  <a:srgbClr val="FF0000"/>
+                </a:solidFill>
               </a:endParaRPr>
             </a:p>
           </p:txBody>
@@ -12998,17 +13628,6 @@
               <a:buChar char="•"/>
             </a:pPr>
             <a:r>
-              <a:rPr lang="ko-KR" sz="2000" cap="small" dirty="0" err="1">
-                <a:solidFill>
-                  <a:schemeClr val="lt1"/>
-                </a:solidFill>
-                <a:latin typeface="+mn-ea"/>
-                <a:cs typeface="Rockwell"/>
-                <a:sym typeface="Rockwell"/>
-              </a:rPr>
-              <a:t>START로</a:t>
-            </a:r>
-            <a:r>
               <a:rPr lang="ko-KR" sz="2000" cap="small" dirty="0">
                 <a:solidFill>
                   <a:schemeClr val="lt1"/>
@@ -13017,7 +13636,62 @@
                 <a:cs typeface="Rockwell"/>
                 <a:sym typeface="Rockwell"/>
               </a:rPr>
-              <a:t> 게임 시작이 가능. 옵션</a:t>
+              <a:t>START</a:t>
+            </a:r>
+            <a:r>
+              <a:rPr lang="en-US" altLang="ko-KR" sz="2000" cap="small" dirty="0">
+                <a:solidFill>
+                  <a:schemeClr val="lt1"/>
+                </a:solidFill>
+                <a:latin typeface="+mn-ea"/>
+                <a:cs typeface="Rockwell"/>
+                <a:sym typeface="Rockwell"/>
+              </a:rPr>
+              <a:t> </a:t>
+            </a:r>
+            <a:r>
+              <a:rPr lang="ko-KR" altLang="en-US" sz="2000" cap="small" dirty="0">
+                <a:solidFill>
+                  <a:schemeClr val="lt1"/>
+                </a:solidFill>
+                <a:latin typeface="+mn-ea"/>
+                <a:cs typeface="Rockwell"/>
+                <a:sym typeface="Rockwell"/>
+              </a:rPr>
+              <a:t>클릭 후</a:t>
+            </a:r>
+            <a:r>
+              <a:rPr lang="ko-KR" sz="2000" cap="small" dirty="0">
+                <a:solidFill>
+                  <a:schemeClr val="lt1"/>
+                </a:solidFill>
+                <a:latin typeface="+mn-ea"/>
+                <a:cs typeface="Rockwell"/>
+                <a:sym typeface="Rockwell"/>
+              </a:rPr>
+              <a:t> </a:t>
+            </a:r>
+            <a:r>
+              <a:rPr lang="ko-KR" altLang="en-US" sz="2000" cap="small" dirty="0">
+                <a:solidFill>
+                  <a:schemeClr val="lt1"/>
+                </a:solidFill>
+                <a:latin typeface="+mn-ea"/>
+                <a:cs typeface="Rockwell"/>
+                <a:sym typeface="Rockwell"/>
+              </a:rPr>
+              <a:t>배경설명</a:t>
+            </a:r>
+            <a:r>
+              <a:rPr lang="ko-KR" sz="2000" cap="small" dirty="0">
+                <a:solidFill>
+                  <a:schemeClr val="lt1"/>
+                </a:solidFill>
+                <a:latin typeface="+mn-ea"/>
+                <a:cs typeface="Rockwell"/>
+                <a:sym typeface="Rockwell"/>
+              </a:rPr>
+              <a:t>. 옵션</a:t>
             </a:r>
             <a:r>
               <a:rPr lang="ko-KR" altLang="en-US" sz="2000" cap="small" dirty="0">
@@ -13050,8 +13724,87 @@
                 <a:cs typeface="Rockwell"/>
                 <a:sym typeface="Rockwell"/>
               </a:rPr>
-              <a:t>게임환경 설정위주로 </a:t>
-            </a:r>
+              <a:t>게임환경 설정 </a:t>
+            </a:r>
+            <a:r>
+              <a:rPr lang="en-US" altLang="ko-KR" sz="2000" cap="small" dirty="0">
+                <a:solidFill>
+                  <a:schemeClr val="lt1"/>
+                </a:solidFill>
+                <a:latin typeface="+mn-ea"/>
+                <a:cs typeface="Rockwell"/>
+                <a:sym typeface="Rockwell"/>
+              </a:rPr>
+              <a:t>(</a:t>
+            </a:r>
+            <a:r>
+              <a:rPr lang="ko-KR" altLang="en-US" sz="2000" cap="small" dirty="0">
+                <a:solidFill>
+                  <a:schemeClr val="lt1"/>
+                </a:solidFill>
+                <a:latin typeface="+mn-ea"/>
+                <a:cs typeface="Rockwell"/>
+                <a:sym typeface="Rockwell"/>
+              </a:rPr>
+              <a:t>사운드</a:t>
+            </a:r>
+            <a:r>
+              <a:rPr lang="en-US" altLang="ko-KR" sz="2000" cap="small" dirty="0">
+                <a:solidFill>
+                  <a:schemeClr val="lt1"/>
+                </a:solidFill>
+                <a:latin typeface="+mn-ea"/>
+                <a:cs typeface="Rockwell"/>
+                <a:sym typeface="Rockwell"/>
+              </a:rPr>
+              <a:t>, </a:t>
+            </a:r>
+            <a:r>
+              <a:rPr lang="ko-KR" altLang="en-US" sz="2000" cap="small" dirty="0">
+                <a:solidFill>
+                  <a:schemeClr val="lt1"/>
+                </a:solidFill>
+                <a:latin typeface="+mn-ea"/>
+                <a:cs typeface="Rockwell"/>
+                <a:sym typeface="Rockwell"/>
+              </a:rPr>
+              <a:t>난이도 등</a:t>
+            </a:r>
+            <a:r>
+              <a:rPr lang="en-US" altLang="ko-KR" sz="2000" cap="small" dirty="0">
+                <a:solidFill>
+                  <a:schemeClr val="lt1"/>
+                </a:solidFill>
+                <a:latin typeface="+mn-ea"/>
+                <a:cs typeface="Rockwell"/>
+                <a:sym typeface="Rockwell"/>
+              </a:rPr>
+              <a:t>)</a:t>
+            </a:r>
+            <a:endParaRPr sz="2000" cap="small" dirty="0">
+              <a:solidFill>
+                <a:schemeClr val="lt1"/>
+              </a:solidFill>
+              <a:latin typeface="+mn-ea"/>
+              <a:cs typeface="Rockwell"/>
+              <a:sym typeface="Rockwell"/>
+            </a:endParaRPr>
+          </a:p>
+          <a:p>
+            <a:pPr marL="285750" marR="0" lvl="0" indent="-285750" algn="l" rtl="0">
+              <a:spcBef>
+                <a:spcPts val="1000"/>
+              </a:spcBef>
+              <a:spcAft>
+                <a:spcPts val="0"/>
+              </a:spcAft>
+              <a:buClr>
+                <a:schemeClr val="accent1"/>
+              </a:buClr>
+              <a:buSzPts val="2000"/>
+              <a:buFont typeface="Arial"/>
+              <a:buChar char="•"/>
+            </a:pPr>
             <a:r>
               <a:rPr lang="ko-KR" sz="2000" cap="small" dirty="0">
                 <a:solidFill>
@@ -13061,32 +13814,19 @@
                 <a:cs typeface="Rockwell"/>
                 <a:sym typeface="Rockwell"/>
               </a:rPr>
-              <a:t>추가 예정</a:t>
-            </a:r>
-            <a:endParaRPr sz="2000" cap="small" dirty="0">
-              <a:solidFill>
-                <a:schemeClr val="lt1"/>
-              </a:solidFill>
-              <a:latin typeface="+mn-ea"/>
-              <a:cs typeface="Rockwell"/>
-              <a:sym typeface="Rockwell"/>
-            </a:endParaRPr>
-          </a:p>
-          <a:p>
-            <a:pPr marL="285750" marR="0" lvl="0" indent="-285750" algn="l" rtl="0">
-              <a:spcBef>
-                <a:spcPts val="1000"/>
-              </a:spcBef>
-              <a:spcAft>
-                <a:spcPts val="0"/>
-              </a:spcAft>
-              <a:buClr>
-                <a:schemeClr val="accent1"/>
-              </a:buClr>
-              <a:buSzPts val="2000"/>
-              <a:buFont typeface="Arial"/>
-              <a:buChar char="•"/>
-            </a:pPr>
+              <a:t>코알라(플레이어)가 발행</a:t>
+            </a:r>
+            <a:r>
+              <a:rPr lang="ko-KR" altLang="en-US" sz="2000" cap="small" dirty="0">
+                <a:solidFill>
+                  <a:schemeClr val="lt1"/>
+                </a:solidFill>
+                <a:latin typeface="+mn-ea"/>
+                <a:cs typeface="Rockwell"/>
+                <a:sym typeface="Rockwell"/>
+              </a:rPr>
+              <a:t>처 서류를</a:t>
+            </a:r>
             <a:r>
               <a:rPr lang="ko-KR" sz="2000" cap="small" dirty="0">
                 <a:solidFill>
@@ -13096,7 +13836,7 @@
                 <a:cs typeface="Rockwell"/>
                 <a:sym typeface="Rockwell"/>
               </a:rPr>
-              <a:t>코알라(플레이어)가 게시판 정리를 위해 퀘스트를 재발행 후 </a:t>
+              <a:t> </a:t>
             </a:r>
             <a:r>
               <a:rPr lang="ko-KR" altLang="en-US" sz="2000" cap="small" dirty="0">
@@ -13119,6 +13859,39 @@
                 <a:sym typeface="Rockwell"/>
               </a:rPr>
               <a:t>로 정리</a:t>
+            </a:r>
+            <a:r>
+              <a:rPr lang="en-US" altLang="ko-KR" sz="2000" cap="small" dirty="0">
+                <a:solidFill>
+                  <a:schemeClr val="lt1"/>
+                </a:solidFill>
+                <a:latin typeface="+mn-ea"/>
+                <a:cs typeface="Rockwell"/>
+                <a:sym typeface="Rockwell"/>
+              </a:rPr>
+              <a:t> </a:t>
+            </a:r>
+            <a:r>
+              <a:rPr lang="ko-KR" altLang="en-US" sz="2000" cap="small" dirty="0">
+                <a:solidFill>
+                  <a:schemeClr val="lt1"/>
+                </a:solidFill>
+                <a:latin typeface="+mn-ea"/>
+                <a:cs typeface="Rockwell"/>
+                <a:sym typeface="Rockwell"/>
+              </a:rPr>
+              <a:t>및 운반까지 함</a:t>
+            </a:r>
+            <a:r>
+              <a:rPr lang="en-US" altLang="ko-KR" sz="2000" cap="small" dirty="0">
+                <a:solidFill>
+                  <a:schemeClr val="lt1"/>
+                </a:solidFill>
+                <a:latin typeface="+mn-ea"/>
+                <a:cs typeface="Rockwell"/>
+                <a:sym typeface="Rockwell"/>
+              </a:rPr>
+              <a:t>.</a:t>
             </a:r>
             <a:endParaRPr sz="2000" cap="small" dirty="0">
               <a:solidFill>
@@ -13903,6 +14676,18 @@
               <a:rPr lang="ko-KR" altLang="en-US" dirty="0"/>
               <a:t>서류 발행처</a:t>
             </a:r>
+            <a:r>
+              <a:rPr lang="en-US" altLang="ko-KR" dirty="0"/>
+              <a:t>(</a:t>
+            </a:r>
+            <a:r>
+              <a:rPr lang="ko-KR" altLang="en-US" dirty="0"/>
+              <a:t>왼쪽</a:t>
+            </a:r>
+            <a:r>
+              <a:rPr lang="en-US" altLang="ko-KR" dirty="0"/>
+              <a:t>)</a:t>
+            </a:r>
             <a:br>
               <a:rPr lang="en-US" altLang="ko-KR" dirty="0"/>
             </a:br>
@@ -13914,6 +14699,18 @@
               <a:rPr lang="ko-KR" altLang="en-US" dirty="0"/>
               <a:t>퀘스트 보드</a:t>
             </a:r>
+            <a:r>
+              <a:rPr lang="en-US" altLang="ko-KR" dirty="0"/>
+              <a:t>(</a:t>
+            </a:r>
+            <a:r>
+              <a:rPr lang="ko-KR" altLang="en-US" dirty="0"/>
+              <a:t>위쪽</a:t>
+            </a:r>
+            <a:r>
+              <a:rPr lang="en-US" altLang="ko-KR" dirty="0"/>
+              <a:t>)</a:t>
+            </a:r>
             <a:br>
               <a:rPr lang="en-US" altLang="ko-KR" dirty="0"/>
             </a:br>
@@ -13924,6 +14721,18 @@
             <a:r>
               <a:rPr lang="ko-KR" altLang="en-US" dirty="0"/>
               <a:t>타 부서</a:t>
+            </a:r>
+            <a:r>
+              <a:rPr lang="en-US" altLang="ko-KR" dirty="0"/>
+              <a:t>(</a:t>
+            </a:r>
+            <a:r>
+              <a:rPr lang="ko-KR" altLang="en-US" dirty="0"/>
+              <a:t>오른쪽</a:t>
+            </a:r>
+            <a:r>
+              <a:rPr lang="en-US" altLang="ko-KR" dirty="0"/>
+              <a:t>)</a:t>
             </a:r>
             <a:endParaRPr dirty="0"/>
           </a:p>
@@ -13960,6 +14769,10 @@
               <a:rPr lang="ko-KR" altLang="en-US" dirty="0" err="1"/>
               <a:t>탈착</a:t>
             </a:r>
+            <a:r>
+              <a:rPr lang="ko-KR" altLang="en-US" dirty="0"/>
+              <a:t> 가능</a:t>
+            </a:r>
             <a:br>
               <a:rPr lang="en-US" altLang="ko-KR" dirty="0"/>
             </a:br>
@@ -13980,7 +14793,7 @@
             </a:r>
             <a:r>
               <a:rPr lang="ko-KR" altLang="en-US" dirty="0"/>
-              <a:t>틀리면 해당 이벤트</a:t>
+              <a:t>틀리면 벌금 이벤트</a:t>
             </a:r>
             <a:endParaRPr lang="en-US" altLang="ko-KR" dirty="0"/>
           </a:p>
@@ -14395,7 +15208,7 @@
                 <a:cs typeface="Rockwell"/>
                 <a:sym typeface="Rockwell"/>
               </a:rPr>
-              <a:t>타 부서에 남은 서류전달</a:t>
+              <a:t>남은 서류는 타 부서 전달</a:t>
             </a:r>
             <a:endParaRPr sz="2000" cap="small" dirty="0">
               <a:solidFill>
@@ -14430,51 +15243,7 @@
                 <a:cs typeface="Rockwell"/>
                 <a:sym typeface="Rockwell"/>
               </a:rPr>
-              <a:t>날짜변경 시 </a:t>
-            </a:r>
-            <a:r>
-              <a:rPr lang="en-US" altLang="ko-KR" sz="2000" cap="small" dirty="0">
-                <a:solidFill>
-                  <a:schemeClr val="lt1"/>
-                </a:solidFill>
-                <a:latin typeface="+mn-ea"/>
-                <a:cs typeface="Rockwell"/>
-                <a:sym typeface="Rockwell"/>
-              </a:rPr>
-              <a:t>“</a:t>
-            </a:r>
-            <a:r>
-              <a:rPr lang="ko-KR" altLang="en-US" sz="2000" cap="small" dirty="0" err="1">
-                <a:solidFill>
-                  <a:schemeClr val="lt1"/>
-                </a:solidFill>
-                <a:latin typeface="+mn-ea"/>
-                <a:cs typeface="Rockwell"/>
-                <a:sym typeface="Rockwell"/>
-              </a:rPr>
-              <a:t>퀘스트보드</a:t>
-            </a:r>
-            <a:r>
-              <a:rPr lang="en-US" altLang="ko-KR" sz="2000" cap="small" dirty="0">
-                <a:solidFill>
-                  <a:schemeClr val="lt1"/>
-                </a:solidFill>
-                <a:latin typeface="+mn-ea"/>
-                <a:cs typeface="Rockwell"/>
-                <a:sym typeface="Rockwell"/>
-              </a:rPr>
-              <a:t>”</a:t>
-            </a:r>
-            <a:r>
-              <a:rPr lang="ko-KR" altLang="en-US" sz="2000" cap="small" dirty="0">
-                <a:solidFill>
-                  <a:schemeClr val="lt1"/>
-                </a:solidFill>
-                <a:latin typeface="+mn-ea"/>
-                <a:cs typeface="Rockwell"/>
-                <a:sym typeface="Rockwell"/>
-              </a:rPr>
-              <a:t> 수수료 적립 </a:t>
+              <a:t>날짜변경 시 성공 수수료 일부 적립 </a:t>
             </a:r>
             <a:r>
               <a:rPr lang="en-US" altLang="ko-KR" sz="2000" cap="small" dirty="0">
@@ -14851,9 +15620,9 @@
             </a:r>
             <a:r>
               <a:rPr lang="ko-KR" dirty="0"/>
-              <a:t> 및 멀티 플랫폼 지원 (PC, 웹, 콘솔)</a:t>
-            </a:r>
-            <a:endParaRPr dirty="0"/>
+              <a:t> </a:t>
+            </a:r>
+            <a:endParaRPr lang="en-US" altLang="ko-KR" dirty="0"/>
           </a:p>
           <a:p>
             <a:pPr marL="228600" lvl="0" indent="-228600" algn="l" rtl="0">
@@ -14871,15 +15640,15 @@
             </a:pPr>
             <a:r>
               <a:rPr lang="ko-KR" dirty="0"/>
-              <a:t>3. 대상 </a:t>
-            </a:r>
-            <a:r>
-              <a:rPr lang="ko-KR" dirty="0" err="1"/>
-              <a:t>타켓팅</a:t>
+              <a:t>3. </a:t>
+            </a:r>
+            <a:r>
+              <a:rPr lang="ko-KR" altLang="en-US" dirty="0"/>
+              <a:t>이용등급 </a:t>
             </a:r>
             <a:r>
               <a:rPr lang="ko-KR" dirty="0"/>
-              <a:t> : </a:t>
+              <a:t>: </a:t>
             </a:r>
             <a:r>
               <a:rPr lang="ko-KR" dirty="0" err="1"/>
@@ -14907,7 +15676,11 @@
             </a:pPr>
             <a:r>
               <a:rPr lang="ko-KR" dirty="0"/>
-              <a:t>4. 기획 의도 : (심부름) 의뢰 게시판 유지보수 담당자</a:t>
+              <a:t>4. 기획 의도 : </a:t>
+            </a:r>
+            <a:r>
+              <a:rPr lang="ko-KR" altLang="en-US" dirty="0"/>
+              <a:t>인벤토리형 게임 제작</a:t>
             </a:r>
             <a:endParaRPr dirty="0"/>
           </a:p>
@@ -14935,7 +15708,15 @@
             </a:r>
             <a:r>
               <a:rPr lang="ko-KR" dirty="0"/>
-              <a:t> 방식의 광고 노출 및 후원금</a:t>
+              <a:t> 방식의 광고 노출 및 </a:t>
+            </a:r>
+            <a:r>
+              <a:rPr lang="ko-KR" altLang="en-US" dirty="0" err="1"/>
+              <a:t>콜라보네이션</a:t>
+            </a:r>
+            <a:r>
+              <a:rPr lang="ko-KR" altLang="en-US" dirty="0"/>
+              <a:t> 후원</a:t>
             </a:r>
             <a:endParaRPr dirty="0"/>
           </a:p>
@@ -14955,15 +15736,27 @@
             </a:pPr>
             <a:r>
               <a:rPr lang="ko-KR" dirty="0"/>
-              <a:t>6. 개발계획 : 주간</a:t>
+              <a:t>6. 개발계획 : </a:t>
             </a:r>
             <a:r>
               <a:rPr lang="ko-KR" altLang="en-US" dirty="0"/>
-              <a:t>점검</a:t>
+              <a:t>추가일정 포함 </a:t>
+            </a:r>
+            <a:r>
+              <a:rPr lang="en-US" altLang="ko-KR" dirty="0"/>
+              <a:t>4</a:t>
             </a:r>
             <a:r>
               <a:rPr lang="ko-KR" dirty="0"/>
-              <a:t> 및 기획, 그래픽, 프로그래밍, 추가일정 등</a:t>
+              <a:t>주</a:t>
+            </a:r>
+            <a:r>
+              <a:rPr lang="en-US" altLang="ko-KR" dirty="0"/>
+              <a:t> </a:t>
+            </a:r>
+            <a:r>
+              <a:rPr lang="ko-KR" altLang="en-US" dirty="0"/>
+              <a:t>예정</a:t>
             </a:r>
             <a:endParaRPr dirty="0"/>
           </a:p>
@@ -15018,18 +15811,30 @@
             </a:r>
             <a:r>
               <a:rPr lang="ko-KR" altLang="en-US" dirty="0"/>
-              <a:t>손이 심심할 때 스마트폰에서 </a:t>
+              <a:t>손이 심심할 때 터치형 단말기에서 </a:t>
             </a:r>
             <a:r>
               <a:rPr lang="ko-KR" dirty="0"/>
-              <a:t>콘텐츠를 터치 방식으로 즐길 수 있는 게임</a:t>
+              <a:t>콘텐츠를 즐길 수 있는 게임</a:t>
             </a:r>
             <a:br>
               <a:rPr lang="ko-KR" dirty="0"/>
             </a:br>
             <a:r>
               <a:rPr lang="ko-KR" dirty="0"/>
-              <a:t> - 조건에 맞춰 의뢰내용을 게시판에 정리</a:t>
+              <a:t> - 조건에 맞춰 </a:t>
+            </a:r>
+            <a:r>
+              <a:rPr lang="ko-KR" altLang="en-US" dirty="0"/>
+              <a:t>의뢰서류를</a:t>
+            </a:r>
+            <a:r>
+              <a:rPr lang="ko-KR" dirty="0"/>
+              <a:t> 게시판에 </a:t>
+            </a:r>
+            <a:r>
+              <a:rPr lang="ko-KR" altLang="en-US" dirty="0"/>
+              <a:t>정리</a:t>
             </a:r>
             <a:endParaRPr dirty="0"/>
           </a:p>
@@ -15124,15 +15929,15 @@
             </a:pPr>
             <a:r>
               <a:rPr lang="ko-KR" altLang="en-US" dirty="0"/>
-              <a:t>클릭 시 서류 </a:t>
-            </a:r>
-            <a:r>
-              <a:rPr lang="ko-KR" altLang="en-US" dirty="0" err="1"/>
-              <a:t>탈착</a:t>
-            </a:r>
-            <a:r>
-              <a:rPr lang="ko-KR" dirty="0"/>
-              <a:t> 시스템</a:t>
+              <a:t>빈 손이면 수거 모드</a:t>
+            </a:r>
+            <a:r>
+              <a:rPr lang="en-US" altLang="ko-KR" dirty="0"/>
+              <a:t>, </a:t>
+            </a:r>
+            <a:r>
+              <a:rPr lang="ko-KR" altLang="en-US" dirty="0"/>
+              <a:t>서류를 들면 부착 모드</a:t>
             </a:r>
             <a:br>
               <a:rPr lang="ko-KR" dirty="0"/>
@@ -15151,7 +15956,7 @@
             </a:r>
             <a:r>
               <a:rPr lang="ko-KR" altLang="en-US" dirty="0"/>
-              <a:t>클릭한 순서대로 서류 순차누적</a:t>
+              <a:t>서류를 클릭하면 서류를 수거 </a:t>
             </a:r>
             <a:br>
               <a:rPr lang="en-US" altLang="ko-KR" dirty="0"/>
@@ -15162,7 +15967,7 @@
             </a:r>
             <a:r>
               <a:rPr lang="ko-KR" altLang="en-US" dirty="0"/>
-              <a:t>빈 칸에서 수거 불가</a:t>
+              <a:t>빈 칸에서 서류 수거 불가</a:t>
             </a:r>
             <a:br>
               <a:rPr lang="en-US" altLang="ko-KR" dirty="0"/>
@@ -15173,7 +15978,7 @@
             </a:r>
             <a:r>
               <a:rPr lang="ko-KR" altLang="en-US" dirty="0"/>
-              <a:t>서류가 가득 든 경우 수거불가</a:t>
+              <a:t>카트에 가득 든 경우 수거불가</a:t>
             </a:r>
             <a:r>
               <a:rPr lang="en-US" altLang="ko-KR" dirty="0"/>
@@ -15196,7 +16001,7 @@
             </a:r>
             <a:r>
               <a:rPr lang="ko-KR" altLang="en-US" dirty="0"/>
-              <a:t>역방향으로 최근 누적서류 부착</a:t>
+              <a:t>클릭 후 빈 칸에 선택서류 부착</a:t>
             </a:r>
             <a:br>
               <a:rPr lang="en-US" altLang="ko-KR" dirty="0"/>
@@ -15207,7 +16012,7 @@
             </a:r>
             <a:r>
               <a:rPr lang="ko-KR" altLang="en-US" dirty="0"/>
-              <a:t>같은자리 중복 부착 불가</a:t>
+              <a:t>서류 자리 중복 부착 불가</a:t>
             </a:r>
             <a:br>
               <a:rPr lang="en-US" altLang="ko-KR" dirty="0"/>
@@ -15218,7 +16023,7 @@
             </a:r>
             <a:r>
               <a:rPr lang="ko-KR" altLang="en-US" dirty="0"/>
-              <a:t>서류가 없는 경우 부착 불가</a:t>
+              <a:t>손에 서류가 없으면 부착 불가</a:t>
             </a:r>
             <a:endParaRPr dirty="0"/>
           </a:p>
@@ -15249,27 +16054,15 @@
             </a:r>
             <a:r>
               <a:rPr lang="ko-KR" altLang="en-US" dirty="0"/>
-              <a:t>각 부서에 </a:t>
+              <a:t>각 부서와 플레이어의 인벤토리 사이에서 </a:t>
             </a:r>
             <a:r>
               <a:rPr lang="ko-KR" altLang="en-US" dirty="0" err="1"/>
-              <a:t>탈착</a:t>
+              <a:t>서류탈착</a:t>
             </a:r>
             <a:r>
               <a:rPr lang="ko-KR" altLang="en-US" dirty="0"/>
-              <a:t> 시스템이 적용 </a:t>
-            </a:r>
-            <a:r>
-              <a:rPr lang="en-US" altLang="ko-KR" dirty="0"/>
-              <a:t>(</a:t>
-            </a:r>
-            <a:r>
-              <a:rPr lang="ko-KR" altLang="en-US" dirty="0"/>
-              <a:t>실수 방지</a:t>
-            </a:r>
-            <a:r>
-              <a:rPr lang="en-US" altLang="ko-KR" dirty="0"/>
-              <a:t>)</a:t>
+              <a:t> 시스템 적용</a:t>
             </a:r>
             <a:br>
               <a:rPr lang="en-US" altLang="ko-KR" dirty="0"/>
@@ -15280,7 +16073,7 @@
             </a:r>
             <a:r>
               <a:rPr lang="ko-KR" altLang="en-US" dirty="0"/>
-              <a:t>타 부서 또는 부착 조건에 따라 일부 소거 후 동시에 수수료 반영</a:t>
+              <a:t>타 부서 또는 퀘스트 보드 정리 조건에 따라 서류가 사라진 동시에 수수료 반영</a:t>
             </a:r>
             <a:br>
               <a:rPr lang="en-US" altLang="ko-KR" dirty="0"/>
@@ -15291,23 +16084,15 @@
             </a:r>
             <a:r>
               <a:rPr lang="ko-KR" altLang="en-US" dirty="0"/>
-              <a:t>발행처</a:t>
+              <a:t>발행처와</a:t>
             </a:r>
             <a:r>
               <a:rPr lang="en-US" altLang="ko-KR" dirty="0"/>
-              <a:t>, </a:t>
+              <a:t> </a:t>
             </a:r>
             <a:r>
               <a:rPr lang="ko-KR" altLang="en-US" dirty="0"/>
-              <a:t>게시판에 </a:t>
-            </a:r>
-            <a:r>
-              <a:rPr lang="ko-KR" altLang="en-US" dirty="0" err="1"/>
-              <a:t>퀘트스</a:t>
-            </a:r>
-            <a:r>
-              <a:rPr lang="ko-KR" altLang="en-US" dirty="0"/>
-              <a:t> 재발행 또는 취급불허 서류가 랜덤 발생한다</a:t>
+              <a:t>퀘스트 보드에 서류 재발행 또는 취급불허 서류가 랜덤 발생한다</a:t>
             </a:r>
             <a:endParaRPr dirty="0"/>
           </a:p>
@@ -15357,7 +16142,7 @@
             </a:pPr>
             <a:r>
               <a:rPr lang="ko-KR" altLang="en-US" dirty="0"/>
-              <a:t>의뢰서</a:t>
+              <a:t>퀘스트</a:t>
             </a:r>
             <a:r>
               <a:rPr lang="en-US" altLang="ko-KR" dirty="0"/>
@@ -15589,7 +16374,7 @@
             </a:pPr>
             <a:r>
               <a:rPr lang="ko-KR" altLang="en-US" dirty="0"/>
-              <a:t>퀘스트 보드 담당자 코알라</a:t>
+              <a:t>퀘스트 보드 관리자 코알라</a:t>
             </a:r>
             <a:r>
               <a:rPr lang="en-US" altLang="ko-KR" dirty="0"/>
@@ -15619,8 +16404,8 @@
         </p:nvSpPr>
         <p:spPr>
           <a:xfrm>
-            <a:off x="1121667" y="1920069"/>
-            <a:ext cx="9546162" cy="4133412"/>
+            <a:off x="1121667" y="1920068"/>
+            <a:ext cx="5392344" cy="4453473"/>
           </a:xfrm>
           <a:prstGeom prst="rect">
             <a:avLst/>
@@ -15644,7 +16429,11 @@
             </a:pPr>
             <a:r>
               <a:rPr lang="ko-KR" altLang="en-US" dirty="0"/>
-              <a:t>게시판에 의뢰서 붙이는 코알라</a:t>
+              <a:t>출근한 코알라는 사실 서류 카트 담당</a:t>
+            </a:r>
+            <a:r>
+              <a:rPr lang="en-US" altLang="ko-KR" dirty="0"/>
+              <a:t>?</a:t>
             </a:r>
             <a:br>
               <a:rPr lang="en-US" altLang="ko-KR" dirty="0"/>
@@ -15682,7 +16471,7 @@
             </a:r>
             <a:r>
               <a:rPr lang="ko-KR" altLang="en-US" dirty="0"/>
-              <a:t>부착과 수거 모드를 온</a:t>
+              <a:t>부착과 수거 모드를 자동 온</a:t>
             </a:r>
             <a:r>
               <a:rPr lang="en-US" altLang="ko-KR" dirty="0"/>
@@ -15701,7 +16490,7 @@
             </a:r>
             <a:r>
               <a:rPr lang="ko-KR" altLang="en-US" dirty="0"/>
-              <a:t>퇴근 전까지 부착서류 수정가능</a:t>
+              <a:t>카트 인벤토리에 서류 옮겨 담는 역할 </a:t>
             </a:r>
             <a:endParaRPr dirty="0"/>
           </a:p>
@@ -15725,7 +16514,7 @@
             </a:r>
             <a:r>
               <a:rPr lang="ko-KR" altLang="en-US" dirty="0"/>
-              <a:t> 모드 상태 아이콘 표현</a:t>
+              <a:t> 모드 상태안내 아이콘 표현</a:t>
             </a:r>
             <a:endParaRPr lang="en-US" altLang="ko-KR" dirty="0"/>
           </a:p>
@@ -15793,7 +16582,7 @@
             </a:pPr>
             <a:r>
               <a:rPr lang="ko-KR" altLang="en-US" dirty="0"/>
-              <a:t>가장 최근에 소지한 서류의 종류 표시</a:t>
+              <a:t>선택 서류는 확인 가능한 표시가 있음</a:t>
             </a:r>
             <a:endParaRPr lang="en-US" altLang="ko-KR" dirty="0"/>
           </a:p>
@@ -15987,7 +16776,7 @@
         </p:nvGrpSpPr>
         <p:grpSpPr>
           <a:xfrm>
-            <a:off x="1870184" y="4067153"/>
+            <a:off x="1443464" y="4067153"/>
             <a:ext cx="1166121" cy="1146097"/>
             <a:chOff x="4498602" y="5195673"/>
             <a:chExt cx="1166121" cy="1146097"/>
@@ -16083,7 +16872,7 @@
         </p:nvGrpSpPr>
         <p:grpSpPr>
           <a:xfrm>
-            <a:off x="4597596" y="4058476"/>
+            <a:off x="4170876" y="4058476"/>
             <a:ext cx="1166121" cy="1146097"/>
             <a:chOff x="2518878" y="5195669"/>
             <a:chExt cx="1166121" cy="1146097"/>
@@ -16179,7 +16968,7 @@
         </p:nvSpPr>
         <p:spPr>
           <a:xfrm>
-            <a:off x="3124769" y="4316167"/>
+            <a:off x="2698049" y="4316167"/>
             <a:ext cx="1384363" cy="648070"/>
           </a:xfrm>
           <a:prstGeom prst="leftRightArrow">
@@ -16273,6 +17062,220 @@
           </a:prstGeom>
         </p:spPr>
       </p:pic>
+      <p:sp>
+        <p:nvSpPr>
+          <p:cNvPr id="20" name="액자 19">
+            <a:extLst>
+              <a:ext uri="{FF2B5EF4-FFF2-40B4-BE49-F238E27FC236}">
+                <a16:creationId xmlns:a16="http://schemas.microsoft.com/office/drawing/2014/main" id="{2A299D36-66CD-48F8-A78A-FBE3280B565F}"/>
+              </a:ext>
+            </a:extLst>
+          </p:cNvPr>
+          <p:cNvSpPr/>
+          <p:nvPr/>
+        </p:nvSpPr>
+        <p:spPr>
+          <a:xfrm>
+            <a:off x="8468488" y="4910247"/>
+            <a:ext cx="1455225" cy="1480457"/>
+          </a:xfrm>
+          <a:prstGeom prst="frame">
+            <a:avLst/>
+          </a:prstGeom>
+          <a:solidFill>
+            <a:schemeClr val="tx1"/>
+          </a:solidFill>
+        </p:spPr>
+        <p:style>
+          <a:lnRef idx="2">
+            <a:schemeClr val="accent1">
+              <a:shade val="50000"/>
+            </a:schemeClr>
+          </a:lnRef>
+          <a:fillRef idx="1">
+            <a:schemeClr val="accent1"/>
+          </a:fillRef>
+          <a:effectRef idx="0">
+            <a:schemeClr val="accent1"/>
+          </a:effectRef>
+          <a:fontRef idx="minor">
+            <a:schemeClr val="lt1"/>
+          </a:fontRef>
+        </p:style>
+        <p:txBody>
+          <a:bodyPr rtlCol="0" anchor="ctr"/>
+          <a:lstStyle/>
+          <a:p>
+            <a:pPr algn="ctr"/>
+            <a:endParaRPr lang="ko-KR" altLang="en-US">
+              <a:solidFill>
+                <a:schemeClr val="tx1"/>
+              </a:solidFill>
+            </a:endParaRPr>
+          </a:p>
+        </p:txBody>
+      </p:sp>
+      <p:sp>
+        <p:nvSpPr>
+          <p:cNvPr id="21" name="액자 20">
+            <a:extLst>
+              <a:ext uri="{FF2B5EF4-FFF2-40B4-BE49-F238E27FC236}">
+                <a16:creationId xmlns:a16="http://schemas.microsoft.com/office/drawing/2014/main" id="{98051A60-E9A2-4ACA-B6F4-F59CFADFBC60}"/>
+              </a:ext>
+            </a:extLst>
+          </p:cNvPr>
+          <p:cNvSpPr/>
+          <p:nvPr/>
+        </p:nvSpPr>
+        <p:spPr>
+          <a:xfrm>
+            <a:off x="9933759" y="4910247"/>
+            <a:ext cx="1455225" cy="1480457"/>
+          </a:xfrm>
+          <a:prstGeom prst="frame">
+            <a:avLst/>
+          </a:prstGeom>
+          <a:solidFill>
+            <a:schemeClr val="tx1"/>
+          </a:solidFill>
+        </p:spPr>
+        <p:style>
+          <a:lnRef idx="2">
+            <a:schemeClr val="accent1">
+              <a:shade val="50000"/>
+            </a:schemeClr>
+          </a:lnRef>
+          <a:fillRef idx="1">
+            <a:schemeClr val="accent1"/>
+          </a:fillRef>
+          <a:effectRef idx="0">
+            <a:schemeClr val="accent1"/>
+          </a:effectRef>
+          <a:fontRef idx="minor">
+            <a:schemeClr val="lt1"/>
+          </a:fontRef>
+        </p:style>
+        <p:txBody>
+          <a:bodyPr rtlCol="0" anchor="ctr"/>
+          <a:lstStyle/>
+          <a:p>
+            <a:pPr algn="ctr"/>
+            <a:endParaRPr lang="ko-KR" altLang="en-US">
+              <a:solidFill>
+                <a:schemeClr val="tx1"/>
+              </a:solidFill>
+            </a:endParaRPr>
+          </a:p>
+        </p:txBody>
+      </p:sp>
+      <p:sp>
+        <p:nvSpPr>
+          <p:cNvPr id="23" name="액자 22">
+            <a:extLst>
+              <a:ext uri="{FF2B5EF4-FFF2-40B4-BE49-F238E27FC236}">
+                <a16:creationId xmlns:a16="http://schemas.microsoft.com/office/drawing/2014/main" id="{17602E41-2225-4B85-A544-6DB7ED6438DB}"/>
+              </a:ext>
+            </a:extLst>
+          </p:cNvPr>
+          <p:cNvSpPr/>
+          <p:nvPr/>
+        </p:nvSpPr>
+        <p:spPr>
+          <a:xfrm>
+            <a:off x="5593661" y="4910246"/>
+            <a:ext cx="1455225" cy="1480457"/>
+          </a:xfrm>
+          <a:prstGeom prst="frame">
+            <a:avLst/>
+          </a:prstGeom>
+          <a:solidFill>
+            <a:schemeClr val="tx1"/>
+          </a:solidFill>
+        </p:spPr>
+        <p:style>
+          <a:lnRef idx="2">
+            <a:schemeClr val="accent1">
+              <a:shade val="50000"/>
+            </a:schemeClr>
+          </a:lnRef>
+          <a:fillRef idx="1">
+            <a:schemeClr val="accent1"/>
+          </a:fillRef>
+          <a:effectRef idx="0">
+            <a:schemeClr val="accent1"/>
+          </a:effectRef>
+          <a:fontRef idx="minor">
+            <a:schemeClr val="lt1"/>
+          </a:fontRef>
+        </p:style>
+        <p:txBody>
+          <a:bodyPr rtlCol="0" anchor="ctr"/>
+          <a:lstStyle/>
+          <a:p>
+            <a:pPr algn="ctr"/>
+            <a:endParaRPr lang="ko-KR" altLang="en-US">
+              <a:solidFill>
+                <a:schemeClr val="tx1"/>
+              </a:solidFill>
+            </a:endParaRPr>
+          </a:p>
+        </p:txBody>
+      </p:sp>
+      <p:sp>
+        <p:nvSpPr>
+          <p:cNvPr id="15" name="액자 14">
+            <a:extLst>
+              <a:ext uri="{FF2B5EF4-FFF2-40B4-BE49-F238E27FC236}">
+                <a16:creationId xmlns:a16="http://schemas.microsoft.com/office/drawing/2014/main" id="{0B5B6E24-2FD8-4B94-A618-335D0640FF7D}"/>
+              </a:ext>
+            </a:extLst>
+          </p:cNvPr>
+          <p:cNvSpPr/>
+          <p:nvPr/>
+        </p:nvSpPr>
+        <p:spPr>
+          <a:xfrm>
+            <a:off x="6999878" y="4910248"/>
+            <a:ext cx="1455225" cy="1480457"/>
+          </a:xfrm>
+          <a:prstGeom prst="frame">
+            <a:avLst/>
+          </a:prstGeom>
+          <a:ln>
+            <a:solidFill>
+              <a:srgbClr val="FF0000"/>
+            </a:solidFill>
+          </a:ln>
+        </p:spPr>
+        <p:style>
+          <a:lnRef idx="2">
+            <a:schemeClr val="accent1">
+              <a:shade val="50000"/>
+            </a:schemeClr>
+          </a:lnRef>
+          <a:fillRef idx="1">
+            <a:schemeClr val="accent1"/>
+          </a:fillRef>
+          <a:effectRef idx="0">
+            <a:schemeClr val="accent1"/>
+          </a:effectRef>
+          <a:fontRef idx="minor">
+            <a:schemeClr val="lt1"/>
+          </a:fontRef>
+        </p:style>
+        <p:txBody>
+          <a:bodyPr rtlCol="0" anchor="ctr"/>
+          <a:lstStyle/>
+          <a:p>
+            <a:pPr algn="ctr"/>
+            <a:endParaRPr lang="ko-KR" altLang="en-US">
+              <a:solidFill>
+                <a:schemeClr val="tx1"/>
+              </a:solidFill>
+            </a:endParaRPr>
+          </a:p>
+        </p:txBody>
+      </p:sp>
     </p:spTree>
     <p:extLst>
       <p:ext uri="{BB962C8B-B14F-4D97-AF65-F5344CB8AC3E}">
@@ -16346,24 +17349,16 @@
               <a:buNone/>
             </a:pPr>
             <a:r>
+              <a:rPr lang="ko-KR" altLang="en-US" b="1" dirty="0"/>
+              <a:t>그것이 </a:t>
+            </a:r>
+            <a:r>
               <a:rPr lang="ko-KR" altLang="en-US" b="1" dirty="0" err="1"/>
-              <a:t>꽐라인지</a:t>
+              <a:t>알고싶다</a:t>
             </a:r>
             <a:r>
               <a:rPr lang="ko-KR" altLang="en-US" b="1" dirty="0"/>
-              <a:t> </a:t>
-            </a:r>
-            <a:r>
-              <a:rPr lang="ko-KR" altLang="en-US" b="1" dirty="0" err="1"/>
-              <a:t>코알란지</a:t>
-            </a:r>
-            <a:r>
-              <a:rPr lang="ko-KR" altLang="en-US" b="1" dirty="0"/>
-              <a:t> 뭘 해</a:t>
-            </a:r>
-            <a:r>
-              <a:rPr lang="en-US" altLang="ko-KR" b="1" dirty="0"/>
-              <a:t>?</a:t>
+              <a:t> 코알라편</a:t>
             </a:r>
             <a:r>
               <a:rPr lang="ko-KR" b="1" dirty="0"/>
@@ -16386,7 +17381,7 @@
         <p:spPr>
           <a:xfrm>
             <a:off x="1141412" y="1769376"/>
-            <a:ext cx="8612188" cy="4284105"/>
+            <a:ext cx="10162314" cy="4284105"/>
           </a:xfrm>
           <a:prstGeom prst="rect">
             <a:avLst/>
@@ -16417,15 +17412,23 @@
             </a:pPr>
             <a:r>
               <a:rPr lang="ko-KR" altLang="en-US" dirty="0"/>
-              <a:t>출근한 </a:t>
-            </a:r>
-            <a:r>
-              <a:rPr lang="ko-KR" altLang="en-US" dirty="0" err="1"/>
-              <a:t>코알라로</a:t>
+              <a:t>출근한 코알라</a:t>
+            </a:r>
+            <a:r>
+              <a:rPr lang="en-US" altLang="ko-KR" dirty="0"/>
+              <a:t>(</a:t>
             </a:r>
             <a:r>
               <a:rPr lang="ko-KR" altLang="en-US" dirty="0"/>
-              <a:t> 해볼 수 있는 건</a:t>
+              <a:t>서류 셔틀</a:t>
+            </a:r>
+            <a:r>
+              <a:rPr lang="en-US" altLang="ko-KR" dirty="0"/>
+              <a:t>)</a:t>
+            </a:r>
+            <a:r>
+              <a:rPr lang="ko-KR" altLang="en-US" dirty="0"/>
+              <a:t>로 해볼 수 있는 건</a:t>
             </a:r>
             <a:r>
               <a:rPr lang="en-US" altLang="ko-KR" dirty="0"/>
@@ -16506,6 +17509,14 @@
             </a:r>
             <a:r>
               <a:rPr lang="en-US" altLang="ko-KR" dirty="0"/>
+              <a:t> </a:t>
+            </a:r>
+            <a:r>
+              <a:rPr lang="ko-KR" altLang="en-US" dirty="0"/>
+              <a:t>확인</a:t>
+            </a:r>
+            <a:r>
+              <a:rPr lang="en-US" altLang="ko-KR" dirty="0"/>
               <a:t> :</a:t>
             </a:r>
             <a:br>
@@ -16517,7 +17528,7 @@
             </a:r>
             <a:r>
               <a:rPr lang="ko-KR" altLang="en-US" dirty="0"/>
-              <a:t>잔고</a:t>
+              <a:t>개인 잔고</a:t>
             </a:r>
             <a:r>
               <a:rPr lang="en-US" altLang="ko-KR" dirty="0"/>
@@ -16525,15 +17536,15 @@
             </a:r>
             <a:r>
               <a:rPr lang="ko-KR" altLang="en-US" dirty="0"/>
-              <a:t>일차</a:t>
+              <a:t>근무 일차</a:t>
             </a:r>
             <a:r>
               <a:rPr lang="en-US" altLang="ko-KR" dirty="0"/>
               <a:t>, </a:t>
             </a:r>
             <a:r>
-              <a:rPr lang="ko-KR" altLang="en-US" dirty="0" err="1"/>
-              <a:t>탈착모드</a:t>
+              <a:rPr lang="ko-KR" altLang="en-US" dirty="0"/>
+              <a:t>서류 카트 용량</a:t>
             </a:r>
             <a:r>
               <a:rPr lang="en-US" altLang="ko-KR" dirty="0"/>
@@ -16541,7 +17552,7 @@
             </a:r>
             <a:r>
               <a:rPr lang="ko-KR" altLang="en-US" dirty="0"/>
-              <a:t>최근 소지 서류</a:t>
+              <a:t>적용 아이템</a:t>
             </a:r>
             <a:br>
               <a:rPr lang="ko-KR" dirty="0"/>
@@ -16552,7 +17563,7 @@
             </a:r>
             <a:r>
               <a:rPr lang="ko-KR" altLang="en-US" dirty="0"/>
-              <a:t>일차에 따른 변화</a:t>
+              <a:t>능력의 변화</a:t>
             </a:r>
             <a:r>
               <a:rPr lang="en-US" altLang="ko-KR" dirty="0"/>
@@ -16567,7 +17578,7 @@
             </a:r>
             <a:r>
               <a:rPr lang="ko-KR" altLang="en-US" dirty="0"/>
-              <a:t>일차가 지날수록 더 많은 서류를 다룸</a:t>
+              <a:t>근무 일차가 지날수록 취급할 서류가 늘어남</a:t>
             </a:r>
             <a:br>
               <a:rPr lang="ko-KR" dirty="0"/>
@@ -16589,11 +17600,19 @@
             </a:br>
             <a:r>
               <a:rPr lang="en-US" altLang="ko-KR" dirty="0"/>
-              <a:t>	 </a:t>
+              <a:t>	 (</a:t>
             </a:r>
             <a:r>
               <a:rPr lang="ko-KR" altLang="en-US" dirty="0"/>
-              <a:t>저주를 풀기위해 돈을 많이 벌어야 함</a:t>
+              <a:t>은퇴시기쯤</a:t>
+            </a:r>
+            <a:r>
+              <a:rPr lang="en-US" altLang="ko-KR" dirty="0"/>
+              <a:t>)</a:t>
+            </a:r>
+            <a:r>
+              <a:rPr lang="ko-KR" altLang="en-US" dirty="0"/>
+              <a:t> 저주를 풀 수 있는 자금을 모으는 것</a:t>
             </a:r>
             <a:br>
               <a:rPr lang="ko-KR" dirty="0"/>
@@ -16604,7 +17623,7 @@
             </a:r>
             <a:r>
               <a:rPr lang="ko-KR" altLang="en-US" dirty="0"/>
-              <a:t>돈은 얼마나 벌고 있습니까</a:t>
+              <a:t>자금 관리는 어떻게 되어가고 있는가</a:t>
             </a:r>
             <a:r>
               <a:rPr lang="en-US" altLang="ko-KR" dirty="0"/>
@@ -16627,7 +17646,7 @@
             </a:r>
             <a:r>
               <a:rPr lang="ko-KR" altLang="en-US" dirty="0"/>
-              <a:t>게시판 수수료 </a:t>
+              <a:t>퀘스트 수수료 일부 </a:t>
             </a:r>
             <a:r>
               <a:rPr lang="en-US" altLang="ko-KR" dirty="0"/>
@@ -16643,7 +17662,23 @@
             </a:r>
             <a:r>
               <a:rPr lang="ko-KR" altLang="en-US" dirty="0"/>
-              <a:t>생활비 </a:t>
+              <a:t>생활비</a:t>
+            </a:r>
+            <a:r>
+              <a:rPr lang="en-US" altLang="ko-KR" dirty="0"/>
+              <a:t>(</a:t>
+            </a:r>
+            <a:r>
+              <a:rPr lang="ko-KR" altLang="en-US" dirty="0"/>
+              <a:t>고정지출</a:t>
+            </a:r>
+            <a:r>
+              <a:rPr lang="en-US" altLang="ko-KR" dirty="0"/>
+              <a:t>)</a:t>
+            </a:r>
+            <a:r>
+              <a:rPr lang="ko-KR" altLang="en-US" dirty="0"/>
+              <a:t> </a:t>
             </a:r>
             <a:r>
               <a:rPr lang="en-US" altLang="ko-KR" dirty="0"/>
@@ -16651,11 +17686,7 @@
             </a:r>
             <a:r>
               <a:rPr lang="ko-KR" altLang="en-US" dirty="0"/>
-              <a:t>아이템 </a:t>
-            </a:r>
-            <a:r>
-              <a:rPr lang="ko-KR" altLang="en-US" dirty="0" err="1"/>
-              <a:t>구매비</a:t>
+              <a:t>아이템 구매비용</a:t>
             </a:r>
             <a:endParaRPr dirty="0"/>
           </a:p>
@@ -16663,10 +17694,10 @@
       </p:sp>
       <p:pic>
         <p:nvPicPr>
-          <p:cNvPr id="13" name="Picture 6" descr="스티커 코알라개 - 무료 스티커 동물개">
+          <p:cNvPr id="3074" name="Picture 2" descr="안경과 배낭을 멘 코알라가 책을 들고 있습니다. | 프리미엄 사진">
             <a:extLst>
               <a:ext uri="{FF2B5EF4-FFF2-40B4-BE49-F238E27FC236}">
-                <a16:creationId xmlns:a16="http://schemas.microsoft.com/office/drawing/2014/main" id="{CAE369D1-F408-4303-90A2-FF77EC6DB192}"/>
+                <a16:creationId xmlns:a16="http://schemas.microsoft.com/office/drawing/2014/main" id="{118F2B34-E390-4551-9E36-6499AEEC1557}"/>
               </a:ext>
             </a:extLst>
           </p:cNvPr>
@@ -16675,7 +17706,7 @@
           </p:cNvPicPr>
           <p:nvPr/>
         </p:nvPicPr>
-        <p:blipFill>
+        <p:blipFill rotWithShape="1">
           <a:blip r:embed="rId3">
             <a:extLst>
               <a:ext uri="{28A0092B-C50C-407E-A947-70E740481C1C}">
@@ -16683,15 +17714,13 @@
               </a:ext>
             </a:extLst>
           </a:blip>
-          <a:srcRect/>
-          <a:stretch>
-            <a:fillRect/>
-          </a:stretch>
+          <a:srcRect l="17284" t="9727" r="18307" b="9652"/>
+          <a:stretch/>
         </p:blipFill>
         <p:spPr bwMode="auto">
           <a:xfrm>
-            <a:off x="8488601" y="2444179"/>
-            <a:ext cx="2254193" cy="2254193"/>
+            <a:off x="9086033" y="2545212"/>
+            <a:ext cx="1964555" cy="2459035"/>
           </a:xfrm>
           <a:prstGeom prst="rect">
             <a:avLst/>
@@ -16708,53 +17737,6 @@
           </a:extLst>
         </p:spPr>
       </p:pic>
-      <p:sp>
-        <p:nvSpPr>
-          <p:cNvPr id="2" name="직사각형 1">
-            <a:extLst>
-              <a:ext uri="{FF2B5EF4-FFF2-40B4-BE49-F238E27FC236}">
-                <a16:creationId xmlns:a16="http://schemas.microsoft.com/office/drawing/2014/main" id="{02F435AD-5F6E-457C-A70D-9A3744D32988}"/>
-              </a:ext>
-            </a:extLst>
-          </p:cNvPr>
-          <p:cNvSpPr/>
-          <p:nvPr/>
-        </p:nvSpPr>
-        <p:spPr>
-          <a:xfrm>
-            <a:off x="8971998" y="1963757"/>
-            <a:ext cx="1572866" cy="369332"/>
-          </a:xfrm>
-          <a:prstGeom prst="rect">
-            <a:avLst/>
-          </a:prstGeom>
-        </p:spPr>
-        <p:txBody>
-          <a:bodyPr wrap="none">
-            <a:spAutoFit/>
-          </a:bodyPr>
-          <a:lstStyle/>
-          <a:p>
-            <a:r>
-              <a:rPr lang="ko-KR" altLang="en-US" dirty="0" err="1"/>
-              <a:t>우짜라고</a:t>
-            </a:r>
-            <a:r>
-              <a:rPr lang="en-US" altLang="ko-KR" dirty="0"/>
-              <a:t>…</a:t>
-            </a:r>
-            <a:r>
-              <a:rPr lang="ko-KR" altLang="en-US" dirty="0"/>
-              <a:t>뭐</a:t>
-            </a:r>
-            <a:r>
-              <a:rPr lang="en-US" altLang="ko-KR" dirty="0"/>
-              <a:t>!</a:t>
-            </a:r>
-            <a:endParaRPr lang="ko-KR" altLang="en-US" dirty="0"/>
-          </a:p>
-        </p:txBody>
-      </p:sp>
     </p:spTree>
   </p:cSld>
   <p:clrMapOvr>
@@ -16861,14 +17843,14 @@
           <p:nvPr>
             <p:extLst>
               <p:ext uri="{D42A27DB-BD31-4B8C-83A1-F6EECF244321}">
-                <p14:modId xmlns:p14="http://schemas.microsoft.com/office/powerpoint/2010/main" val="911662404"/>
+                <p14:modId xmlns:p14="http://schemas.microsoft.com/office/powerpoint/2010/main" val="367342694"/>
               </p:ext>
             </p:extLst>
           </p:nvPr>
         </p:nvGraphicFramePr>
         <p:xfrm>
           <a:off x="1141413" y="2189527"/>
-          <a:ext cx="9905975" cy="3421350"/>
+          <a:ext cx="9905975" cy="3466979"/>
         </p:xfrm>
         <a:graphic>
           <a:graphicData uri="http://schemas.openxmlformats.org/drawingml/2006/table">
@@ -17159,7 +18141,21 @@
                           <a:latin typeface="+mn-ea"/>
                           <a:ea typeface="+mn-ea"/>
                         </a:rPr>
-                        <a:t>모든 서류를 취급하여 벌금 페널티만 없어진다</a:t>
+                        <a:t>모든 서류를 허락 받았다</a:t>
+                      </a:r>
+                      <a:r>
+                        <a:rPr lang="en-US" altLang="ko-KR" dirty="0">
+                          <a:latin typeface="+mn-ea"/>
+                          <a:ea typeface="+mn-ea"/>
+                        </a:rPr>
+                        <a:t>.</a:t>
+                      </a:r>
+                      <a:r>
+                        <a:rPr lang="ko-KR" altLang="en-US" dirty="0">
+                          <a:latin typeface="+mn-ea"/>
+                          <a:ea typeface="+mn-ea"/>
+                        </a:rPr>
+                        <a:t> 벌금 페널티만 없어진다</a:t>
                       </a:r>
                       <a:r>
                         <a:rPr lang="en-US" altLang="ko-KR" dirty="0">
@@ -17182,7 +18178,7 @@
                   </a:ext>
                 </a:extLst>
               </a:tr>
-              <a:tr h="647375">
+              <a:tr h="693004">
                 <a:tc>
                   <a:txBody>
                     <a:bodyPr/>
@@ -17390,87 +18386,6 @@
       </p:graphicFrame>
       <p:pic>
         <p:nvPicPr>
-          <p:cNvPr id="278" name="Google Shape;278;p23"/>
-          <p:cNvPicPr preferRelativeResize="0"/>
-          <p:nvPr/>
-        </p:nvPicPr>
-        <p:blipFill rotWithShape="1">
-          <a:blip r:embed="rId3">
-            <a:alphaModFix/>
-          </a:blip>
-          <a:srcRect/>
-          <a:stretch/>
-        </p:blipFill>
-        <p:spPr>
-          <a:xfrm>
-            <a:off x="1428226" y="3481075"/>
-            <a:ext cx="762000" cy="419100"/>
-          </a:xfrm>
-          <a:prstGeom prst="rect">
-            <a:avLst/>
-          </a:prstGeom>
-          <a:noFill/>
-          <a:ln>
-            <a:noFill/>
-          </a:ln>
-        </p:spPr>
-      </p:pic>
-      <p:pic>
-        <p:nvPicPr>
-          <p:cNvPr id="279" name="Google Shape;279;p23"/>
-          <p:cNvPicPr preferRelativeResize="0"/>
-          <p:nvPr/>
-        </p:nvPicPr>
-        <p:blipFill rotWithShape="1">
-          <a:blip r:embed="rId4">
-            <a:alphaModFix/>
-          </a:blip>
-          <a:srcRect/>
-          <a:stretch/>
-        </p:blipFill>
-        <p:spPr>
-          <a:xfrm>
-            <a:off x="1437314" y="4236084"/>
-            <a:ext cx="762000" cy="419100"/>
-          </a:xfrm>
-          <a:prstGeom prst="rect">
-            <a:avLst/>
-          </a:prstGeom>
-          <a:noFill/>
-          <a:ln>
-            <a:noFill/>
-          </a:ln>
-        </p:spPr>
-      </p:pic>
-      <p:pic>
-        <p:nvPicPr>
-          <p:cNvPr id="280" name="Google Shape;280;p23"/>
-          <p:cNvPicPr preferRelativeResize="0"/>
-          <p:nvPr/>
-        </p:nvPicPr>
-        <p:blipFill rotWithShape="1">
-          <a:blip r:embed="rId5">
-            <a:alphaModFix/>
-          </a:blip>
-          <a:srcRect/>
-          <a:stretch/>
-        </p:blipFill>
-        <p:spPr>
-          <a:xfrm>
-            <a:off x="1437314" y="4991093"/>
-            <a:ext cx="762000" cy="419100"/>
-          </a:xfrm>
-          <a:prstGeom prst="rect">
-            <a:avLst/>
-          </a:prstGeom>
-          <a:noFill/>
-          <a:ln>
-            <a:noFill/>
-          </a:ln>
-        </p:spPr>
-      </p:pic>
-      <p:pic>
-        <p:nvPicPr>
           <p:cNvPr id="2050" name="Picture 2" descr="오비도스 웨건 접이식카트 캠핑웨건 - 월드훼밀리몰">
             <a:extLst>
               <a:ext uri="{FF2B5EF4-FFF2-40B4-BE49-F238E27FC236}">
@@ -17484,7 +18399,7 @@
           <p:nvPr/>
         </p:nvPicPr>
         <p:blipFill>
-          <a:blip r:embed="rId6">
+          <a:blip r:embed="rId3">
             <a:extLst>
               <a:ext uri="{28A0092B-C50C-407E-A947-70E740481C1C}">
                 <a14:useLocalDpi xmlns:a14="http://schemas.microsoft.com/office/drawing/2010/main" val="0"/>
@@ -17516,200 +18431,120 @@
           </a:extLst>
         </p:spPr>
       </p:pic>
+      <p:pic>
+        <p:nvPicPr>
+          <p:cNvPr id="4098" name="Picture 2" descr="특허 - 무료 상업과 쇼핑개 아이콘">
+            <a:extLst>
+              <a:ext uri="{FF2B5EF4-FFF2-40B4-BE49-F238E27FC236}">
+                <a16:creationId xmlns:a16="http://schemas.microsoft.com/office/drawing/2014/main" id="{B45C72D4-0C63-4833-A353-B1D650265AC6}"/>
+              </a:ext>
+            </a:extLst>
+          </p:cNvPr>
+          <p:cNvPicPr>
+            <a:picLocks noChangeAspect="1" noChangeArrowheads="1"/>
+          </p:cNvPicPr>
+          <p:nvPr/>
+        </p:nvPicPr>
+        <p:blipFill>
+          <a:blip r:embed="rId4">
+            <a:extLst>
+              <a:ext uri="{28A0092B-C50C-407E-A947-70E740481C1C}">
+                <a14:useLocalDpi xmlns:a14="http://schemas.microsoft.com/office/drawing/2010/main" val="0"/>
+              </a:ext>
+            </a:extLst>
+          </a:blip>
+          <a:srcRect/>
+          <a:stretch>
+            <a:fillRect/>
+          </a:stretch>
+        </p:blipFill>
+        <p:spPr bwMode="auto">
+          <a:xfrm>
+            <a:off x="1372435" y="3323725"/>
+            <a:ext cx="762001" cy="762001"/>
+          </a:xfrm>
+          <a:prstGeom prst="rect">
+            <a:avLst/>
+          </a:prstGeom>
+          <a:noFill/>
+          <a:extLst>
+            <a:ext uri="{909E8E84-426E-40DD-AFC4-6F175D3DCCD1}">
+              <a14:hiddenFill xmlns:a14="http://schemas.microsoft.com/office/drawing/2010/main">
+                <a:solidFill>
+                  <a:srgbClr val="FFFFFF"/>
+                </a:solidFill>
+              </a14:hiddenFill>
+            </a:ext>
+          </a:extLst>
+        </p:spPr>
+      </p:pic>
+      <p:pic>
+        <p:nvPicPr>
+          <p:cNvPr id="9" name="Google Shape;212;p17" descr="스티커 코알라개 - 무료 스티커 동물개">
+            <a:extLst>
+              <a:ext uri="{FF2B5EF4-FFF2-40B4-BE49-F238E27FC236}">
+                <a16:creationId xmlns:a16="http://schemas.microsoft.com/office/drawing/2014/main" id="{7DEBE611-E8EB-48B3-9791-D1983863A719}"/>
+              </a:ext>
+            </a:extLst>
+          </p:cNvPr>
+          <p:cNvPicPr preferRelativeResize="0"/>
+          <p:nvPr/>
+        </p:nvPicPr>
+        <p:blipFill rotWithShape="1">
+          <a:blip r:embed="rId5">
+            <a:alphaModFix/>
+          </a:blip>
+          <a:srcRect t="17716" b="19313"/>
+          <a:stretch/>
+        </p:blipFill>
+        <p:spPr>
+          <a:xfrm>
+            <a:off x="1173431" y="4855811"/>
+            <a:ext cx="1271587" cy="800695"/>
+          </a:xfrm>
+          <a:prstGeom prst="rect">
+            <a:avLst/>
+          </a:prstGeom>
+          <a:noFill/>
+          <a:ln>
+            <a:noFill/>
+          </a:ln>
+        </p:spPr>
+      </p:pic>
+      <p:pic>
+        <p:nvPicPr>
+          <p:cNvPr id="2" name="그림 1">
+            <a:extLst>
+              <a:ext uri="{FF2B5EF4-FFF2-40B4-BE49-F238E27FC236}">
+                <a16:creationId xmlns:a16="http://schemas.microsoft.com/office/drawing/2014/main" id="{14BD4A33-16E0-4DC2-93EB-E39A35CFA778}"/>
+              </a:ext>
+            </a:extLst>
+          </p:cNvPr>
+          <p:cNvPicPr>
+            <a:picLocks noChangeAspect="1"/>
+          </p:cNvPicPr>
+          <p:nvPr/>
+        </p:nvPicPr>
+        <p:blipFill rotWithShape="1">
+          <a:blip r:embed="rId6"/>
+          <a:srcRect l="9961" t="7980" r="11459" b="15854"/>
+          <a:stretch/>
+        </p:blipFill>
+        <p:spPr>
+          <a:xfrm>
+            <a:off x="1429701" y="4094938"/>
+            <a:ext cx="728394" cy="706031"/>
+          </a:xfrm>
+          <a:prstGeom prst="rect">
+            <a:avLst/>
+          </a:prstGeom>
+        </p:spPr>
+      </p:pic>
     </p:spTree>
   </p:cSld>
   <p:clrMapOvr>
     <a:masterClrMapping/>
   </p:clrMapOvr>
-  <p:timing>
-    <p:tnLst>
-      <p:par>
-        <p:cTn id="1" dur="indefinite" restart="never" nodeType="tmRoot">
-          <p:childTnLst>
-            <p:seq concurrent="1" nextAc="seek">
-              <p:cTn id="2" dur="indefinite" nodeType="mainSeq">
-                <p:childTnLst>
-                  <p:par>
-                    <p:cTn id="3" fill="hold">
-                      <p:stCondLst>
-                        <p:cond delay="indefinite"/>
-                      </p:stCondLst>
-                      <p:childTnLst>
-                        <p:par>
-                          <p:cTn id="4" fill="hold">
-                            <p:stCondLst>
-                              <p:cond delay="0"/>
-                            </p:stCondLst>
-                            <p:childTnLst>
-                              <p:par>
-                                <p:cTn id="5" presetID="10" presetClass="entr" presetSubtype="0" fill="hold" nodeType="clickEffect">
-                                  <p:stCondLst>
-                                    <p:cond delay="0"/>
-                                  </p:stCondLst>
-                                  <p:childTnLst>
-                                    <p:set>
-                                      <p:cBhvr>
-                                        <p:cTn id="6" dur="1" fill="hold">
-                                          <p:stCondLst>
-                                            <p:cond delay="0"/>
-                                          </p:stCondLst>
-                                        </p:cTn>
-                                        <p:tgtEl>
-                                          <p:spTgt spid="278"/>
-                                        </p:tgtEl>
-                                        <p:attrNameLst>
-                                          <p:attrName>style.visibility</p:attrName>
-                                        </p:attrNameLst>
-                                      </p:cBhvr>
-                                      <p:to>
-                                        <p:strVal val="visible"/>
-                                      </p:to>
-                                    </p:set>
-                                    <p:animEffect transition="in" filter="fade">
-                                      <p:cBhvr>
-                                        <p:cTn id="7" dur="2000"/>
-                                        <p:tgtEl>
-                                          <p:spTgt spid="278"/>
-                                        </p:tgtEl>
-                                      </p:cBhvr>
-                                    </p:animEffect>
-                                  </p:childTnLst>
-                                </p:cTn>
-                              </p:par>
-                            </p:childTnLst>
-                          </p:cTn>
-                        </p:par>
-                      </p:childTnLst>
-                    </p:cTn>
-                  </p:par>
-                  <p:par>
-                    <p:cTn id="8" fill="hold">
-                      <p:stCondLst>
-                        <p:cond delay="indefinite"/>
-                      </p:stCondLst>
-                      <p:childTnLst>
-                        <p:par>
-                          <p:cTn id="9" fill="hold">
-                            <p:stCondLst>
-                              <p:cond delay="0"/>
-                            </p:stCondLst>
-                            <p:childTnLst>
-                              <p:par>
-                                <p:cTn id="10" presetID="10" presetClass="entr" presetSubtype="0" fill="hold" nodeType="clickEffect">
-                                  <p:stCondLst>
-                                    <p:cond delay="0"/>
-                                  </p:stCondLst>
-                                  <p:childTnLst>
-                                    <p:set>
-                                      <p:cBhvr>
-                                        <p:cTn id="11" dur="1" fill="hold">
-                                          <p:stCondLst>
-                                            <p:cond delay="0"/>
-                                          </p:stCondLst>
-                                        </p:cTn>
-                                        <p:tgtEl>
-                                          <p:spTgt spid="279"/>
-                                        </p:tgtEl>
-                                        <p:attrNameLst>
-                                          <p:attrName>style.visibility</p:attrName>
-                                        </p:attrNameLst>
-                                      </p:cBhvr>
-                                      <p:to>
-                                        <p:strVal val="visible"/>
-                                      </p:to>
-                                    </p:set>
-                                    <p:animEffect transition="in" filter="fade">
-                                      <p:cBhvr>
-                                        <p:cTn id="12" dur="2000"/>
-                                        <p:tgtEl>
-                                          <p:spTgt spid="279"/>
-                                        </p:tgtEl>
-                                      </p:cBhvr>
-                                    </p:animEffect>
-                                  </p:childTnLst>
-                                </p:cTn>
-                              </p:par>
-                            </p:childTnLst>
-                          </p:cTn>
-                        </p:par>
-                      </p:childTnLst>
-                    </p:cTn>
-                  </p:par>
-                  <p:par>
-                    <p:cTn id="13" fill="hold">
-                      <p:stCondLst>
-                        <p:cond delay="indefinite"/>
-                      </p:stCondLst>
-                      <p:childTnLst>
-                        <p:par>
-                          <p:cTn id="14" fill="hold">
-                            <p:stCondLst>
-                              <p:cond delay="0"/>
-                            </p:stCondLst>
-                            <p:childTnLst>
-                              <p:par>
-                                <p:cTn id="15" presetID="10" presetClass="entr" presetSubtype="0" fill="hold" nodeType="clickEffect">
-                                  <p:stCondLst>
-                                    <p:cond delay="0"/>
-                                  </p:stCondLst>
-                                  <p:childTnLst>
-                                    <p:set>
-                                      <p:cBhvr>
-                                        <p:cTn id="16" dur="1" fill="hold">
-                                          <p:stCondLst>
-                                            <p:cond delay="0"/>
-                                          </p:stCondLst>
-                                        </p:cTn>
-                                        <p:tgtEl>
-                                          <p:spTgt spid="280"/>
-                                        </p:tgtEl>
-                                        <p:attrNameLst>
-                                          <p:attrName>style.visibility</p:attrName>
-                                        </p:attrNameLst>
-                                      </p:cBhvr>
-                                      <p:to>
-                                        <p:strVal val="visible"/>
-                                      </p:to>
-                                    </p:set>
-                                    <p:animEffect transition="in" filter="fade">
-                                      <p:cBhvr>
-                                        <p:cTn id="17" dur="2000"/>
-                                        <p:tgtEl>
-                                          <p:spTgt spid="280"/>
-                                        </p:tgtEl>
-                                      </p:cBhvr>
-                                    </p:animEffect>
-                                  </p:childTnLst>
-                                </p:cTn>
-                              </p:par>
-                            </p:childTnLst>
-                          </p:cTn>
-                        </p:par>
-                      </p:childTnLst>
-                    </p:cTn>
-                  </p:par>
-                </p:childTnLst>
-              </p:cTn>
-              <p:prevCondLst>
-                <p:cond evt="onPrev" delay="0">
-                  <p:tgtEl>
-                    <p:sldTgt/>
-                  </p:tgtEl>
-                </p:cond>
-              </p:prevCondLst>
-              <p:nextCondLst>
-                <p:cond evt="onNext" delay="0">
-                  <p:tgtEl>
-                    <p:sldTgt/>
-                  </p:tgtEl>
-                </p:cond>
-              </p:nextCondLst>
-            </p:seq>
-          </p:childTnLst>
-        </p:cTn>
-      </p:par>
-    </p:tnLst>
-  </p:timing>
 </p:sld>
 </file>
 
@@ -17835,12 +18670,20 @@
               <a:t> 종류는 </a:t>
             </a:r>
             <a:r>
+              <a:rPr lang="ko-KR" altLang="en-US" b="1" dirty="0">
+                <a:solidFill>
+                  <a:srgbClr val="00B0F0"/>
+                </a:solidFill>
+              </a:rPr>
+              <a:t>네</a:t>
+            </a:r>
+            <a:r>
               <a:rPr lang="ko-KR" b="1" dirty="0">
                 <a:solidFill>
                   <a:srgbClr val="00B0F0"/>
                 </a:solidFill>
               </a:rPr>
-              <a:t>세 종류</a:t>
+              <a:t> 종류</a:t>
             </a:r>
             <a:br>
               <a:rPr lang="ko-KR" dirty="0"/>
@@ -17975,7 +18818,15 @@
             </a:br>
             <a:r>
               <a:rPr lang="ko-KR" dirty="0"/>
-              <a:t>- 기한이 정해진 일반 </a:t>
+              <a:t>- </a:t>
+            </a:r>
+            <a:r>
+              <a:rPr lang="ko-KR" altLang="en-US" dirty="0"/>
+              <a:t>종료 조건이 있는 </a:t>
+            </a:r>
+            <a:r>
+              <a:rPr lang="ko-KR" dirty="0"/>
+              <a:t>일반 </a:t>
             </a:r>
             <a:r>
               <a:rPr lang="ko-KR" altLang="en-US" dirty="0"/>
@@ -17986,11 +18837,11 @@
             </a:br>
             <a:r>
               <a:rPr lang="ko-KR" dirty="0"/>
-              <a:t>- 기한 이후에 남</a:t>
+              <a:t>- </a:t>
             </a:r>
             <a:r>
               <a:rPr lang="ko-KR" altLang="en-US" dirty="0"/>
-              <a:t>으면 취급불가 서류가 됨</a:t>
+              <a:t>장시간 남아 있으면 취급불가 서류가 됨</a:t>
             </a:r>
             <a:br>
               <a:rPr lang="ko-KR" dirty="0"/>
@@ -18001,15 +18852,7 @@
             </a:r>
             <a:r>
               <a:rPr lang="ko-KR" altLang="en-US" dirty="0"/>
-              <a:t>서</a:t>
-            </a:r>
-            <a:r>
-              <a:rPr lang="ko-KR" dirty="0"/>
-              <a:t> </a:t>
-            </a:r>
-            <a:r>
-              <a:rPr lang="ko-KR" dirty="0" err="1"/>
-              <a:t>소멸시</a:t>
+              <a:t>서가 사라질 때</a:t>
             </a:r>
             <a:r>
               <a:rPr lang="ko-KR" dirty="0"/>
@@ -18140,7 +18983,7 @@
         <p:spPr>
           <a:xfrm>
             <a:off x="1899062" y="1717699"/>
-            <a:ext cx="6591796" cy="4095169"/>
+            <a:ext cx="6591796" cy="4561181"/>
           </a:xfrm>
           <a:prstGeom prst="rect">
             <a:avLst/>
@@ -18187,15 +19030,15 @@
             </a:r>
             <a:r>
               <a:rPr lang="ko-KR" altLang="en-US" dirty="0"/>
-              <a:t>여러 번 할 수 있고</a:t>
+              <a:t>사라지지 않고</a:t>
             </a:r>
             <a:r>
               <a:rPr lang="en-US" altLang="ko-KR" dirty="0"/>
-              <a:t>,</a:t>
+              <a:t>, </a:t>
             </a:r>
             <a:r>
               <a:rPr lang="ko-KR" altLang="en-US" dirty="0"/>
-              <a:t> 고정 수수료</a:t>
+              <a:t>변하지 않는 고정 퀘스트</a:t>
             </a:r>
             <a:br>
               <a:rPr lang="ko-KR" altLang="en-US" dirty="0"/>
@@ -18206,7 +19049,18 @@
             </a:r>
             <a:r>
               <a:rPr lang="ko-KR" altLang="en-US" dirty="0"/>
-              <a:t>후반에 갈수록 고급 의뢰교체 가능</a:t>
+              <a:t>게임 후반에 고액 수수료 교체 가능</a:t>
+            </a:r>
+            <a:br>
+              <a:rPr lang="en-US" altLang="ko-KR" dirty="0"/>
+            </a:br>
+            <a:r>
+              <a:rPr lang="en-US" altLang="ko-KR" dirty="0"/>
+              <a:t>- </a:t>
+            </a:r>
+            <a:r>
+              <a:rPr lang="ko-KR" altLang="en-US" dirty="0"/>
+              <a:t>타 부서에 부착하여 제거 가능</a:t>
             </a:r>
           </a:p>
           <a:p>
@@ -18238,7 +19092,7 @@
             </a:r>
             <a:r>
               <a:rPr lang="ko-KR" altLang="en-US" dirty="0"/>
-              <a:t>길드마스터 전용서류</a:t>
+              <a:t>타 부서 전용 퀘스트 서류</a:t>
             </a:r>
             <a:br>
               <a:rPr lang="en-US" altLang="ko-KR" dirty="0"/>
@@ -18304,7 +19158,7 @@
             </a:r>
             <a:r>
               <a:rPr lang="ko-KR" altLang="en-US" dirty="0"/>
-              <a:t>사용하면 관련 이벤트 있음 </a:t>
+              <a:t>사용하면 벌금과 관련 이벤트 있음 </a:t>
             </a:r>
             <a:r>
               <a:rPr lang="en-US" altLang="ko-KR" dirty="0"/>
@@ -18369,116 +19223,6 @@
   <p:cSld>
     <p:spTree>
       <p:nvGrpSpPr>
-        <p:cNvPr id="1" name="Shape 298"/>
-        <p:cNvGrpSpPr/>
-        <p:nvPr/>
-      </p:nvGrpSpPr>
-      <p:grpSpPr>
-        <a:xfrm>
-          <a:off x="0" y="0"/>
-          <a:ext cx="0" cy="0"/>
-          <a:chOff x="0" y="0"/>
-          <a:chExt cx="0" cy="0"/>
-        </a:xfrm>
-      </p:grpSpPr>
-      <p:pic>
-        <p:nvPicPr>
-          <p:cNvPr id="299" name="Google Shape;299;p26"/>
-          <p:cNvPicPr preferRelativeResize="0"/>
-          <p:nvPr/>
-        </p:nvPicPr>
-        <p:blipFill rotWithShape="1">
-          <a:blip r:embed="rId3">
-            <a:alphaModFix/>
-          </a:blip>
-          <a:srcRect/>
-          <a:stretch/>
-        </p:blipFill>
-        <p:spPr>
-          <a:xfrm>
-            <a:off x="1985389" y="1254800"/>
-            <a:ext cx="8221222" cy="5153744"/>
-          </a:xfrm>
-          <a:prstGeom prst="rect">
-            <a:avLst/>
-          </a:prstGeom>
-          <a:noFill/>
-          <a:ln>
-            <a:noFill/>
-          </a:ln>
-        </p:spPr>
-      </p:pic>
-      <p:sp>
-        <p:nvSpPr>
-          <p:cNvPr id="300" name="Google Shape;300;p26"/>
-          <p:cNvSpPr txBox="1">
-            <a:spLocks noGrp="1"/>
-          </p:cNvSpPr>
-          <p:nvPr>
-            <p:ph type="title"/>
-          </p:nvPr>
-        </p:nvSpPr>
-        <p:spPr>
-          <a:xfrm>
-            <a:off x="1141413" y="-27964"/>
-            <a:ext cx="9905998" cy="1905000"/>
-          </a:xfrm>
-          <a:prstGeom prst="rect">
-            <a:avLst/>
-          </a:prstGeom>
-          <a:noFill/>
-          <a:ln>
-            <a:noFill/>
-          </a:ln>
-        </p:spPr>
-        <p:txBody>
-          <a:bodyPr spcFirstLastPara="1" wrap="square" lIns="91425" tIns="45700" rIns="91425" bIns="45700" anchor="ctr" anchorCtr="0">
-            <a:normAutofit/>
-          </a:bodyPr>
-          <a:lstStyle/>
-          <a:p>
-            <a:pPr marL="0" lvl="0" indent="0" algn="ctr" rtl="0">
-              <a:lnSpc>
-                <a:spcPct val="90000"/>
-              </a:lnSpc>
-              <a:spcBef>
-                <a:spcPts val="0"/>
-              </a:spcBef>
-              <a:spcAft>
-                <a:spcPts val="0"/>
-              </a:spcAft>
-              <a:buClr>
-                <a:schemeClr val="accent1"/>
-              </a:buClr>
-              <a:buSzPts val="3200"/>
-              <a:buFont typeface="Rockwell"/>
-              <a:buNone/>
-            </a:pPr>
-            <a:r>
-              <a:rPr lang="ko-KR"/>
-              <a:t>의뢰별 조작방법 예시 ???  </a:t>
-            </a:r>
-            <a:r>
-              <a:rPr lang="ko-KR" sz="2400"/>
-              <a:t>(레벨 디자인)</a:t>
-            </a:r>
-            <a:endParaRPr/>
-          </a:p>
-        </p:txBody>
-      </p:sp>
-    </p:spTree>
-  </p:cSld>
-  <p:clrMapOvr>
-    <a:masterClrMapping/>
-  </p:clrMapOvr>
-</p:sld>
-</file>
-
-<file path=ppt/slides/slide27.xml><?xml version="1.0" encoding="utf-8"?>
-<p:sld xmlns:a="http://schemas.openxmlformats.org/drawingml/2006/main" xmlns:r="http://schemas.openxmlformats.org/officeDocument/2006/relationships" xmlns:p="http://schemas.openxmlformats.org/presentationml/2006/main">
-  <p:cSld>
-    <p:spTree>
-      <p:nvGrpSpPr>
         <p:cNvPr id="1" name="Shape 304"/>
         <p:cNvGrpSpPr/>
         <p:nvPr/>
@@ -18503,7 +19247,7 @@
         </p:nvSpPr>
         <p:spPr>
           <a:xfrm>
-            <a:off x="1141413" y="-27964"/>
+            <a:off x="1143001" y="555510"/>
             <a:ext cx="9905998" cy="1905000"/>
           </a:xfrm>
           <a:prstGeom prst="rect">
@@ -18538,44 +19282,33 @@
               <a:buNone/>
             </a:pPr>
             <a:r>
-              <a:rPr lang="ko-KR"/>
-              <a:t>최종근무일 예시  </a:t>
-            </a:r>
-            <a:r>
-              <a:rPr lang="ko-KR" sz="2400"/>
-              <a:t>(레벨 디자인)</a:t>
-            </a:r>
-            <a:endParaRPr/>
+              <a:rPr lang="ko-KR" altLang="en-US" dirty="0"/>
+              <a:t>최종</a:t>
+            </a:r>
+            <a:r>
+              <a:rPr lang="en-US" altLang="ko-KR" dirty="0"/>
+              <a:t> </a:t>
+            </a:r>
+            <a:r>
+              <a:rPr lang="ko-KR" dirty="0"/>
+              <a:t>근무일 </a:t>
+            </a:r>
+            <a:r>
+              <a:rPr lang="en-US" altLang="ko-KR" dirty="0"/>
+              <a:t>(</a:t>
+            </a:r>
+            <a:r>
+              <a:rPr lang="ko-KR" dirty="0"/>
+              <a:t>예시</a:t>
+            </a:r>
+            <a:r>
+              <a:rPr lang="en-US" altLang="ko-KR" dirty="0"/>
+              <a:t>)</a:t>
+            </a:r>
+            <a:endParaRPr dirty="0"/>
           </a:p>
         </p:txBody>
       </p:sp>
-      <p:pic>
-        <p:nvPicPr>
-          <p:cNvPr id="306" name="Google Shape;306;p27"/>
-          <p:cNvPicPr preferRelativeResize="0"/>
-          <p:nvPr/>
-        </p:nvPicPr>
-        <p:blipFill rotWithShape="1">
-          <a:blip r:embed="rId3">
-            <a:alphaModFix/>
-          </a:blip>
-          <a:srcRect/>
-          <a:stretch/>
-        </p:blipFill>
-        <p:spPr>
-          <a:xfrm>
-            <a:off x="2729218" y="1344638"/>
-            <a:ext cx="6733564" cy="3849942"/>
-          </a:xfrm>
-          <a:prstGeom prst="rect">
-            <a:avLst/>
-          </a:prstGeom>
-          <a:noFill/>
-          <a:ln>
-            <a:noFill/>
-          </a:ln>
-        </p:spPr>
-      </p:pic>
       <p:sp>
         <p:nvSpPr>
           <p:cNvPr id="307" name="Google Shape;307;p27"/>
@@ -18584,8 +19317,8 @@
         </p:nvSpPr>
         <p:spPr>
           <a:xfrm>
-            <a:off x="1860637" y="5341689"/>
-            <a:ext cx="8533323" cy="868258"/>
+            <a:off x="1829338" y="2124891"/>
+            <a:ext cx="8533323" cy="1542153"/>
           </a:xfrm>
           <a:prstGeom prst="rect">
             <a:avLst/>
@@ -18597,7 +19330,7 @@
         </p:spPr>
         <p:txBody>
           <a:bodyPr spcFirstLastPara="1" wrap="square" lIns="91425" tIns="45700" rIns="91425" bIns="45700" anchor="ctr" anchorCtr="0">
-            <a:normAutofit/>
+            <a:normAutofit lnSpcReduction="10000"/>
           </a:bodyPr>
           <a:lstStyle/>
           <a:p>
@@ -18616,35 +19349,76 @@
               <a:buChar char="•"/>
             </a:pPr>
             <a:r>
-              <a:rPr lang="ko-KR" sz="2000" b="1" cap="small">
+              <a:rPr lang="ko-KR" sz="2000" b="1" cap="small" dirty="0">
                 <a:solidFill>
                   <a:srgbClr val="00B0F0"/>
                 </a:solidFill>
-                <a:latin typeface="Rockwell"/>
-                <a:ea typeface="Rockwell"/>
+                <a:latin typeface="+mn-ea"/>
                 <a:cs typeface="Rockwell"/>
                 <a:sym typeface="Rockwell"/>
               </a:rPr>
               <a:t>후임자 : 인수인계</a:t>
             </a:r>
             <a:r>
-              <a:rPr lang="ko-KR" sz="2000" cap="small">
+              <a:rPr lang="ko-KR" sz="2000" cap="small" dirty="0">
                 <a:solidFill>
                   <a:schemeClr val="lt1"/>
                 </a:solidFill>
-                <a:latin typeface="Rockwell"/>
-                <a:ea typeface="Rockwell"/>
+                <a:latin typeface="+mn-ea"/>
                 <a:cs typeface="Rockwell"/>
                 <a:sym typeface="Rockwell"/>
               </a:rPr>
-              <a:t> 과정에서 의뢰 내용을 함부로 다룬다.</a:t>
-            </a:r>
-            <a:endParaRPr sz="2000" cap="small">
+              <a:t> 과정에서 </a:t>
+            </a:r>
+            <a:r>
+              <a:rPr lang="en-US" altLang="ko-KR" sz="2000" cap="small" dirty="0">
+                <a:solidFill>
+                  <a:schemeClr val="lt1"/>
+                </a:solidFill>
+                <a:latin typeface="+mn-ea"/>
+                <a:cs typeface="Rockwell"/>
+                <a:sym typeface="Rockwell"/>
+              </a:rPr>
+              <a:t>“</a:t>
+            </a:r>
+            <a:r>
+              <a:rPr lang="ko-KR" altLang="en-US" sz="2000" cap="small" dirty="0">
+                <a:solidFill>
+                  <a:schemeClr val="lt1"/>
+                </a:solidFill>
+                <a:latin typeface="+mn-ea"/>
+                <a:cs typeface="Rockwell"/>
+                <a:sym typeface="Rockwell"/>
+              </a:rPr>
+              <a:t>퀘스트 보드</a:t>
+            </a:r>
+            <a:r>
+              <a:rPr lang="en-US" altLang="ko-KR" sz="2000" cap="small" dirty="0">
+                <a:solidFill>
+                  <a:schemeClr val="lt1"/>
+                </a:solidFill>
+                <a:latin typeface="+mn-ea"/>
+                <a:cs typeface="Rockwell"/>
+                <a:sym typeface="Rockwell"/>
+              </a:rPr>
+              <a:t>”</a:t>
+            </a:r>
+            <a:r>
+              <a:rPr lang="ko-KR" altLang="en-US" sz="2000" cap="small" dirty="0">
+                <a:solidFill>
+                  <a:schemeClr val="lt1"/>
+                </a:solidFill>
+                <a:latin typeface="+mn-ea"/>
+                <a:cs typeface="Rockwell"/>
+                <a:sym typeface="Rockwell"/>
+              </a:rPr>
+              <a:t>가 엉망진창이 된다</a:t>
+            </a:r>
+            <a:endParaRPr lang="en-US" altLang="ko-KR" sz="2000" cap="small" dirty="0">
               <a:solidFill>
                 <a:schemeClr val="lt1"/>
               </a:solidFill>
-              <a:latin typeface="Rockwell"/>
-              <a:ea typeface="Rockwell"/>
+              <a:latin typeface="+mn-ea"/>
               <a:cs typeface="Rockwell"/>
               <a:sym typeface="Rockwell"/>
             </a:endParaRPr>
@@ -18652,7 +19426,7 @@
           <a:p>
             <a:pPr marL="285750" marR="0" lvl="0" indent="-285750" algn="l" rtl="0">
               <a:spcBef>
-                <a:spcPts val="1000"/>
+                <a:spcPts val="0"/>
               </a:spcBef>
               <a:spcAft>
                 <a:spcPts val="0"/>
@@ -18664,24 +19438,160 @@
               <a:buFont typeface="Arial"/>
               <a:buChar char="•"/>
             </a:pPr>
-            <a:r>
-              <a:rPr lang="ko-KR" sz="2000" cap="small">
+            <a:endParaRPr lang="en-US" altLang="ko-KR" sz="2000" cap="small" dirty="0">
+              <a:solidFill>
+                <a:schemeClr val="lt1"/>
+              </a:solidFill>
+              <a:latin typeface="+mn-ea"/>
+              <a:cs typeface="Rockwell"/>
+              <a:sym typeface="Rockwell"/>
+            </a:endParaRPr>
+          </a:p>
+          <a:p>
+            <a:pPr marL="285750" marR="0" lvl="0" indent="-285750" algn="l" rtl="0">
+              <a:spcBef>
+                <a:spcPts val="0"/>
+              </a:spcBef>
+              <a:spcAft>
+                <a:spcPts val="0"/>
+              </a:spcAft>
+              <a:buClr>
+                <a:schemeClr val="accent1"/>
+              </a:buClr>
+              <a:buSzPts val="2000"/>
+              <a:buFont typeface="Arial"/>
+              <a:buChar char="•"/>
+            </a:pPr>
+            <a:r>
+              <a:rPr lang="ko-KR" sz="2000" cap="small" dirty="0">
                 <a:solidFill>
                   <a:schemeClr val="lt1"/>
                 </a:solidFill>
-                <a:latin typeface="Rockwell"/>
-                <a:ea typeface="Rockwell"/>
+                <a:latin typeface="+mn-ea"/>
                 <a:cs typeface="Rockwell"/>
                 <a:sym typeface="Rockwell"/>
               </a:rPr>
-              <a:t>뒷수습을 하면서 아이템을 강제사용 해야만 은퇴가 가능하다.</a:t>
-            </a:r>
-            <a:endParaRPr sz="2000" cap="small">
+              <a:t>뒷수습을 하</a:t>
+            </a:r>
+            <a:r>
+              <a:rPr lang="ko-KR" altLang="en-US" sz="2000" cap="small" dirty="0">
+                <a:solidFill>
+                  <a:schemeClr val="lt1"/>
+                </a:solidFill>
+                <a:latin typeface="+mn-ea"/>
+                <a:cs typeface="Rockwell"/>
+                <a:sym typeface="Rockwell"/>
+              </a:rPr>
+              <a:t>기 위해</a:t>
+            </a:r>
+            <a:r>
+              <a:rPr lang="ko-KR" sz="2000" cap="small" dirty="0">
+                <a:solidFill>
+                  <a:schemeClr val="lt1"/>
+                </a:solidFill>
+                <a:latin typeface="+mn-ea"/>
+                <a:cs typeface="Rockwell"/>
+                <a:sym typeface="Rockwell"/>
+              </a:rPr>
+              <a:t> 아이템을 강제</a:t>
+            </a:r>
+            <a:r>
+              <a:rPr lang="en-US" altLang="ko-KR" sz="2000" cap="small" dirty="0">
+                <a:solidFill>
+                  <a:schemeClr val="lt1"/>
+                </a:solidFill>
+                <a:latin typeface="+mn-ea"/>
+                <a:cs typeface="Rockwell"/>
+                <a:sym typeface="Rockwell"/>
+              </a:rPr>
+              <a:t> </a:t>
+            </a:r>
+            <a:r>
+              <a:rPr lang="ko-KR" sz="2000" cap="small" dirty="0">
+                <a:solidFill>
+                  <a:schemeClr val="lt1"/>
+                </a:solidFill>
+                <a:latin typeface="+mn-ea"/>
+                <a:cs typeface="Rockwell"/>
+                <a:sym typeface="Rockwell"/>
+              </a:rPr>
+              <a:t>사용</a:t>
+            </a:r>
+            <a:r>
+              <a:rPr lang="ko-KR" altLang="en-US" sz="2000" cap="small" dirty="0">
+                <a:solidFill>
+                  <a:schemeClr val="lt1"/>
+                </a:solidFill>
+                <a:latin typeface="+mn-ea"/>
+                <a:cs typeface="Rockwell"/>
+                <a:sym typeface="Rockwell"/>
+              </a:rPr>
+              <a:t>하게 되고 </a:t>
+            </a:r>
+            <a:endParaRPr lang="en-US" altLang="ko-KR" sz="2000" cap="small" dirty="0">
               <a:solidFill>
                 <a:schemeClr val="lt1"/>
               </a:solidFill>
-              <a:latin typeface="Rockwell"/>
-              <a:ea typeface="Rockwell"/>
+              <a:latin typeface="+mn-ea"/>
+              <a:cs typeface="Rockwell"/>
+              <a:sym typeface="Rockwell"/>
+            </a:endParaRPr>
+          </a:p>
+          <a:p>
+            <a:pPr marL="285750" marR="0" lvl="0" indent="-285750" algn="l" rtl="0">
+              <a:spcBef>
+                <a:spcPts val="0"/>
+              </a:spcBef>
+              <a:spcAft>
+                <a:spcPts val="0"/>
+              </a:spcAft>
+              <a:buClr>
+                <a:schemeClr val="accent1"/>
+              </a:buClr>
+              <a:buSzPts val="2000"/>
+              <a:buFont typeface="Arial"/>
+              <a:buChar char="•"/>
+            </a:pPr>
+            <a:endParaRPr lang="en-US" altLang="ko-KR" sz="2000" cap="small" dirty="0">
+              <a:solidFill>
+                <a:schemeClr val="lt1"/>
+              </a:solidFill>
+              <a:latin typeface="+mn-ea"/>
+              <a:cs typeface="Rockwell"/>
+              <a:sym typeface="Rockwell"/>
+            </a:endParaRPr>
+          </a:p>
+          <a:p>
+            <a:pPr marL="285750" marR="0" lvl="0" indent="-285750" algn="l" rtl="0">
+              <a:spcBef>
+                <a:spcPts val="0"/>
+              </a:spcBef>
+              <a:spcAft>
+                <a:spcPts val="0"/>
+              </a:spcAft>
+              <a:buClr>
+                <a:schemeClr val="accent1"/>
+              </a:buClr>
+              <a:buSzPts val="2000"/>
+              <a:buFont typeface="Arial"/>
+              <a:buChar char="•"/>
+            </a:pPr>
+            <a:r>
+              <a:rPr lang="ko-KR" altLang="en-US" sz="2000" cap="small" dirty="0">
+                <a:solidFill>
+                  <a:schemeClr val="lt1"/>
+                </a:solidFill>
+                <a:latin typeface="+mn-ea"/>
+                <a:cs typeface="Rockwell"/>
+                <a:sym typeface="Rockwell"/>
+              </a:rPr>
+              <a:t>사용한 금액과 벌금 때문에 후임자 대신 계속 근무한다는 설정</a:t>
+            </a:r>
+            <a:endParaRPr sz="2000" cap="small" dirty="0">
+              <a:solidFill>
+                <a:schemeClr val="lt1"/>
+              </a:solidFill>
+              <a:latin typeface="+mn-ea"/>
               <a:cs typeface="Rockwell"/>
               <a:sym typeface="Rockwell"/>
             </a:endParaRPr>
@@ -18696,7 +19606,7 @@
 </p:sld>
 </file>
 
-<file path=ppt/slides/slide28.xml><?xml version="1.0" encoding="utf-8"?>
+<file path=ppt/slides/slide27.xml><?xml version="1.0" encoding="utf-8"?>
 <p:sld xmlns:a="http://schemas.openxmlformats.org/drawingml/2006/main" xmlns:r="http://schemas.openxmlformats.org/officeDocument/2006/relationships" xmlns:p="http://schemas.openxmlformats.org/presentationml/2006/main">
   <p:cSld>
     <p:spTree>
@@ -18792,9 +19702,115 @@
           </a:bodyPr>
           <a:lstStyle/>
           <a:p>
+            <a:pPr marL="285750" lvl="0" indent="-285750">
+              <a:buClr>
+                <a:schemeClr val="accent1"/>
+              </a:buClr>
+              <a:buSzPts val="2000"/>
+              <a:buFont typeface="Arial"/>
+              <a:buChar char="•"/>
+            </a:pPr>
+            <a:r>
+              <a:rPr lang="ko-KR" altLang="en-US" sz="2000" cap="small" dirty="0">
+                <a:solidFill>
+                  <a:schemeClr val="lt1"/>
+                </a:solidFill>
+                <a:latin typeface="+mn-ea"/>
+                <a:cs typeface="Rockwell"/>
+                <a:sym typeface="Rockwell"/>
+              </a:rPr>
+              <a:t>돈을 다 쓰면 </a:t>
+            </a:r>
+            <a:r>
+              <a:rPr lang="ko-KR" sz="2000" b="1" cap="small" dirty="0">
+                <a:solidFill>
+                  <a:srgbClr val="00B0F0"/>
+                </a:solidFill>
+                <a:latin typeface="+mn-ea"/>
+                <a:cs typeface="Rockwell"/>
+                <a:sym typeface="Rockwell"/>
+              </a:rPr>
+              <a:t>게임오버</a:t>
+            </a:r>
+            <a:r>
+              <a:rPr lang="ko-KR" sz="2000" cap="small" dirty="0">
+                <a:solidFill>
+                  <a:schemeClr val="lt1"/>
+                </a:solidFill>
+                <a:latin typeface="+mn-ea"/>
+                <a:cs typeface="Rockwell"/>
+                <a:sym typeface="Rockwell"/>
+              </a:rPr>
+              <a:t>. 그리고 </a:t>
+            </a:r>
+            <a:r>
+              <a:rPr lang="ko-KR" altLang="en-US" sz="2000" cap="small" dirty="0">
+                <a:solidFill>
+                  <a:schemeClr val="lt1"/>
+                </a:solidFill>
+                <a:latin typeface="+mn-ea"/>
+                <a:cs typeface="Rockwell"/>
+                <a:sym typeface="Rockwell"/>
+              </a:rPr>
+              <a:t>광고를 보면</a:t>
+            </a:r>
+            <a:r>
+              <a:rPr lang="ko-KR" sz="2000" cap="small" dirty="0">
+                <a:solidFill>
+                  <a:schemeClr val="lt1"/>
+                </a:solidFill>
+                <a:latin typeface="+mn-ea"/>
+                <a:cs typeface="Rockwell"/>
+                <a:sym typeface="Rockwell"/>
+              </a:rPr>
+              <a:t> </a:t>
+            </a:r>
+            <a:r>
+              <a:rPr lang="ko-KR" sz="2000" b="1" cap="small" dirty="0">
+                <a:solidFill>
+                  <a:srgbClr val="00B0F0"/>
+                </a:solidFill>
+                <a:latin typeface="+mn-ea"/>
+                <a:cs typeface="Rockwell"/>
+                <a:sym typeface="Rockwell"/>
+              </a:rPr>
+              <a:t>이어하기</a:t>
+            </a:r>
+            <a:r>
+              <a:rPr lang="en-US" altLang="ko-KR" sz="2000" b="1" cap="small" dirty="0">
+                <a:solidFill>
+                  <a:srgbClr val="00B0F0"/>
+                </a:solidFill>
+                <a:latin typeface="+mn-ea"/>
+                <a:cs typeface="Rockwell"/>
+                <a:sym typeface="Rockwell"/>
+              </a:rPr>
+              <a:t> </a:t>
+            </a:r>
+            <a:r>
+              <a:rPr lang="ko-KR" altLang="en-US" sz="2000" cap="small" dirty="0">
+                <a:solidFill>
+                  <a:schemeClr val="lt1"/>
+                </a:solidFill>
+                <a:latin typeface="+mn-ea"/>
+                <a:cs typeface="Rockwell"/>
+                <a:sym typeface="Rockwell"/>
+              </a:rPr>
+              <a:t>가능함</a:t>
+            </a:r>
+            <a:endParaRPr sz="2000" cap="small" dirty="0">
+              <a:solidFill>
+                <a:schemeClr val="lt1"/>
+              </a:solidFill>
+              <a:latin typeface="+mn-ea"/>
+              <a:cs typeface="Rockwell"/>
+              <a:sym typeface="Rockwell"/>
+            </a:endParaRPr>
+          </a:p>
+          <a:p>
             <a:pPr marL="285750" marR="0" lvl="0" indent="-285750" algn="l" rtl="0">
               <a:spcBef>
-                <a:spcPts val="0"/>
+                <a:spcPts val="1000"/>
               </a:spcBef>
               <a:spcAft>
                 <a:spcPts val="0"/>
@@ -18807,153 +19823,93 @@
               <a:buChar char="•"/>
             </a:pPr>
             <a:r>
-              <a:rPr lang="ko-KR" sz="2000" b="1" cap="small">
+              <a:rPr lang="ko-KR" sz="2000" b="1" cap="small" dirty="0">
                 <a:solidFill>
                   <a:srgbClr val="00B0F0"/>
                 </a:solidFill>
-                <a:latin typeface="Rockwell"/>
-                <a:ea typeface="Rockwell"/>
-                <a:cs typeface="Rockwell"/>
-                <a:sym typeface="Rockwell"/>
-              </a:rPr>
-              <a:t>게임오버</a:t>
-            </a:r>
-            <a:r>
-              <a:rPr lang="ko-KR" sz="2000" cap="small">
-                <a:solidFill>
-                  <a:schemeClr val="lt1"/>
-                </a:solidFill>
-                <a:latin typeface="Rockwell"/>
-                <a:ea typeface="Rockwell"/>
-                <a:cs typeface="Rockwell"/>
-                <a:sym typeface="Rockwell"/>
-              </a:rPr>
-              <a:t> 조건. 그리고 게임 </a:t>
-            </a:r>
-            <a:r>
-              <a:rPr lang="ko-KR" sz="2000" b="1" cap="small">
-                <a:solidFill>
-                  <a:srgbClr val="00B0F0"/>
-                </a:solidFill>
-                <a:latin typeface="Rockwell"/>
-                <a:ea typeface="Rockwell"/>
-                <a:cs typeface="Rockwell"/>
-                <a:sym typeface="Rockwell"/>
-              </a:rPr>
-              <a:t>이어하기 </a:t>
-            </a:r>
-            <a:r>
-              <a:rPr lang="ko-KR" sz="2000" cap="small">
-                <a:solidFill>
-                  <a:schemeClr val="lt1"/>
-                </a:solidFill>
-                <a:latin typeface="Rockwell"/>
-                <a:ea typeface="Rockwell"/>
-                <a:cs typeface="Rockwell"/>
-                <a:sym typeface="Rockwell"/>
-              </a:rPr>
-              <a:t>방법</a:t>
-            </a:r>
-            <a:endParaRPr sz="2000" cap="small">
-              <a:solidFill>
-                <a:schemeClr val="lt1"/>
-              </a:solidFill>
-              <a:latin typeface="Rockwell"/>
-              <a:ea typeface="Rockwell"/>
-              <a:cs typeface="Rockwell"/>
-              <a:sym typeface="Rockwell"/>
-            </a:endParaRPr>
-          </a:p>
-          <a:p>
-            <a:pPr marL="285750" marR="0" lvl="0" indent="-285750" algn="l" rtl="0">
-              <a:spcBef>
-                <a:spcPts val="1000"/>
-              </a:spcBef>
-              <a:spcAft>
-                <a:spcPts val="0"/>
-              </a:spcAft>
-              <a:buClr>
-                <a:schemeClr val="accent1"/>
-              </a:buClr>
-              <a:buSzPts val="2000"/>
-              <a:buFont typeface="Arial"/>
-              <a:buChar char="•"/>
-            </a:pPr>
-            <a:r>
-              <a:rPr lang="ko-KR" sz="2000" b="1" cap="small">
-                <a:solidFill>
-                  <a:srgbClr val="00B0F0"/>
-                </a:solidFill>
-                <a:latin typeface="Rockwell"/>
-                <a:ea typeface="Rockwell"/>
+                <a:latin typeface="+mn-ea"/>
                 <a:cs typeface="Rockwell"/>
                 <a:sym typeface="Rockwell"/>
               </a:rPr>
               <a:t>게임 엔딩</a:t>
             </a:r>
             <a:r>
-              <a:rPr lang="ko-KR" sz="2000" b="1" cap="small">
+              <a:rPr lang="ko-KR" sz="2000" b="1" cap="small" dirty="0">
                 <a:solidFill>
                   <a:schemeClr val="lt1"/>
                 </a:solidFill>
-                <a:latin typeface="Rockwell"/>
-                <a:ea typeface="Rockwell"/>
+                <a:latin typeface="+mn-ea"/>
                 <a:cs typeface="Rockwell"/>
                 <a:sym typeface="Rockwell"/>
               </a:rPr>
-              <a:t> 조건. </a:t>
-            </a:r>
-            <a:r>
-              <a:rPr lang="ko-KR" sz="2000" cap="small">
+              <a:t> 조건</a:t>
+            </a:r>
+            <a:r>
+              <a:rPr lang="en-US" altLang="ko-KR" sz="2000" b="1" cap="small" dirty="0">
                 <a:solidFill>
                   <a:schemeClr val="lt1"/>
                 </a:solidFill>
-                <a:latin typeface="Rockwell"/>
-                <a:ea typeface="Rockwell"/>
+                <a:latin typeface="+mn-ea"/>
                 <a:cs typeface="Rockwell"/>
                 <a:sym typeface="Rockwell"/>
               </a:rPr>
-              <a:t>엔딩 장면 요약</a:t>
-            </a:r>
-            <a:endParaRPr sz="2000" cap="small">
+              <a:t> :</a:t>
+            </a:r>
+            <a:r>
+              <a:rPr lang="ko-KR" sz="2000" b="1" cap="small" dirty="0">
+                <a:solidFill>
+                  <a:schemeClr val="lt1"/>
+                </a:solidFill>
+                <a:latin typeface="+mn-ea"/>
+                <a:cs typeface="Rockwell"/>
+                <a:sym typeface="Rockwell"/>
+              </a:rPr>
+              <a:t> </a:t>
+            </a:r>
+            <a:r>
+              <a:rPr lang="ko-KR" altLang="en-US" sz="2000" cap="small" dirty="0">
+                <a:solidFill>
+                  <a:schemeClr val="lt1"/>
+                </a:solidFill>
+                <a:latin typeface="+mn-ea"/>
+                <a:cs typeface="Rockwell"/>
+                <a:sym typeface="Rockwell"/>
+              </a:rPr>
+              <a:t>모든 </a:t>
+            </a:r>
+            <a:r>
+              <a:rPr lang="ko-KR" altLang="en-US" sz="2000" cap="small" dirty="0" err="1">
+                <a:solidFill>
+                  <a:schemeClr val="lt1"/>
+                </a:solidFill>
+                <a:latin typeface="+mn-ea"/>
+                <a:cs typeface="Rockwell"/>
+                <a:sym typeface="Rockwell"/>
+              </a:rPr>
+              <a:t>아이템를</a:t>
+            </a:r>
+            <a:r>
+              <a:rPr lang="ko-KR" altLang="en-US" sz="2000" cap="small" dirty="0">
+                <a:solidFill>
+                  <a:schemeClr val="lt1"/>
+                </a:solidFill>
+                <a:latin typeface="+mn-ea"/>
+                <a:cs typeface="Rockwell"/>
+                <a:sym typeface="Rockwell"/>
+              </a:rPr>
+              <a:t> 구매 후 최종 근무일 이벤트 확인</a:t>
+            </a:r>
+            <a:endParaRPr sz="2000" cap="small" dirty="0">
               <a:solidFill>
                 <a:schemeClr val="lt1"/>
               </a:solidFill>
-              <a:latin typeface="Rockwell"/>
-              <a:ea typeface="Rockwell"/>
+              <a:latin typeface="+mn-ea"/>
               <a:cs typeface="Rockwell"/>
               <a:sym typeface="Rockwell"/>
             </a:endParaRPr>
           </a:p>
         </p:txBody>
       </p:sp>
-      <p:pic>
-        <p:nvPicPr>
-          <p:cNvPr id="314" name="Google Shape;314;p28" descr="https://postfiles.pstatic.net/MjAxOTA0MTdfOTQg/MDAxNTU1NTA5MzI2NDUy.x8LKbf4L-Jd_cuLFVaHXEdqg-YpH3ZOJZ7gA7-QJcT0g.m1ZEGLR8i1_qg6YoYwbUU2v7iYThdfYna0Vq9KdvNMog.JPEG.jconan/youtube_com_20190417_195231.jpg?type=w580"/>
-          <p:cNvPicPr preferRelativeResize="0"/>
-          <p:nvPr/>
-        </p:nvPicPr>
-        <p:blipFill rotWithShape="1">
-          <a:blip r:embed="rId3">
-            <a:alphaModFix/>
-          </a:blip>
-          <a:srcRect/>
-          <a:stretch/>
-        </p:blipFill>
-        <p:spPr>
-          <a:xfrm>
-            <a:off x="8047722" y="1433031"/>
-            <a:ext cx="2943019" cy="3363451"/>
-          </a:xfrm>
-          <a:prstGeom prst="rect">
-            <a:avLst/>
-          </a:prstGeom>
-          <a:noFill/>
-          <a:ln>
-            <a:noFill/>
-          </a:ln>
-        </p:spPr>
-      </p:pic>
       <p:pic>
         <p:nvPicPr>
           <p:cNvPr id="315" name="Google Shape;315;p28"/>
@@ -18961,7 +19917,7 @@
           <p:nvPr/>
         </p:nvPicPr>
         <p:blipFill rotWithShape="1">
-          <a:blip r:embed="rId4">
+          <a:blip r:embed="rId3">
             <a:alphaModFix/>
           </a:blip>
           <a:srcRect t="9417" b="23913"/>
@@ -18988,7 +19944,7 @@
           <p:nvPr/>
         </p:nvPicPr>
         <p:blipFill rotWithShape="1">
-          <a:blip r:embed="rId5">
+          <a:blip r:embed="rId4">
             <a:alphaModFix/>
           </a:blip>
           <a:srcRect t="10314" b="30603"/>
@@ -19065,6 +20021,185 @@
           </a:p>
         </p:txBody>
       </p:sp>
+      <p:pic>
+        <p:nvPicPr>
+          <p:cNvPr id="9" name="Google Shape;224;p18">
+            <a:extLst>
+              <a:ext uri="{FF2B5EF4-FFF2-40B4-BE49-F238E27FC236}">
+                <a16:creationId xmlns:a16="http://schemas.microsoft.com/office/drawing/2014/main" id="{B44BA799-46E0-446D-B691-C238A6177235}"/>
+              </a:ext>
+            </a:extLst>
+          </p:cNvPr>
+          <p:cNvPicPr preferRelativeResize="0"/>
+          <p:nvPr/>
+        </p:nvPicPr>
+        <p:blipFill rotWithShape="1">
+          <a:blip r:embed="rId5">
+            <a:alphaModFix/>
+          </a:blip>
+          <a:srcRect t="15953" b="43717"/>
+          <a:stretch/>
+        </p:blipFill>
+        <p:spPr>
+          <a:xfrm>
+            <a:off x="1303397" y="1877036"/>
+            <a:ext cx="2186381" cy="1175657"/>
+          </a:xfrm>
+          <a:prstGeom prst="rect">
+            <a:avLst/>
+          </a:prstGeom>
+          <a:noFill/>
+          <a:ln>
+            <a:noFill/>
+          </a:ln>
+        </p:spPr>
+      </p:pic>
+      <p:pic>
+        <p:nvPicPr>
+          <p:cNvPr id="11" name="Picture 2" descr="Download Koala Bear Cartoon Crying - Full Size PNG Image - PNGkit">
+            <a:extLst>
+              <a:ext uri="{FF2B5EF4-FFF2-40B4-BE49-F238E27FC236}">
+                <a16:creationId xmlns:a16="http://schemas.microsoft.com/office/drawing/2014/main" id="{77C6371B-59BA-4D16-800F-02E2918A7326}"/>
+              </a:ext>
+            </a:extLst>
+          </p:cNvPr>
+          <p:cNvPicPr>
+            <a:picLocks noChangeAspect="1" noChangeArrowheads="1"/>
+          </p:cNvPicPr>
+          <p:nvPr/>
+        </p:nvPicPr>
+        <p:blipFill>
+          <a:blip r:embed="rId6">
+            <a:extLst>
+              <a:ext uri="{28A0092B-C50C-407E-A947-70E740481C1C}">
+                <a14:useLocalDpi xmlns:a14="http://schemas.microsoft.com/office/drawing/2010/main" val="0"/>
+              </a:ext>
+            </a:extLst>
+          </a:blip>
+          <a:srcRect/>
+          <a:stretch>
+            <a:fillRect/>
+          </a:stretch>
+        </p:blipFill>
+        <p:spPr bwMode="auto">
+          <a:xfrm>
+            <a:off x="5416896" y="3429000"/>
+            <a:ext cx="1703890" cy="1602237"/>
+          </a:xfrm>
+          <a:prstGeom prst="rect">
+            <a:avLst/>
+          </a:prstGeom>
+          <a:noFill/>
+          <a:extLst>
+            <a:ext uri="{909E8E84-426E-40DD-AFC4-6F175D3DCCD1}">
+              <a14:hiddenFill xmlns:a14="http://schemas.microsoft.com/office/drawing/2010/main">
+                <a:solidFill>
+                  <a:srgbClr val="FFFFFF"/>
+                </a:solidFill>
+              </a14:hiddenFill>
+            </a:ext>
+          </a:extLst>
+        </p:spPr>
+      </p:pic>
+      <p:pic>
+        <p:nvPicPr>
+          <p:cNvPr id="12" name="Picture 2" descr="안경과 배낭을 멘 코알라가 책을 들고 있습니다. | 프리미엄 사진">
+            <a:extLst>
+              <a:ext uri="{FF2B5EF4-FFF2-40B4-BE49-F238E27FC236}">
+                <a16:creationId xmlns:a16="http://schemas.microsoft.com/office/drawing/2014/main" id="{6402413E-BEA5-4D37-97CF-39C2EFA8BB63}"/>
+              </a:ext>
+            </a:extLst>
+          </p:cNvPr>
+          <p:cNvPicPr>
+            <a:picLocks noChangeAspect="1" noChangeArrowheads="1"/>
+          </p:cNvPicPr>
+          <p:nvPr/>
+        </p:nvPicPr>
+        <p:blipFill rotWithShape="1">
+          <a:blip r:embed="rId7">
+            <a:extLst>
+              <a:ext uri="{28A0092B-C50C-407E-A947-70E740481C1C}">
+                <a14:useLocalDpi xmlns:a14="http://schemas.microsoft.com/office/drawing/2010/main" val="0"/>
+              </a:ext>
+            </a:extLst>
+          </a:blip>
+          <a:srcRect l="17284" t="9727" r="18307" b="9652"/>
+          <a:stretch/>
+        </p:blipFill>
+        <p:spPr bwMode="auto">
+          <a:xfrm>
+            <a:off x="8423609" y="1946816"/>
+            <a:ext cx="2357013" cy="2950275"/>
+          </a:xfrm>
+          <a:prstGeom prst="rect">
+            <a:avLst/>
+          </a:prstGeom>
+          <a:noFill/>
+          <a:extLst>
+            <a:ext uri="{909E8E84-426E-40DD-AFC4-6F175D3DCCD1}">
+              <a14:hiddenFill xmlns:a14="http://schemas.microsoft.com/office/drawing/2010/main">
+                <a:solidFill>
+                  <a:srgbClr val="FFFFFF"/>
+                </a:solidFill>
+              </a14:hiddenFill>
+            </a:ext>
+          </a:extLst>
+        </p:spPr>
+      </p:pic>
+      <p:sp>
+        <p:nvSpPr>
+          <p:cNvPr id="2" name="직사각형 1">
+            <a:extLst>
+              <a:ext uri="{FF2B5EF4-FFF2-40B4-BE49-F238E27FC236}">
+                <a16:creationId xmlns:a16="http://schemas.microsoft.com/office/drawing/2014/main" id="{6D258837-6B9D-426C-B5C8-E664DC307D48}"/>
+              </a:ext>
+            </a:extLst>
+          </p:cNvPr>
+          <p:cNvSpPr/>
+          <p:nvPr/>
+        </p:nvSpPr>
+        <p:spPr>
+          <a:xfrm>
+            <a:off x="8423609" y="1405220"/>
+            <a:ext cx="2357013" cy="538891"/>
+          </a:xfrm>
+          <a:prstGeom prst="rect">
+            <a:avLst/>
+          </a:prstGeom>
+        </p:spPr>
+        <p:style>
+          <a:lnRef idx="2">
+            <a:schemeClr val="accent1">
+              <a:shade val="50000"/>
+            </a:schemeClr>
+          </a:lnRef>
+          <a:fillRef idx="1">
+            <a:schemeClr val="accent1"/>
+          </a:fillRef>
+          <a:effectRef idx="0">
+            <a:schemeClr val="accent1"/>
+          </a:effectRef>
+          <a:fontRef idx="minor">
+            <a:schemeClr val="lt1"/>
+          </a:fontRef>
+        </p:style>
+        <p:txBody>
+          <a:bodyPr rtlCol="0" anchor="ctr"/>
+          <a:lstStyle/>
+          <a:p>
+            <a:pPr algn="ctr"/>
+            <a:r>
+              <a:rPr lang="ko-KR" altLang="en-US" b="1" dirty="0"/>
+              <a:t>결국 저주는 어떻게</a:t>
+            </a:r>
+            <a:r>
+              <a:rPr lang="en-US" altLang="ko-KR" b="1" dirty="0"/>
+              <a:t>?</a:t>
+            </a:r>
+            <a:endParaRPr lang="ko-KR" altLang="en-US" b="1" dirty="0"/>
+          </a:p>
+        </p:txBody>
+      </p:sp>
     </p:spTree>
   </p:cSld>
   <p:clrMapOvr>
@@ -19073,7 +20208,7 @@
 </p:sld>
 </file>
 
-<file path=ppt/slides/slide29.xml><?xml version="1.0" encoding="utf-8"?>
+<file path=ppt/slides/slide28.xml><?xml version="1.0" encoding="utf-8"?>
 <p:sld xmlns:a="http://schemas.openxmlformats.org/drawingml/2006/main" xmlns:r="http://schemas.openxmlformats.org/officeDocument/2006/relationships" xmlns:p="http://schemas.openxmlformats.org/presentationml/2006/main">
   <p:cSld>
     <p:spTree>
@@ -19133,10 +20268,18 @@
               <a:buNone/>
             </a:pPr>
             <a:r>
-              <a:rPr lang="ko-KR"/>
-              <a:t>퀘스트 보드 기획 요약</a:t>
-            </a:r>
-            <a:endParaRPr/>
+              <a:rPr lang="ko-KR" dirty="0"/>
+              <a:t>퀘스트 보드 기획</a:t>
+            </a:r>
+            <a:r>
+              <a:rPr lang="ko-KR" altLang="en-US" dirty="0"/>
+              <a:t>서</a:t>
+            </a:r>
+            <a:r>
+              <a:rPr lang="ko-KR" dirty="0"/>
+              <a:t> 요약</a:t>
+            </a:r>
+            <a:endParaRPr dirty="0"/>
           </a:p>
         </p:txBody>
       </p:sp>
@@ -19183,19 +20326,27 @@
               <a:buChar char="•"/>
             </a:pPr>
             <a:r>
-              <a:rPr lang="ko-KR"/>
+              <a:rPr lang="ko-KR" dirty="0"/>
               <a:t>1. 제목 :  </a:t>
             </a:r>
             <a:r>
-              <a:rPr lang="ko-KR" b="1"/>
+              <a:rPr lang="ko-KR" b="1" dirty="0"/>
               <a:t>“퀘스트 보드”</a:t>
             </a:r>
             <a:r>
-              <a:rPr lang="ko-KR"/>
-              <a:t>(경영 </a:t>
-            </a:r>
-            <a:r>
-              <a:rPr lang="ko-KR" b="1">
+              <a:rPr lang="ko-KR" dirty="0"/>
+              <a:t>(</a:t>
+            </a:r>
+            <a:r>
+              <a:rPr lang="ko-KR" altLang="en-US" dirty="0"/>
+              <a:t>인벤토리 </a:t>
+            </a:r>
+            <a:r>
+              <a:rPr lang="ko-KR" dirty="0"/>
+              <a:t>경영 </a:t>
+            </a:r>
+            <a:r>
+              <a:rPr lang="ko-KR" b="1" dirty="0" err="1">
                 <a:solidFill>
                   <a:srgbClr val="00B0F0"/>
                 </a:solidFill>
@@ -19203,10 +20354,10 @@
               <a:t>타이쿤</a:t>
             </a:r>
             <a:r>
-              <a:rPr lang="ko-KR"/>
+              <a:rPr lang="ko-KR" dirty="0"/>
               <a:t>)</a:t>
             </a:r>
-            <a:endParaRPr/>
+            <a:endParaRPr dirty="0"/>
           </a:p>
           <a:p>
             <a:pPr marL="228600" lvl="0" indent="-228600" algn="l" rtl="0">
@@ -19223,18 +20374,26 @@
               <a:buChar char="•"/>
             </a:pPr>
             <a:r>
-              <a:rPr lang="ko-KR"/>
+              <a:rPr lang="ko-KR" dirty="0"/>
               <a:t>2. 플랫폼 : </a:t>
             </a:r>
             <a:r>
-              <a:rPr lang="ko-KR" b="1"/>
+              <a:rPr lang="ko-KR" altLang="en-US" dirty="0"/>
+              <a:t>터치기반의 </a:t>
+            </a:r>
+            <a:r>
+              <a:rPr lang="ko-KR" b="1" dirty="0"/>
               <a:t>스마트폰</a:t>
             </a:r>
             <a:r>
-              <a:rPr lang="ko-KR"/>
-              <a:t> 및 멀티 플랫폼 지원 (PC, 웹, 콘솔)</a:t>
-            </a:r>
-            <a:endParaRPr/>
+              <a:rPr lang="ko-KR" dirty="0"/>
+              <a:t> 및 </a:t>
+            </a:r>
+            <a:r>
+              <a:rPr lang="ko-KR" altLang="en-US" dirty="0" err="1"/>
+              <a:t>테블릿</a:t>
+            </a:r>
+            <a:endParaRPr dirty="0"/>
           </a:p>
           <a:p>
             <a:pPr marL="228600" lvl="0" indent="-228600" algn="l" rtl="0">
@@ -19251,10 +20410,42 @@
               <a:buChar char="•"/>
             </a:pPr>
             <a:r>
-              <a:rPr lang="ko-KR"/>
-              <a:t>3. 대상 타켓팅 : 전체 이용가 (타이쿤 매니아, 활자 중독자)</a:t>
-            </a:r>
-            <a:endParaRPr/>
+              <a:rPr lang="ko-KR" dirty="0"/>
+              <a:t>3. 대상 </a:t>
+            </a:r>
+            <a:r>
+              <a:rPr lang="ko-KR" dirty="0" err="1"/>
+              <a:t>타켓팅</a:t>
+            </a:r>
+            <a:r>
+              <a:rPr lang="ko-KR" dirty="0"/>
+              <a:t> : 전체 </a:t>
+            </a:r>
+            <a:r>
+              <a:rPr lang="ko-KR" dirty="0" err="1"/>
+              <a:t>이용가</a:t>
+            </a:r>
+            <a:r>
+              <a:rPr lang="ko-KR" dirty="0"/>
+              <a:t> (</a:t>
+            </a:r>
+            <a:r>
+              <a:rPr lang="ko-KR" dirty="0" err="1"/>
+              <a:t>타이쿤</a:t>
+            </a:r>
+            <a:r>
+              <a:rPr lang="ko-KR" dirty="0"/>
+              <a:t> 매니아, </a:t>
+            </a:r>
+            <a:r>
+              <a:rPr lang="ko-KR" altLang="en-US" dirty="0"/>
+              <a:t>터치 게임 애호가</a:t>
+            </a:r>
+            <a:r>
+              <a:rPr lang="ko-KR" dirty="0"/>
+              <a:t>)</a:t>
+            </a:r>
+            <a:endParaRPr dirty="0"/>
           </a:p>
           <a:p>
             <a:pPr marL="228600" lvl="0" indent="-228600" algn="l" rtl="0">
@@ -19271,10 +20462,14 @@
               <a:buChar char="•"/>
             </a:pPr>
             <a:r>
-              <a:rPr lang="ko-KR"/>
-              <a:t>4. 기획 의도 : 의뢰 게시판 시스템의 일부 구현</a:t>
-            </a:r>
-            <a:endParaRPr/>
+              <a:rPr lang="ko-KR" dirty="0"/>
+              <a:t>4. 기획 의도 : </a:t>
+            </a:r>
+            <a:r>
+              <a:rPr lang="ko-KR" altLang="en-US" dirty="0"/>
+              <a:t>인벤토리 시스템 모듈화 후 게임 확장성을 고려함</a:t>
+            </a:r>
+            <a:endParaRPr dirty="0"/>
           </a:p>
           <a:p>
             <a:pPr marL="228600" lvl="0" indent="-228600" algn="l" rtl="0">
@@ -19291,10 +20486,30 @@
               <a:buChar char="•"/>
             </a:pPr>
             <a:r>
-              <a:rPr lang="ko-KR"/>
-              <a:t>5. 비즈니스 모델 : 애드웨어 방식의 광고 노출 및 콜라보를 통한 게임 후원</a:t>
-            </a:r>
-            <a:endParaRPr/>
+              <a:rPr lang="ko-KR" dirty="0"/>
+              <a:t>5. 비즈니스 모델 : </a:t>
+            </a:r>
+            <a:r>
+              <a:rPr lang="ko-KR" dirty="0" err="1"/>
+              <a:t>애드웨어</a:t>
+            </a:r>
+            <a:r>
+              <a:rPr lang="ko-KR" dirty="0"/>
+              <a:t> 방식의 광고 노출 및 </a:t>
+            </a:r>
+            <a:r>
+              <a:rPr lang="ko-KR" altLang="en-US" dirty="0"/>
+              <a:t>게임 후원사와 </a:t>
+            </a:r>
+            <a:r>
+              <a:rPr lang="ko-KR" altLang="en-US" dirty="0" err="1"/>
+              <a:t>콜라보</a:t>
+            </a:r>
+            <a:r>
+              <a:rPr lang="ko-KR" altLang="en-US" dirty="0"/>
+              <a:t> 콘텐츠</a:t>
+            </a:r>
+            <a:endParaRPr dirty="0"/>
           </a:p>
           <a:p>
             <a:pPr marL="228600" lvl="0" indent="-228600" algn="l" rtl="0">
@@ -19311,10 +20526,26 @@
               <a:buChar char="•"/>
             </a:pPr>
             <a:r>
-              <a:rPr lang="ko-KR"/>
-              <a:t>6. 개발계획 : 주간회의 및 일정 작성표 확인</a:t>
-            </a:r>
-            <a:endParaRPr/>
+              <a:rPr lang="ko-KR" dirty="0"/>
+              <a:t>6. 개발계획 : 주간</a:t>
+            </a:r>
+            <a:r>
+              <a:rPr lang="ko-KR" altLang="en-US" dirty="0"/>
+              <a:t>점검</a:t>
+            </a:r>
+            <a:r>
+              <a:rPr lang="ko-KR" dirty="0"/>
+              <a:t> 및 일정 </a:t>
+            </a:r>
+            <a:r>
+              <a:rPr lang="ko-KR" dirty="0" err="1"/>
+              <a:t>작성표</a:t>
+            </a:r>
+            <a:r>
+              <a:rPr lang="ko-KR" dirty="0"/>
+              <a:t> 확인</a:t>
+            </a:r>
+            <a:endParaRPr dirty="0"/>
           </a:p>
           <a:p>
             <a:pPr marL="228600" lvl="0" indent="-228600" algn="l" rtl="0">
@@ -19331,24 +20562,72 @@
               <a:buChar char="•"/>
             </a:pPr>
             <a:r>
+              <a:rPr lang="ko-KR" dirty="0"/>
+              <a:t>7. </a:t>
+            </a:r>
+            <a:r>
+              <a:rPr lang="ko-KR" dirty="0" err="1"/>
+              <a:t>How</a:t>
+            </a:r>
+            <a:r>
+              <a:rPr lang="ko-KR" dirty="0"/>
+              <a:t> </a:t>
+            </a:r>
+            <a:r>
+              <a:rPr lang="ko-KR" dirty="0" err="1"/>
+              <a:t>to</a:t>
+            </a:r>
+            <a:r>
+              <a:rPr lang="ko-KR" dirty="0"/>
+              <a:t> </a:t>
+            </a:r>
+            <a:r>
+              <a:rPr lang="ko-KR" dirty="0" err="1"/>
+              <a:t>Play</a:t>
+            </a:r>
+            <a:r>
+              <a:rPr lang="ko-KR" dirty="0"/>
+              <a:t> </a:t>
+            </a:r>
+            <a:br>
+              <a:rPr lang="ko-KR" dirty="0"/>
+            </a:br>
+            <a:r>
+              <a:rPr lang="ko-KR" dirty="0"/>
+              <a:t> </a:t>
+            </a:r>
+            <a:r>
               <a:rPr lang="ko-KR"/>
-              <a:t>7. How to Play </a:t>
+              <a:t>- </a:t>
+            </a:r>
+            <a:r>
+              <a:rPr lang="ko-KR" altLang="en-US"/>
+              <a:t>인벤토리 정리 </a:t>
+            </a:r>
+            <a:r>
+              <a:rPr lang="ko-KR"/>
+              <a:t>콘텐츠를 </a:t>
+            </a:r>
+            <a:r>
+              <a:rPr lang="ko-KR" dirty="0"/>
+              <a:t>터치 방식으로 즐길 수 있는 게임</a:t>
             </a:r>
             <a:br>
-              <a:rPr lang="ko-KR"/>
+              <a:rPr lang="ko-KR" dirty="0"/>
             </a:br>
             <a:r>
-              <a:rPr lang="ko-KR"/>
-              <a:t> - 라이트노벨을 읽듯, 콘텐츠를 터치 방식으로 즐길 수 있는 게임</a:t>
-            </a:r>
-            <a:br>
-              <a:rPr lang="ko-KR"/>
-            </a:br>
-            <a:r>
-              <a:rPr lang="ko-KR"/>
-              <a:t> - 조건에 맞춰 의뢰내용을 게시판에 정리하는 게임</a:t>
-            </a:r>
-            <a:endParaRPr/>
+              <a:rPr lang="ko-KR" dirty="0"/>
+              <a:t> - 조건에 맞춰 </a:t>
+            </a:r>
+            <a:r>
+              <a:rPr lang="ko-KR" altLang="en-US" dirty="0"/>
+              <a:t>퀘스트 보드에 서류를 </a:t>
+            </a:r>
+            <a:r>
+              <a:rPr lang="ko-KR" dirty="0"/>
+              <a:t>정리하는 게임</a:t>
+            </a:r>
+            <a:endParaRPr dirty="0"/>
           </a:p>
           <a:p>
             <a:pPr marL="228600" lvl="0" indent="-228600" algn="l" rtl="0">
@@ -19365,10 +20644,10 @@
               <a:buChar char="•"/>
             </a:pPr>
             <a:r>
-              <a:rPr lang="ko-KR"/>
+              <a:rPr lang="ko-KR" dirty="0"/>
               <a:t>8. 질문?</a:t>
             </a:r>
-            <a:endParaRPr/>
+            <a:endParaRPr dirty="0"/>
           </a:p>
         </p:txBody>
       </p:sp>
@@ -19491,7 +20770,15 @@
             </a:pPr>
             <a:r>
               <a:rPr lang="ko-KR" dirty="0"/>
-              <a:t>장르 : 경영 </a:t>
+              <a:t>장르 : </a:t>
+            </a:r>
+            <a:r>
+              <a:rPr lang="ko-KR" altLang="en-US" dirty="0"/>
+              <a:t>인벤토리형 </a:t>
+            </a:r>
+            <a:r>
+              <a:rPr lang="ko-KR" dirty="0"/>
+              <a:t>경영 </a:t>
             </a:r>
             <a:r>
               <a:rPr lang="ko-KR" dirty="0" err="1"/>
@@ -19526,6 +20813,292 @@
           <a:chExt cx="0" cy="0"/>
         </a:xfrm>
       </p:grpSpPr>
+      <p:sp>
+        <p:nvSpPr>
+          <p:cNvPr id="110" name="Google Shape;110;p4"/>
+          <p:cNvSpPr txBox="1">
+            <a:spLocks noGrp="1"/>
+          </p:cNvSpPr>
+          <p:nvPr>
+            <p:ph type="title"/>
+          </p:nvPr>
+        </p:nvSpPr>
+        <p:spPr>
+          <a:prstGeom prst="rect">
+            <a:avLst/>
+          </a:prstGeom>
+          <a:noFill/>
+          <a:ln>
+            <a:noFill/>
+          </a:ln>
+        </p:spPr>
+        <p:txBody>
+          <a:bodyPr spcFirstLastPara="1" wrap="square" lIns="91425" tIns="45700" rIns="91425" bIns="45700" anchor="ctr" anchorCtr="0">
+            <a:normAutofit/>
+          </a:bodyPr>
+          <a:lstStyle/>
+          <a:p>
+            <a:pPr marL="0" lvl="0" indent="0" algn="ctr" rtl="0">
+              <a:lnSpc>
+                <a:spcPct val="90000"/>
+              </a:lnSpc>
+              <a:spcBef>
+                <a:spcPts val="0"/>
+              </a:spcBef>
+              <a:spcAft>
+                <a:spcPts val="0"/>
+              </a:spcAft>
+              <a:buClr>
+                <a:schemeClr val="accent1"/>
+              </a:buClr>
+              <a:buSzPts val="3200"/>
+              <a:buFont typeface="Rockwell"/>
+              <a:buNone/>
+            </a:pPr>
+            <a:r>
+              <a:rPr lang="ko-KR" sz="3600" b="1" dirty="0"/>
+              <a:t>퀘스트 보드 </a:t>
+            </a:r>
+            <a:r>
+              <a:rPr lang="ko-KR" dirty="0"/>
+              <a:t>(의뢰 게시판)</a:t>
+            </a:r>
+            <a:endParaRPr sz="3600" dirty="0"/>
+          </a:p>
+        </p:txBody>
+      </p:sp>
+      <p:sp>
+        <p:nvSpPr>
+          <p:cNvPr id="111" name="Google Shape;111;p4"/>
+          <p:cNvSpPr txBox="1">
+            <a:spLocks noGrp="1"/>
+          </p:cNvSpPr>
+          <p:nvPr>
+            <p:ph idx="1"/>
+          </p:nvPr>
+        </p:nvSpPr>
+        <p:spPr>
+          <a:xfrm>
+            <a:off x="1141413" y="2080470"/>
+            <a:ext cx="9905998" cy="4167929"/>
+          </a:xfrm>
+          <a:prstGeom prst="rect">
+            <a:avLst/>
+          </a:prstGeom>
+          <a:noFill/>
+          <a:ln>
+            <a:noFill/>
+          </a:ln>
+        </p:spPr>
+        <p:txBody>
+          <a:bodyPr spcFirstLastPara="1" wrap="square" lIns="91425" tIns="45700" rIns="91425" bIns="45700" anchor="t" anchorCtr="0">
+            <a:normAutofit/>
+          </a:bodyPr>
+          <a:lstStyle/>
+          <a:p>
+            <a:pPr marL="228600" lvl="0" indent="-101600" algn="l" rtl="0">
+              <a:lnSpc>
+                <a:spcPct val="120000"/>
+              </a:lnSpc>
+              <a:spcBef>
+                <a:spcPts val="0"/>
+              </a:spcBef>
+              <a:spcAft>
+                <a:spcPts val="0"/>
+              </a:spcAft>
+              <a:buSzPts val="2000"/>
+              <a:buNone/>
+            </a:pPr>
+            <a:endParaRPr dirty="0"/>
+          </a:p>
+          <a:p>
+            <a:pPr marL="228600" lvl="0" indent="-228600" algn="l" rtl="0">
+              <a:lnSpc>
+                <a:spcPct val="120000"/>
+              </a:lnSpc>
+              <a:spcBef>
+                <a:spcPts val="1000"/>
+              </a:spcBef>
+              <a:spcAft>
+                <a:spcPts val="0"/>
+              </a:spcAft>
+              <a:buSzPts val="2000"/>
+              <a:buChar char="•"/>
+            </a:pPr>
+            <a:r>
+              <a:rPr lang="ko-KR" dirty="0"/>
+              <a:t>장르 :</a:t>
+            </a:r>
+            <a:r>
+              <a:rPr lang="en-US" altLang="ko-KR" dirty="0"/>
+              <a:t> </a:t>
+            </a:r>
+            <a:r>
+              <a:rPr lang="ko-KR" altLang="en-US" dirty="0"/>
+              <a:t>인벤토리형</a:t>
+            </a:r>
+            <a:r>
+              <a:rPr lang="ko-KR" dirty="0"/>
+              <a:t> 경영 </a:t>
+            </a:r>
+            <a:r>
+              <a:rPr lang="ko-KR" dirty="0" err="1"/>
+              <a:t>타이쿤</a:t>
+            </a:r>
+            <a:br>
+              <a:rPr lang="ko-KR" dirty="0"/>
+            </a:br>
+            <a:r>
+              <a:rPr lang="ko-KR" dirty="0"/>
+              <a:t>- </a:t>
+            </a:r>
+            <a:r>
+              <a:rPr lang="ko-KR" altLang="en-US" dirty="0"/>
+              <a:t>인벤토리형 퀘스트 보드 관리</a:t>
+            </a:r>
+            <a:br>
+              <a:rPr lang="ko-KR" dirty="0"/>
+            </a:br>
+            <a:r>
+              <a:rPr lang="ko-KR" dirty="0"/>
+              <a:t>- 조건에 맞춰 </a:t>
+            </a:r>
+            <a:r>
+              <a:rPr lang="ko-KR" altLang="en-US" dirty="0"/>
+              <a:t>퀘스트 서류 정리</a:t>
+            </a:r>
+            <a:br>
+              <a:rPr lang="en-US" altLang="ko-KR" dirty="0"/>
+            </a:br>
+            <a:r>
+              <a:rPr lang="en-US" altLang="ko-KR" dirty="0"/>
+              <a:t>- </a:t>
+            </a:r>
+            <a:r>
+              <a:rPr lang="ko-KR" altLang="en-US" dirty="0"/>
+              <a:t>퀘스트 보드 부서의 고유임무</a:t>
+            </a:r>
+            <a:endParaRPr lang="en-US" altLang="ko-KR" dirty="0"/>
+          </a:p>
+          <a:p>
+            <a:pPr marL="228600" lvl="0" indent="-228600" algn="l" rtl="0">
+              <a:lnSpc>
+                <a:spcPct val="120000"/>
+              </a:lnSpc>
+              <a:spcBef>
+                <a:spcPts val="1000"/>
+              </a:spcBef>
+              <a:spcAft>
+                <a:spcPts val="0"/>
+              </a:spcAft>
+              <a:buSzPts val="2000"/>
+              <a:buChar char="•"/>
+            </a:pPr>
+            <a:endParaRPr dirty="0"/>
+          </a:p>
+          <a:p>
+            <a:pPr marL="228600" lvl="0" indent="-228600" algn="l" rtl="0">
+              <a:lnSpc>
+                <a:spcPct val="120000"/>
+              </a:lnSpc>
+              <a:spcBef>
+                <a:spcPts val="1000"/>
+              </a:spcBef>
+              <a:spcAft>
+                <a:spcPts val="0"/>
+              </a:spcAft>
+              <a:buSzPts val="2000"/>
+              <a:buChar char="•"/>
+            </a:pPr>
+            <a:r>
+              <a:rPr lang="ko-KR" dirty="0"/>
+              <a:t>“퀘스트 보드” </a:t>
+            </a:r>
+            <a:r>
+              <a:rPr lang="ko-KR" altLang="en-US" dirty="0"/>
+              <a:t>게임 </a:t>
+            </a:r>
+            <a:r>
+              <a:rPr lang="ko-KR" dirty="0"/>
+              <a:t>배경</a:t>
+            </a:r>
+            <a:br>
+              <a:rPr lang="ko-KR" dirty="0"/>
+            </a:br>
+            <a:r>
+              <a:rPr lang="ko-KR" dirty="0"/>
+              <a:t>- </a:t>
+            </a:r>
+            <a:r>
+              <a:rPr lang="ko-KR" altLang="en-US" dirty="0"/>
+              <a:t>주인공 코알라의</a:t>
+            </a:r>
+            <a:r>
+              <a:rPr lang="en-US" altLang="ko-KR" dirty="0"/>
+              <a:t> </a:t>
+            </a:r>
+            <a:r>
+              <a:rPr lang="ko-KR" altLang="en-US" dirty="0"/>
+              <a:t>저주를 풀려면 돈이 되는 일자리가 필요</a:t>
+            </a:r>
+            <a:br>
+              <a:rPr lang="en-US" altLang="ko-KR" dirty="0"/>
+            </a:br>
+            <a:r>
+              <a:rPr lang="en-US" altLang="ko-KR" dirty="0"/>
+              <a:t>- </a:t>
+            </a:r>
+            <a:r>
+              <a:rPr lang="ko-KR" altLang="en-US" dirty="0"/>
+              <a:t>퀘스트 보드 구석에 급구 서류를 보고</a:t>
+            </a:r>
+            <a:r>
+              <a:rPr lang="en-US" altLang="ko-KR" dirty="0"/>
+              <a:t>, </a:t>
+            </a:r>
+            <a:r>
+              <a:rPr lang="ko-KR" altLang="en-US" dirty="0"/>
+              <a:t>관리자가 되었다</a:t>
+            </a:r>
+            <a:r>
+              <a:rPr lang="en-US" altLang="ko-KR" dirty="0"/>
+              <a:t>.</a:t>
+            </a:r>
+            <a:br>
+              <a:rPr lang="ko-KR" dirty="0"/>
+            </a:br>
+            <a:r>
+              <a:rPr lang="ko-KR" dirty="0"/>
+              <a:t>- </a:t>
+            </a:r>
+            <a:r>
+              <a:rPr lang="ko-KR" altLang="en-US" dirty="0"/>
+              <a:t>과연 코알라는</a:t>
+            </a:r>
+            <a:r>
+              <a:rPr lang="en-US" altLang="ko-KR" dirty="0"/>
+              <a:t> </a:t>
+            </a:r>
+            <a:r>
+              <a:rPr lang="ko-KR" altLang="en-US" dirty="0"/>
+              <a:t>돈을 벌고</a:t>
+            </a:r>
+            <a:r>
+              <a:rPr lang="en-US" altLang="ko-KR" dirty="0"/>
+              <a:t>, </a:t>
+            </a:r>
+            <a:r>
+              <a:rPr lang="ko-KR" altLang="en-US" dirty="0"/>
+              <a:t>저주도 풀 수 있을까</a:t>
+            </a:r>
+            <a:r>
+              <a:rPr lang="en-US" altLang="ko-KR" dirty="0"/>
+              <a:t>?</a:t>
+            </a:r>
+            <a:endParaRPr dirty="0"/>
+          </a:p>
+        </p:txBody>
+      </p:sp>
       <p:grpSp>
         <p:nvGrpSpPr>
           <p:cNvPr id="5" name="그룹 4">
@@ -19593,8 +21166,8 @@
           </p:nvSpPr>
           <p:spPr>
             <a:xfrm>
-              <a:off x="7574032" y="2312178"/>
-              <a:ext cx="3302507" cy="954107"/>
+              <a:off x="7614911" y="2312178"/>
+              <a:ext cx="3220753" cy="954107"/>
             </a:xfrm>
             <a:prstGeom prst="rect">
               <a:avLst/>
@@ -19613,23 +21186,7 @@
                     <a:srgbClr val="FF0000"/>
                   </a:solidFill>
                 </a:rPr>
-                <a:t>의뢰</a:t>
-              </a:r>
-              <a:r>
-                <a:rPr lang="ko-KR" altLang="en-US" sz="2800" b="1" dirty="0">
-                  <a:solidFill>
-                    <a:srgbClr val="FF0000"/>
-                  </a:solidFill>
-                </a:rPr>
-                <a:t>서</a:t>
-              </a:r>
-              <a:r>
-                <a:rPr lang="ko-KR" altLang="ko-KR" sz="2800" b="1" dirty="0">
-                  <a:solidFill>
-                    <a:srgbClr val="FF0000"/>
-                  </a:solidFill>
-                </a:rPr>
-                <a:t> 발주 및</a:t>
+                <a:t>급</a:t>
               </a:r>
               <a:r>
                 <a:rPr lang="en-US" altLang="ko-KR" sz="2800" b="1" dirty="0">
@@ -19638,6 +21195,14 @@
                   </a:solidFill>
                 </a:rPr>
                 <a:t> </a:t>
+              </a:r>
+              <a:r>
+                <a:rPr lang="ko-KR" altLang="ko-KR" sz="2800" b="1" dirty="0">
+                  <a:solidFill>
+                    <a:srgbClr val="FF0000"/>
+                  </a:solidFill>
+                </a:rPr>
+                <a:t>구</a:t>
               </a:r>
               <a:br>
                 <a:rPr lang="en-US" altLang="ko-KR" sz="2800" b="1" dirty="0">
@@ -19652,21 +21217,8 @@
                     <a:srgbClr val="FF0000"/>
                   </a:solidFill>
                 </a:rPr>
-                <a:t>게시판</a:t>
+                <a:t>퀘스트 보드 관리자</a:t>
               </a:r>
-              <a:r>
-                <a:rPr lang="ko-KR" altLang="ko-KR" sz="2800" b="1" dirty="0">
-                  <a:solidFill>
-                    <a:srgbClr val="FF0000"/>
-                  </a:solidFill>
-                </a:rPr>
-                <a:t> 관리자 급구 </a:t>
-              </a:r>
-              <a:endParaRPr lang="ko-KR" altLang="en-US" sz="2800" b="1" dirty="0">
-                <a:solidFill>
-                  <a:srgbClr val="FF0000"/>
-                </a:solidFill>
-              </a:endParaRPr>
             </a:p>
           </p:txBody>
         </p:sp>
@@ -19685,7 +21237,7 @@
           <p:spPr>
             <a:xfrm>
               <a:off x="7497888" y="3337210"/>
-              <a:ext cx="3454792" cy="923330"/>
+              <a:ext cx="3419526" cy="923330"/>
             </a:xfrm>
             <a:prstGeom prst="rect">
               <a:avLst/>
@@ -19698,28 +21250,12 @@
             <a:lstStyle/>
             <a:p>
               <a:r>
-                <a:rPr lang="ko-KR" altLang="ko-KR" dirty="0">
-                  <a:solidFill>
-                    <a:schemeClr val="bg1"/>
-                  </a:solidFill>
-                </a:rPr>
-                <a:t>의뢰</a:t>
-              </a:r>
-              <a:r>
-                <a:rPr lang="en-US" altLang="ko-KR" dirty="0">
-                  <a:solidFill>
-                    <a:schemeClr val="bg1"/>
-                  </a:solidFill>
-                </a:rPr>
-                <a:t> </a:t>
-              </a:r>
-              <a:r>
                 <a:rPr lang="ko-KR" altLang="en-US" dirty="0">
                   <a:solidFill>
                     <a:schemeClr val="bg1"/>
                   </a:solidFill>
                 </a:rPr>
-                <a:t>게시판</a:t>
+                <a:t>퀘스트 보드</a:t>
               </a:r>
               <a:r>
                 <a:rPr lang="ko-KR" altLang="ko-KR" dirty="0">
@@ -19758,15 +21294,15 @@
                     <a:schemeClr val="bg1"/>
                   </a:solidFill>
                 </a:rPr>
-                <a:t>보수는 의뢰서 접수 </a:t>
+                <a:t>보수 </a:t>
               </a:r>
               <a:r>
-                <a:rPr lang="ko-KR" altLang="en-US" dirty="0" err="1">
+                <a:rPr lang="en-US" altLang="ko-KR" dirty="0">
                   <a:solidFill>
                     <a:schemeClr val="bg1"/>
                   </a:solidFill>
                 </a:rPr>
-                <a:t>확인시</a:t>
+                <a:t>: </a:t>
               </a:r>
               <a:r>
                 <a:rPr lang="ko-KR" altLang="en-US" dirty="0">
@@ -19774,7 +21310,7 @@
                     <a:schemeClr val="bg1"/>
                   </a:solidFill>
                 </a:rPr>
-                <a:t> 지급</a:t>
+                <a:t>퀘스트 수수료 일부지급</a:t>
               </a:r>
               <a:r>
                 <a:rPr lang="en-US" altLang="ko-KR" dirty="0">
@@ -19813,7 +21349,23 @@
                     <a:schemeClr val="bg1"/>
                   </a:solidFill>
                 </a:rPr>
-                <a:t>의뢰서 오남용은 벌금입니다</a:t>
+                <a:t>관련 없는 서류 </a:t>
+              </a:r>
+              <a:r>
+                <a:rPr lang="ko-KR" altLang="en-US" dirty="0" err="1">
+                  <a:solidFill>
+                    <a:schemeClr val="bg1"/>
+                  </a:solidFill>
+                </a:rPr>
+                <a:t>취급시</a:t>
+              </a:r>
+              <a:r>
+                <a:rPr lang="ko-KR" altLang="en-US" dirty="0">
+                  <a:solidFill>
+                    <a:schemeClr val="bg1"/>
+                  </a:solidFill>
+                </a:rPr>
+                <a:t> 벌금</a:t>
               </a:r>
               <a:r>
                 <a:rPr lang="en-US" altLang="ko-KR" dirty="0">
@@ -19832,268 +21384,6 @@
           </p:txBody>
         </p:sp>
       </p:grpSp>
-      <p:sp>
-        <p:nvSpPr>
-          <p:cNvPr id="110" name="Google Shape;110;p4"/>
-          <p:cNvSpPr txBox="1">
-            <a:spLocks noGrp="1"/>
-          </p:cNvSpPr>
-          <p:nvPr>
-            <p:ph type="title"/>
-          </p:nvPr>
-        </p:nvSpPr>
-        <p:spPr>
-          <a:prstGeom prst="rect">
-            <a:avLst/>
-          </a:prstGeom>
-          <a:noFill/>
-          <a:ln>
-            <a:noFill/>
-          </a:ln>
-        </p:spPr>
-        <p:txBody>
-          <a:bodyPr spcFirstLastPara="1" wrap="square" lIns="91425" tIns="45700" rIns="91425" bIns="45700" anchor="ctr" anchorCtr="0">
-            <a:normAutofit/>
-          </a:bodyPr>
-          <a:lstStyle/>
-          <a:p>
-            <a:pPr marL="0" lvl="0" indent="0" algn="ctr" rtl="0">
-              <a:lnSpc>
-                <a:spcPct val="90000"/>
-              </a:lnSpc>
-              <a:spcBef>
-                <a:spcPts val="0"/>
-              </a:spcBef>
-              <a:spcAft>
-                <a:spcPts val="0"/>
-              </a:spcAft>
-              <a:buClr>
-                <a:schemeClr val="accent1"/>
-              </a:buClr>
-              <a:buSzPts val="3200"/>
-              <a:buFont typeface="Rockwell"/>
-              <a:buNone/>
-            </a:pPr>
-            <a:r>
-              <a:rPr lang="ko-KR" sz="3600" b="1" dirty="0"/>
-              <a:t>퀘스트 보드 </a:t>
-            </a:r>
-            <a:r>
-              <a:rPr lang="ko-KR" dirty="0"/>
-              <a:t>(의뢰 게시판)</a:t>
-            </a:r>
-            <a:endParaRPr sz="3600" dirty="0"/>
-          </a:p>
-        </p:txBody>
-      </p:sp>
-      <p:sp>
-        <p:nvSpPr>
-          <p:cNvPr id="111" name="Google Shape;111;p4"/>
-          <p:cNvSpPr txBox="1">
-            <a:spLocks noGrp="1"/>
-          </p:cNvSpPr>
-          <p:nvPr>
-            <p:ph idx="1"/>
-          </p:nvPr>
-        </p:nvSpPr>
-        <p:spPr>
-          <a:xfrm>
-            <a:off x="1141413" y="2080470"/>
-            <a:ext cx="9905998" cy="4167929"/>
-          </a:xfrm>
-          <a:prstGeom prst="rect">
-            <a:avLst/>
-          </a:prstGeom>
-          <a:noFill/>
-          <a:ln>
-            <a:noFill/>
-          </a:ln>
-        </p:spPr>
-        <p:txBody>
-          <a:bodyPr spcFirstLastPara="1" wrap="square" lIns="91425" tIns="45700" rIns="91425" bIns="45700" anchor="t" anchorCtr="0">
-            <a:normAutofit/>
-          </a:bodyPr>
-          <a:lstStyle/>
-          <a:p>
-            <a:pPr marL="228600" lvl="0" indent="-101600" algn="l" rtl="0">
-              <a:lnSpc>
-                <a:spcPct val="120000"/>
-              </a:lnSpc>
-              <a:spcBef>
-                <a:spcPts val="0"/>
-              </a:spcBef>
-              <a:spcAft>
-                <a:spcPts val="0"/>
-              </a:spcAft>
-              <a:buSzPts val="2000"/>
-              <a:buNone/>
-            </a:pPr>
-            <a:endParaRPr dirty="0"/>
-          </a:p>
-          <a:p>
-            <a:pPr marL="228600" lvl="0" indent="-228600" algn="l" rtl="0">
-              <a:lnSpc>
-                <a:spcPct val="120000"/>
-              </a:lnSpc>
-              <a:spcBef>
-                <a:spcPts val="1000"/>
-              </a:spcBef>
-              <a:spcAft>
-                <a:spcPts val="0"/>
-              </a:spcAft>
-              <a:buSzPts val="2000"/>
-              <a:buChar char="•"/>
-            </a:pPr>
-            <a:r>
-              <a:rPr lang="ko-KR" dirty="0"/>
-              <a:t>장르 : 경영 </a:t>
-            </a:r>
-            <a:r>
-              <a:rPr lang="ko-KR" dirty="0" err="1"/>
-              <a:t>타이쿤</a:t>
-            </a:r>
-            <a:br>
-              <a:rPr lang="ko-KR" dirty="0"/>
-            </a:br>
-            <a:r>
-              <a:rPr lang="ko-KR" dirty="0"/>
-              <a:t>- </a:t>
-            </a:r>
-            <a:r>
-              <a:rPr lang="ko-KR" altLang="en-US" dirty="0"/>
-              <a:t>발주처 서류 취득</a:t>
-            </a:r>
-            <a:br>
-              <a:rPr lang="ko-KR" dirty="0"/>
-            </a:br>
-            <a:r>
-              <a:rPr lang="ko-KR" dirty="0"/>
-              <a:t>- 조건에 맞춰 의</a:t>
-            </a:r>
-            <a:r>
-              <a:rPr lang="ko-KR" altLang="en-US" dirty="0"/>
-              <a:t>뢰서 </a:t>
-            </a:r>
-            <a:r>
-              <a:rPr lang="ko-KR" altLang="en-US" dirty="0" err="1"/>
-              <a:t>탈착</a:t>
-            </a:r>
-            <a:br>
-              <a:rPr lang="en-US" altLang="ko-KR" dirty="0"/>
-            </a:br>
-            <a:r>
-              <a:rPr lang="en-US" altLang="ko-KR" dirty="0"/>
-              <a:t>- </a:t>
-            </a:r>
-            <a:r>
-              <a:rPr lang="ko-KR" altLang="en-US" dirty="0"/>
-              <a:t>담당 부서 고유임무</a:t>
-            </a:r>
-            <a:endParaRPr lang="en-US" altLang="ko-KR" dirty="0"/>
-          </a:p>
-          <a:p>
-            <a:pPr marL="228600" lvl="0" indent="-228600" algn="l" rtl="0">
-              <a:lnSpc>
-                <a:spcPct val="120000"/>
-              </a:lnSpc>
-              <a:spcBef>
-                <a:spcPts val="1000"/>
-              </a:spcBef>
-              <a:spcAft>
-                <a:spcPts val="0"/>
-              </a:spcAft>
-              <a:buSzPts val="2000"/>
-              <a:buChar char="•"/>
-            </a:pPr>
-            <a:endParaRPr dirty="0"/>
-          </a:p>
-          <a:p>
-            <a:pPr marL="228600" lvl="0" indent="-228600" algn="l" rtl="0">
-              <a:lnSpc>
-                <a:spcPct val="120000"/>
-              </a:lnSpc>
-              <a:spcBef>
-                <a:spcPts val="1000"/>
-              </a:spcBef>
-              <a:spcAft>
-                <a:spcPts val="0"/>
-              </a:spcAft>
-              <a:buSzPts val="2000"/>
-              <a:buChar char="•"/>
-            </a:pPr>
-            <a:r>
-              <a:rPr lang="ko-KR" dirty="0"/>
-              <a:t>“퀘스트 보드” 배경</a:t>
-            </a:r>
-            <a:br>
-              <a:rPr lang="ko-KR" dirty="0"/>
-            </a:br>
-            <a:r>
-              <a:rPr lang="ko-KR" dirty="0"/>
-              <a:t>- </a:t>
-            </a:r>
-            <a:r>
-              <a:rPr lang="ko-KR" altLang="en-US" dirty="0"/>
-              <a:t>코알라의</a:t>
-            </a:r>
-            <a:r>
-              <a:rPr lang="en-US" altLang="ko-KR" dirty="0"/>
-              <a:t> </a:t>
-            </a:r>
-            <a:r>
-              <a:rPr lang="ko-KR" altLang="en-US" dirty="0"/>
-              <a:t>저주를 풀려면 돈이 필요함</a:t>
-            </a:r>
-            <a:br>
-              <a:rPr lang="en-US" altLang="ko-KR" dirty="0"/>
-            </a:br>
-            <a:r>
-              <a:rPr lang="en-US" altLang="ko-KR" dirty="0"/>
-              <a:t>- </a:t>
-            </a:r>
-            <a:r>
-              <a:rPr lang="ko-KR" altLang="en-US" dirty="0"/>
-              <a:t>일자리 게시판 구석에 급구 의뢰서 발견</a:t>
-            </a:r>
-            <a:br>
-              <a:rPr lang="ko-KR" dirty="0"/>
-            </a:br>
-            <a:r>
-              <a:rPr lang="ko-KR" dirty="0"/>
-              <a:t>- 퀘스트 보드 담당자가</a:t>
-            </a:r>
-            <a:r>
-              <a:rPr lang="en-US" altLang="ko-KR" dirty="0"/>
-              <a:t> </a:t>
-            </a:r>
-            <a:r>
-              <a:rPr lang="ko-KR" altLang="en-US" dirty="0"/>
-              <a:t>되어</a:t>
-            </a:r>
-            <a:r>
-              <a:rPr lang="en-US" altLang="ko-KR" dirty="0"/>
-              <a:t> </a:t>
-            </a:r>
-            <a:r>
-              <a:rPr lang="ko-KR" altLang="en-US" dirty="0"/>
-              <a:t>돈 벌고</a:t>
-            </a:r>
-            <a:r>
-              <a:rPr lang="en-US" altLang="ko-KR" dirty="0"/>
-              <a:t>, </a:t>
-            </a:r>
-            <a:r>
-              <a:rPr lang="ko-KR" altLang="en-US" dirty="0"/>
-              <a:t>저주도 풀자</a:t>
-            </a:r>
-            <a:r>
-              <a:rPr lang="en-US" altLang="ko-KR" dirty="0"/>
-              <a:t>.</a:t>
-            </a:r>
-            <a:endParaRPr dirty="0"/>
-          </a:p>
-        </p:txBody>
-      </p:sp>
     </p:spTree>
   </p:cSld>
   <p:clrMapOvr>
@@ -20326,10 +21616,18 @@
               <a:buNone/>
             </a:pPr>
             <a:r>
-              <a:rPr lang="ko-KR"/>
-              <a:t>메인은 “스마트폰” 그리고 멀티 플랫폼 지원</a:t>
-            </a:r>
-            <a:endParaRPr/>
+              <a:rPr lang="ko-KR" dirty="0" err="1"/>
+              <a:t>메인은</a:t>
+            </a:r>
+            <a:r>
+              <a:rPr lang="ko-KR" dirty="0"/>
+              <a:t> “스마트폰” </a:t>
+            </a:r>
+            <a:r>
+              <a:rPr lang="ko-KR" altLang="en-US" dirty="0"/>
+              <a:t>그리고 터치 단말기</a:t>
+            </a:r>
+            <a:endParaRPr dirty="0"/>
           </a:p>
         </p:txBody>
       </p:sp>
@@ -20376,31 +21674,31 @@
               <a:buChar char="•"/>
             </a:pPr>
             <a:r>
-              <a:rPr lang="ko-KR"/>
+              <a:rPr lang="ko-KR" dirty="0"/>
               <a:t>iOS , 안드로이드 등의 스마트폰</a:t>
             </a:r>
             <a:br>
-              <a:rPr lang="ko-KR"/>
+              <a:rPr lang="ko-KR" dirty="0"/>
             </a:br>
             <a:r>
-              <a:rPr lang="ko-KR"/>
+              <a:rPr lang="ko-KR" dirty="0"/>
               <a:t>- 접근성 좋은 스마트폰 게임</a:t>
             </a:r>
             <a:br>
-              <a:rPr lang="ko-KR"/>
+              <a:rPr lang="ko-KR" dirty="0"/>
             </a:br>
             <a:r>
-              <a:rPr lang="ko-KR"/>
+              <a:rPr lang="ko-KR" dirty="0"/>
               <a:t>- 터치 방식 컨트롤러 지원</a:t>
             </a:r>
             <a:br>
-              <a:rPr lang="ko-KR"/>
+              <a:rPr lang="ko-KR" dirty="0"/>
             </a:br>
             <a:r>
-              <a:rPr lang="ko-KR"/>
+              <a:rPr lang="ko-KR" dirty="0"/>
               <a:t>- 앱스토어 설치 방식 (1안)</a:t>
             </a:r>
-            <a:endParaRPr/>
+            <a:endParaRPr dirty="0"/>
           </a:p>
           <a:p>
             <a:pPr marL="228600" lvl="0" indent="-101600" algn="l" rtl="0">
@@ -20416,7 +21714,7 @@
               <a:buSzPts val="2000"/>
               <a:buNone/>
             </a:pPr>
-            <a:endParaRPr/>
+            <a:endParaRPr dirty="0"/>
           </a:p>
           <a:p>
             <a:pPr marL="228600" lvl="0" indent="-228600" algn="l" rtl="0">
@@ -20433,24 +21731,44 @@
               <a:buChar char="•"/>
             </a:pPr>
             <a:r>
-              <a:rPr lang="ko-KR"/>
-              <a:t>멀티 플랫폼 지원 가능 (2안)</a:t>
+              <a:rPr lang="ko-KR" altLang="en-US" dirty="0"/>
+              <a:t>터치형 단말기 호환</a:t>
+            </a:r>
+            <a:r>
+              <a:rPr lang="ko-KR" dirty="0"/>
+              <a:t> (2안)</a:t>
             </a:r>
             <a:br>
-              <a:rPr lang="ko-KR"/>
+              <a:rPr lang="ko-KR" dirty="0"/>
             </a:br>
             <a:r>
-              <a:rPr lang="ko-KR"/>
-              <a:t>- HTML5 지원하는 모든 기기</a:t>
+              <a:rPr lang="ko-KR" dirty="0"/>
+              <a:t>- HTML5 지원하는 </a:t>
+            </a:r>
+            <a:r>
+              <a:rPr lang="ko-KR" altLang="en-US" dirty="0"/>
+              <a:t>터치</a:t>
+            </a:r>
+            <a:r>
+              <a:rPr lang="ko-KR" dirty="0"/>
+              <a:t> 기기</a:t>
             </a:r>
             <a:br>
-              <a:rPr lang="ko-KR"/>
+              <a:rPr lang="ko-KR" dirty="0"/>
             </a:br>
             <a:r>
-              <a:rPr lang="ko-KR"/>
-              <a:t>- 스마트폰, 테블릿, PC, 콘솔게임기</a:t>
-            </a:r>
-            <a:endParaRPr/>
+              <a:rPr lang="ko-KR" dirty="0"/>
+              <a:t>- </a:t>
+            </a:r>
+            <a:r>
+              <a:rPr lang="ko-KR" altLang="en-US" dirty="0"/>
+              <a:t>터치기반 디스플레이의 </a:t>
+            </a:r>
+            <a:r>
+              <a:rPr lang="ko-KR" altLang="en-US" dirty="0" err="1"/>
+              <a:t>테블릿</a:t>
+            </a:r>
+            <a:endParaRPr dirty="0"/>
           </a:p>
         </p:txBody>
       </p:sp>
@@ -20765,7 +22083,11 @@
             </a:pPr>
             <a:r>
               <a:rPr lang="ko-KR" dirty="0"/>
-              <a:t>주요 고객 예상</a:t>
+              <a:t>주요 </a:t>
+            </a:r>
+            <a:r>
+              <a:rPr lang="ko-KR" altLang="en-US" dirty="0"/>
+              <a:t>예상 고객</a:t>
             </a:r>
             <a:br>
               <a:rPr lang="ko-KR" dirty="0"/>
@@ -20780,7 +22102,11 @@
             </a:r>
             <a:r>
               <a:rPr lang="ko-KR" dirty="0"/>
-              <a:t> 매니아</a:t>
+              <a:t> </a:t>
+            </a:r>
+            <a:r>
+              <a:rPr lang="ko-KR" altLang="en-US" dirty="0"/>
+              <a:t>매니아</a:t>
             </a:r>
             <a:br>
               <a:rPr lang="ko-KR" dirty="0"/>
@@ -20806,7 +22132,7 @@
             </a:r>
             <a:r>
               <a:rPr lang="ko-KR" altLang="en-US" dirty="0"/>
-              <a:t>창고 수납 방치자들</a:t>
+              <a:t>인벤토리 디자이너</a:t>
             </a:r>
             <a:endParaRPr dirty="0"/>
           </a:p>
@@ -20926,10 +22252,30 @@
               <a:buNone/>
             </a:pPr>
             <a:r>
-              <a:rPr lang="ko-KR"/>
-              <a:t>경영 타이쿤 할만 한가?</a:t>
-            </a:r>
-            <a:endParaRPr/>
+              <a:rPr lang="ko-KR" altLang="en-US" dirty="0"/>
+              <a:t>인벤토리 </a:t>
+            </a:r>
+            <a:r>
+              <a:rPr lang="ko-KR" dirty="0"/>
+              <a:t>경영 </a:t>
+            </a:r>
+            <a:r>
+              <a:rPr lang="ko-KR" dirty="0" err="1"/>
+              <a:t>타이쿤</a:t>
+            </a:r>
+            <a:r>
+              <a:rPr lang="ko-KR" dirty="0"/>
+              <a:t> 할</a:t>
+            </a:r>
+            <a:r>
+              <a:rPr lang="en-US" altLang="ko-KR" dirty="0"/>
+              <a:t> </a:t>
+            </a:r>
+            <a:r>
+              <a:rPr lang="ko-KR" dirty="0"/>
+              <a:t>만 한가?</a:t>
+            </a:r>
+            <a:endParaRPr dirty="0"/>
           </a:p>
         </p:txBody>
       </p:sp>
